--- a/tehtavat/tiedostot/maol/power_point/Racket-MAOL-5-6-muuttujat.pptx
+++ b/tehtavat/tiedostot/maol/power_point/Racket-MAOL-5-6-muuttujat.pptx
@@ -6,10 +6,10 @@
     <p:sldMasterId id="2147483703" r:id="rId2"/>
   </p:sldMasterIdLst>
   <p:notesMasterIdLst>
-    <p:notesMasterId r:id="rId15"/>
+    <p:notesMasterId r:id="rId17"/>
   </p:notesMasterIdLst>
   <p:handoutMasterIdLst>
-    <p:handoutMasterId r:id="rId16"/>
+    <p:handoutMasterId r:id="rId18"/>
   </p:handoutMasterIdLst>
   <p:sldIdLst>
     <p:sldId id="374" r:id="rId3"/>
@@ -23,12 +23,14 @@
     <p:sldId id="397" r:id="rId11"/>
     <p:sldId id="398" r:id="rId12"/>
     <p:sldId id="399" r:id="rId13"/>
-    <p:sldId id="389" r:id="rId14"/>
+    <p:sldId id="400" r:id="rId14"/>
+    <p:sldId id="401" r:id="rId15"/>
+    <p:sldId id="402" r:id="rId16"/>
   </p:sldIdLst>
   <p:sldSz cx="9144000" cy="6858000" type="screen4x3"/>
   <p:notesSz cx="7102475" cy="10234613"/>
   <p:custDataLst>
-    <p:tags r:id="rId17"/>
+    <p:tags r:id="rId19"/>
   </p:custDataLst>
   <p:defaultTextStyle>
     <a:defPPr>
@@ -270,7 +272,7 @@
           <a:p>
             <a:fld id="{65DDCE77-A140-48C7-9200-4CF16958EFC5}" type="datetimeFigureOut">
               <a:rPr lang="fi-FI" smtClean="0"/>
-              <a:t>31.3.2017</a:t>
+              <a:t>24.8.2017</a:t>
             </a:fld>
             <a:endParaRPr lang="fi-FI"/>
           </a:p>
@@ -7766,15 +7768,8 @@
                   </a:schemeClr>
                 </a:solidFill>
               </a:rPr>
-              <a:t>Muuttujat</a:t>
-            </a:r>
-            <a:endParaRPr lang="fi-FI" altLang="fi-FI" sz="4000" b="1" kern="0" dirty="0">
-              <a:solidFill>
-                <a:schemeClr val="accent6">
-                  <a:lumMod val="75000"/>
-                </a:schemeClr>
-              </a:solidFill>
-            </a:endParaRPr>
+              <a:t>Muuttujat, totuusarvot ja vertailuoperaattorit</a:t>
+            </a:r>
           </a:p>
         </p:txBody>
       </p:sp>
@@ -8482,7 +8477,29 @@
                   </a:schemeClr>
                 </a:solidFill>
               </a:rPr>
-              <a:t>Tehtäväsarja 1. Vertailuoperaattorit</a:t>
+              <a:t>Tehtäväsarja </a:t>
+            </a:r>
+            <a:r>
+              <a:rPr lang="fi-FI" altLang="fi-FI" sz="4000" b="1" kern="0" dirty="0">
+                <a:solidFill>
+                  <a:schemeClr val="accent6">
+                    <a:lumMod val="75000"/>
+                  </a:schemeClr>
+                </a:solidFill>
+                <a:latin typeface="Arial" panose="020B0604020202020204" pitchFamily="34" charset="0"/>
+                <a:cs typeface="Arial" panose="020B0604020202020204" pitchFamily="34" charset="0"/>
+              </a:rPr>
+              <a:t>1</a:t>
+            </a:r>
+            <a:r>
+              <a:rPr lang="fi-FI" altLang="fi-FI" sz="4000" b="1" kern="0" dirty="0" smtClean="0">
+                <a:solidFill>
+                  <a:schemeClr val="accent6">
+                    <a:lumMod val="75000"/>
+                  </a:schemeClr>
+                </a:solidFill>
+              </a:rPr>
+              <a:t>. Vertailuoperaattorit</a:t>
             </a:r>
             <a:endParaRPr lang="fi-FI" altLang="fi-FI" sz="4000" b="1" kern="0" dirty="0">
               <a:solidFill>
@@ -8609,7 +8626,7 @@
                 </a:solidFill>
                 <a:latin typeface="Arial" charset="0"/>
               </a:rPr>
-              <a:t>(&gt;= (+ 12 3) (+ 8 6))</a:t>
+              <a:t>(&gt; (+ 12 3) (+ 8 6))</a:t>
             </a:r>
             <a:endParaRPr kumimoji="0" lang="fi-FI" sz="2200" b="0" i="0" u="none" strike="noStrike" cap="none" normalizeH="0" dirty="0" smtClean="0">
               <a:ln>
@@ -8789,7 +8806,7 @@
                 <a:effectLst/>
                 <a:latin typeface="Arial" charset="0"/>
               </a:rPr>
-              <a:t>d) (&gt;= 3 3)		e) (&lt;= 12 13)</a:t>
+              <a:t>d) (&gt; 3 3)		e) (&lt; 12 13)</a:t>
             </a:r>
           </a:p>
         </p:txBody>
@@ -8959,7 +8976,7 @@
         <p:spPr>
           <a:xfrm>
             <a:off x="1551724" y="1804853"/>
-            <a:ext cx="6142223" cy="3785652"/>
+            <a:ext cx="6142223" cy="3539430"/>
           </a:xfrm>
           <a:prstGeom prst="rect">
             <a:avLst/>
@@ -9116,7 +9133,7 @@
                 <a:effectLst/>
                 <a:latin typeface="Arial" charset="0"/>
               </a:rPr>
-              <a:t>c)     (&gt;= luumuja (+ omenoita päärynöitä))</a:t>
+              <a:t>c)     (&gt; luumuja (+ omenoita päärynöitä))</a:t>
             </a:r>
           </a:p>
           <a:p>
@@ -9139,7 +9156,124 @@
                 <a:effectLst/>
                 <a:latin typeface="Arial" charset="0"/>
               </a:rPr>
-              <a:t>d) 	Keksi oma hedelmien lukumääriin liittyvä yksinkertainen 	väitelause  ja pyydä pariasi tutkimaan vastaavan lausekkeen 	totuusarvo. Esimerkiksi: ”Onko omenoita, päärynöitä, 	luumuja ja appelsiineja yhteensä enemmän kuin 20 	kappaletta?”</a:t>
+              <a:t>Keksi </a:t>
+            </a:r>
+            <a:r>
+              <a:rPr kumimoji="0" lang="fi-FI" sz="1600" b="0" i="0" u="none" strike="noStrike" cap="none" normalizeH="0" dirty="0" smtClean="0">
+                <a:ln>
+                  <a:noFill/>
+                </a:ln>
+                <a:solidFill>
+                  <a:schemeClr val="tx1"/>
+                </a:solidFill>
+                <a:effectLst/>
+                <a:latin typeface="Arial" charset="0"/>
+              </a:rPr>
+              <a:t>oma hedelmien lukumääriin liittyvä </a:t>
+            </a:r>
+            <a:r>
+              <a:rPr kumimoji="0" lang="fi-FI" sz="1600" b="0" i="0" u="none" strike="noStrike" cap="none" normalizeH="0" dirty="0" smtClean="0">
+                <a:ln>
+                  <a:noFill/>
+                </a:ln>
+                <a:solidFill>
+                  <a:schemeClr val="tx1"/>
+                </a:solidFill>
+                <a:effectLst/>
+                <a:latin typeface="Arial" charset="0"/>
+              </a:rPr>
+              <a:t>yksinkertainen väitelause  </a:t>
+            </a:r>
+            <a:r>
+              <a:rPr kumimoji="0" lang="fi-FI" sz="1600" b="0" i="0" u="none" strike="noStrike" cap="none" normalizeH="0" dirty="0" smtClean="0">
+                <a:ln>
+                  <a:noFill/>
+                </a:ln>
+                <a:solidFill>
+                  <a:schemeClr val="tx1"/>
+                </a:solidFill>
+                <a:effectLst/>
+                <a:latin typeface="Arial" charset="0"/>
+              </a:rPr>
+              <a:t>ja pyydä pariasi tutkimaan vastaavan </a:t>
+            </a:r>
+            <a:r>
+              <a:rPr kumimoji="0" lang="fi-FI" sz="1600" b="0" i="0" u="none" strike="noStrike" cap="none" normalizeH="0" dirty="0" smtClean="0">
+                <a:ln>
+                  <a:noFill/>
+                </a:ln>
+                <a:solidFill>
+                  <a:schemeClr val="tx1"/>
+                </a:solidFill>
+                <a:effectLst/>
+                <a:latin typeface="Arial" charset="0"/>
+              </a:rPr>
+              <a:t>lausekkeen totuusarvo</a:t>
+            </a:r>
+            <a:r>
+              <a:rPr kumimoji="0" lang="fi-FI" sz="1600" b="0" i="0" u="none" strike="noStrike" cap="none" normalizeH="0" dirty="0" smtClean="0">
+                <a:ln>
+                  <a:noFill/>
+                </a:ln>
+                <a:solidFill>
+                  <a:schemeClr val="tx1"/>
+                </a:solidFill>
+                <a:effectLst/>
+                <a:latin typeface="Arial" charset="0"/>
+              </a:rPr>
+              <a:t>. Esimerkiksi: ”Onko omenoita, </a:t>
+            </a:r>
+            <a:r>
+              <a:rPr kumimoji="0" lang="fi-FI" sz="1600" b="0" i="0" u="none" strike="noStrike" cap="none" normalizeH="0" dirty="0" smtClean="0">
+                <a:ln>
+                  <a:noFill/>
+                </a:ln>
+                <a:solidFill>
+                  <a:schemeClr val="tx1"/>
+                </a:solidFill>
+                <a:effectLst/>
+                <a:latin typeface="Arial" charset="0"/>
+              </a:rPr>
+              <a:t>päärynöitä, luumuja ja appelsiineja </a:t>
+            </a:r>
+            <a:r>
+              <a:rPr kumimoji="0" lang="fi-FI" sz="1600" b="0" i="0" u="none" strike="noStrike" cap="none" normalizeH="0" dirty="0" smtClean="0">
+                <a:ln>
+                  <a:noFill/>
+                </a:ln>
+                <a:solidFill>
+                  <a:schemeClr val="tx1"/>
+                </a:solidFill>
+                <a:effectLst/>
+                <a:latin typeface="Arial" charset="0"/>
+              </a:rPr>
+              <a:t>yhteensä enemmän kuin </a:t>
+            </a:r>
+            <a:r>
+              <a:rPr kumimoji="0" lang="fi-FI" sz="1600" b="0" i="0" u="none" strike="noStrike" cap="none" normalizeH="0" dirty="0" smtClean="0">
+                <a:ln>
+                  <a:noFill/>
+                </a:ln>
+                <a:solidFill>
+                  <a:schemeClr val="tx1"/>
+                </a:solidFill>
+                <a:effectLst/>
+                <a:latin typeface="Arial" charset="0"/>
+              </a:rPr>
+              <a:t>20 kappaletta</a:t>
+            </a:r>
+            <a:r>
+              <a:rPr kumimoji="0" lang="fi-FI" sz="1600" b="0" i="0" u="none" strike="noStrike" cap="none" normalizeH="0" dirty="0" smtClean="0">
+                <a:ln>
+                  <a:noFill/>
+                </a:ln>
+                <a:solidFill>
+                  <a:schemeClr val="tx1"/>
+                </a:solidFill>
+                <a:effectLst/>
+                <a:latin typeface="Arial" charset="0"/>
+              </a:rPr>
+              <a:t>?”</a:t>
             </a:r>
             <a:endParaRPr lang="fi-FI" sz="1600" dirty="0">
               <a:solidFill>
@@ -9458,7 +9592,27 @@
                   </a:schemeClr>
                 </a:solidFill>
               </a:rPr>
-              <a:t>Tehtäväsarja 1I. Vertailuoperaattorit ja muuttujat</a:t>
+              <a:t>Tehtäväsarja </a:t>
+            </a:r>
+            <a:r>
+              <a:rPr lang="fi-FI" altLang="fi-FI" sz="4000" b="1" kern="0" dirty="0">
+                <a:solidFill>
+                  <a:schemeClr val="accent6">
+                    <a:lumMod val="75000"/>
+                  </a:schemeClr>
+                </a:solidFill>
+              </a:rPr>
+              <a:t>2</a:t>
+            </a:r>
+            <a:r>
+              <a:rPr lang="fi-FI" altLang="fi-FI" sz="4000" b="1" kern="0" dirty="0" smtClean="0">
+                <a:solidFill>
+                  <a:schemeClr val="accent6">
+                    <a:lumMod val="75000"/>
+                  </a:schemeClr>
+                </a:solidFill>
+              </a:rPr>
+              <a:t>. Vertailuoperaattorit ja muuttujat</a:t>
             </a:r>
             <a:endParaRPr lang="fi-FI" altLang="fi-FI" sz="4000" b="1" kern="0" dirty="0">
               <a:solidFill>
@@ -9538,6 +9692,52 @@
           </a:p>
         </p:txBody>
       </p:sp>
+      <p:sp>
+        <p:nvSpPr>
+          <p:cNvPr id="11" name="Suorakulmio 43"/>
+          <p:cNvSpPr/>
+          <p:nvPr/>
+        </p:nvSpPr>
+        <p:spPr>
+          <a:xfrm>
+            <a:off x="362499" y="4323993"/>
+            <a:ext cx="1074012" cy="338554"/>
+          </a:xfrm>
+          <a:prstGeom prst="rect">
+            <a:avLst/>
+          </a:prstGeom>
+          <a:solidFill>
+            <a:schemeClr val="accent2">
+              <a:lumMod val="75000"/>
+            </a:schemeClr>
+          </a:solidFill>
+        </p:spPr>
+        <p:txBody>
+          <a:bodyPr wrap="none">
+            <a:spAutoFit/>
+          </a:bodyPr>
+          <a:lstStyle/>
+          <a:p>
+            <a:r>
+              <a:rPr kumimoji="0" lang="fi-FI" sz="1600" b="0" i="0" u="none" strike="noStrike" cap="none" normalizeH="0" dirty="0">
+                <a:ln>
+                  <a:noFill/>
+                </a:ln>
+                <a:effectLst/>
+                <a:latin typeface="Arial" charset="0"/>
+              </a:rPr>
+              <a:t>Tehtävä </a:t>
+            </a:r>
+            <a:r>
+              <a:rPr lang="fi-FI" sz="1600" dirty="0">
+                <a:latin typeface="Arial" charset="0"/>
+              </a:rPr>
+              <a:t>2</a:t>
+            </a:r>
+            <a:endParaRPr lang="fi-FI" sz="1600" dirty="0"/>
+          </a:p>
+        </p:txBody>
+      </p:sp>
     </p:spTree>
     <p:extLst>
       <p:ext uri="{BB962C8B-B14F-4D97-AF65-F5344CB8AC3E}">
@@ -9552,409 +9752,6 @@
 </file>
 
 <file path=ppt/slides/slide12.xml><?xml version="1.0" encoding="utf-8"?>
-<p:sld xmlns:a="http://schemas.openxmlformats.org/drawingml/2006/main" xmlns:r="http://schemas.openxmlformats.org/officeDocument/2006/relationships" xmlns:p="http://schemas.openxmlformats.org/presentationml/2006/main">
-  <p:cSld>
-    <p:spTree>
-      <p:nvGrpSpPr>
-        <p:cNvPr id="1" name=""/>
-        <p:cNvGrpSpPr/>
-        <p:nvPr/>
-      </p:nvGrpSpPr>
-      <p:grpSpPr>
-        <a:xfrm>
-          <a:off x="0" y="0"/>
-          <a:ext cx="0" cy="0"/>
-          <a:chOff x="0" y="0"/>
-          <a:chExt cx="0" cy="0"/>
-        </a:xfrm>
-      </p:grpSpPr>
-      <p:sp>
-        <p:nvSpPr>
-          <p:cNvPr id="2" name="Footer Placeholder 1"/>
-          <p:cNvSpPr>
-            <a:spLocks noGrp="1"/>
-          </p:cNvSpPr>
-          <p:nvPr>
-            <p:ph type="ftr" sz="quarter" idx="11"/>
-          </p:nvPr>
-        </p:nvSpPr>
-        <p:spPr/>
-        <p:txBody>
-          <a:bodyPr/>
-          <a:lstStyle/>
-          <a:p>
-            <a:pPr>
-              <a:defRPr/>
-            </a:pPr>
-            <a:r>
-              <a:rPr lang="fi-FI" smtClean="0"/>
-              <a:t>MAOL Ohjelmointia matematiikkaan</a:t>
-            </a:r>
-            <a:endParaRPr lang="ru-RU"/>
-          </a:p>
-        </p:txBody>
-      </p:sp>
-      <p:sp>
-        <p:nvSpPr>
-          <p:cNvPr id="3" name="TextBox 2"/>
-          <p:cNvSpPr txBox="1"/>
-          <p:nvPr/>
-        </p:nvSpPr>
-        <p:spPr>
-          <a:xfrm>
-            <a:off x="581192" y="1700808"/>
-            <a:ext cx="5430968" cy="923330"/>
-          </a:xfrm>
-          <a:prstGeom prst="rect">
-            <a:avLst/>
-          </a:prstGeom>
-          <a:noFill/>
-        </p:spPr>
-        <p:txBody>
-          <a:bodyPr wrap="square" rtlCol="0">
-            <a:spAutoFit/>
-          </a:bodyPr>
-          <a:lstStyle/>
-          <a:p>
-            <a:pPr marL="285750" indent="-285750">
-              <a:buFont typeface="Arial" panose="020B0604020202020204" pitchFamily="34" charset="0"/>
-              <a:buChar char="•"/>
-            </a:pPr>
-            <a:endParaRPr lang="fi-FI" dirty="0" smtClean="0">
-              <a:solidFill>
-                <a:schemeClr val="tx1"/>
-              </a:solidFill>
-            </a:endParaRPr>
-          </a:p>
-          <a:p>
-            <a:pPr marL="285750" indent="-285750">
-              <a:buFont typeface="Arial" panose="020B0604020202020204" pitchFamily="34" charset="0"/>
-              <a:buChar char="•"/>
-            </a:pPr>
-            <a:r>
-              <a:rPr lang="fi-FI" dirty="0" smtClean="0">
-                <a:solidFill>
-                  <a:schemeClr val="tx1"/>
-                </a:solidFill>
-              </a:rPr>
-              <a:t>Lisää tehtäviä desimaaliluvuilla.</a:t>
-            </a:r>
-            <a:endParaRPr lang="fi-FI" dirty="0">
-              <a:solidFill>
-                <a:schemeClr val="tx1"/>
-              </a:solidFill>
-            </a:endParaRPr>
-          </a:p>
-          <a:p>
-            <a:pPr marL="285750" indent="-285750">
-              <a:buFont typeface="Arial" panose="020B0604020202020204" pitchFamily="34" charset="0"/>
-              <a:buChar char="•"/>
-            </a:pPr>
-            <a:r>
-              <a:rPr lang="fi-FI" dirty="0" smtClean="0">
-                <a:solidFill>
-                  <a:schemeClr val="tx1"/>
-                </a:solidFill>
-              </a:rPr>
-              <a:t>Vertailua </a:t>
-            </a:r>
-            <a:r>
-              <a:rPr lang="fi-FI" dirty="0" smtClean="0">
-                <a:solidFill>
-                  <a:schemeClr val="tx1"/>
-                </a:solidFill>
-              </a:rPr>
-              <a:t>rahoilla. Riittääkö </a:t>
-            </a:r>
-            <a:r>
-              <a:rPr lang="fi-FI" dirty="0" smtClean="0">
-                <a:solidFill>
-                  <a:schemeClr val="tx1"/>
-                </a:solidFill>
-              </a:rPr>
-              <a:t>rahat?</a:t>
-            </a:r>
-            <a:endParaRPr lang="fi-FI" dirty="0" smtClean="0">
-              <a:solidFill>
-                <a:schemeClr val="tx1"/>
-              </a:solidFill>
-            </a:endParaRPr>
-          </a:p>
-        </p:txBody>
-      </p:sp>
-      <p:sp>
-        <p:nvSpPr>
-          <p:cNvPr id="4" name="Otsikko 1"/>
-          <p:cNvSpPr txBox="1">
-            <a:spLocks/>
-          </p:cNvSpPr>
-          <p:nvPr/>
-        </p:nvSpPr>
-        <p:spPr bwMode="auto">
-          <a:xfrm>
-            <a:off x="179513" y="752966"/>
-            <a:ext cx="8856984" cy="599694"/>
-          </a:xfrm>
-          <a:prstGeom prst="rect">
-            <a:avLst/>
-          </a:prstGeom>
-          <a:noFill/>
-          <a:ln>
-            <a:noFill/>
-          </a:ln>
-          <a:extLst>
-            <a:ext uri="{909E8E84-426E-40DD-AFC4-6F175D3DCCD1}">
-              <a14:hiddenFill xmlns:a14="http://schemas.microsoft.com/office/drawing/2010/main">
-                <a:solidFill>
-                  <a:srgbClr val="FFFFFF"/>
-                </a:solidFill>
-              </a14:hiddenFill>
-            </a:ext>
-            <a:ext uri="{91240B29-F687-4F45-9708-019B960494DF}">
-              <a14:hiddenLine xmlns:a14="http://schemas.microsoft.com/office/drawing/2010/main" w="9525">
-                <a:solidFill>
-                  <a:srgbClr val="000000"/>
-                </a:solidFill>
-                <a:round/>
-                <a:headEnd/>
-                <a:tailEnd/>
-              </a14:hiddenLine>
-            </a:ext>
-          </a:extLst>
-        </p:spPr>
-        <p:txBody>
-          <a:bodyPr vert="horz" wrap="square" lIns="90000" tIns="46800" rIns="90000" bIns="46800" numCol="1" anchor="ctr" anchorCtr="0" compatLnSpc="1">
-            <a:prstTxWarp prst="textNoShape">
-              <a:avLst/>
-            </a:prstTxWarp>
-          </a:bodyPr>
-          <a:lstStyle>
-            <a:lvl1pPr algn="ctr" defTabSz="449263" rtl="0" eaLnBrk="0" fontAlgn="base" hangingPunct="0">
-              <a:spcBef>
-                <a:spcPct val="0"/>
-              </a:spcBef>
-              <a:spcAft>
-                <a:spcPct val="0"/>
-              </a:spcAft>
-              <a:buClr>
-                <a:srgbClr val="000000"/>
-              </a:buClr>
-              <a:buSzPct val="100000"/>
-              <a:buFont typeface="Times New Roman" panose="02020603050405020304" pitchFamily="18" charset="0"/>
-              <a:defRPr sz="4400">
-                <a:solidFill>
-                  <a:srgbClr val="000000"/>
-                </a:solidFill>
-                <a:latin typeface="+mj-lt"/>
-                <a:ea typeface="+mj-ea"/>
-                <a:cs typeface="+mj-cs"/>
-              </a:defRPr>
-            </a:lvl1pPr>
-            <a:lvl2pPr algn="ctr" defTabSz="449263" rtl="0" eaLnBrk="0" fontAlgn="base" hangingPunct="0">
-              <a:spcBef>
-                <a:spcPct val="0"/>
-              </a:spcBef>
-              <a:spcAft>
-                <a:spcPct val="0"/>
-              </a:spcAft>
-              <a:buClr>
-                <a:srgbClr val="000000"/>
-              </a:buClr>
-              <a:buSzPct val="100000"/>
-              <a:buFont typeface="Times New Roman" panose="02020603050405020304" pitchFamily="18" charset="0"/>
-              <a:defRPr sz="4400">
-                <a:solidFill>
-                  <a:srgbClr val="000000"/>
-                </a:solidFill>
-                <a:latin typeface="Arial" charset="0"/>
-                <a:ea typeface="AR PL Mingti2L Big5" charset="0"/>
-                <a:cs typeface="AR PL Mingti2L Big5" charset="0"/>
-              </a:defRPr>
-            </a:lvl2pPr>
-            <a:lvl3pPr algn="ctr" defTabSz="449263" rtl="0" eaLnBrk="0" fontAlgn="base" hangingPunct="0">
-              <a:spcBef>
-                <a:spcPct val="0"/>
-              </a:spcBef>
-              <a:spcAft>
-                <a:spcPct val="0"/>
-              </a:spcAft>
-              <a:buClr>
-                <a:srgbClr val="000000"/>
-              </a:buClr>
-              <a:buSzPct val="100000"/>
-              <a:buFont typeface="Times New Roman" panose="02020603050405020304" pitchFamily="18" charset="0"/>
-              <a:defRPr sz="4400">
-                <a:solidFill>
-                  <a:srgbClr val="000000"/>
-                </a:solidFill>
-                <a:latin typeface="Arial" charset="0"/>
-                <a:ea typeface="AR PL Mingti2L Big5" charset="0"/>
-                <a:cs typeface="AR PL Mingti2L Big5" charset="0"/>
-              </a:defRPr>
-            </a:lvl3pPr>
-            <a:lvl4pPr algn="ctr" defTabSz="449263" rtl="0" eaLnBrk="0" fontAlgn="base" hangingPunct="0">
-              <a:spcBef>
-                <a:spcPct val="0"/>
-              </a:spcBef>
-              <a:spcAft>
-                <a:spcPct val="0"/>
-              </a:spcAft>
-              <a:buClr>
-                <a:srgbClr val="000000"/>
-              </a:buClr>
-              <a:buSzPct val="100000"/>
-              <a:buFont typeface="Times New Roman" panose="02020603050405020304" pitchFamily="18" charset="0"/>
-              <a:defRPr sz="4400">
-                <a:solidFill>
-                  <a:srgbClr val="000000"/>
-                </a:solidFill>
-                <a:latin typeface="Arial" charset="0"/>
-                <a:ea typeface="AR PL Mingti2L Big5" charset="0"/>
-                <a:cs typeface="AR PL Mingti2L Big5" charset="0"/>
-              </a:defRPr>
-            </a:lvl4pPr>
-            <a:lvl5pPr algn="ctr" defTabSz="449263" rtl="0" eaLnBrk="0" fontAlgn="base" hangingPunct="0">
-              <a:spcBef>
-                <a:spcPct val="0"/>
-              </a:spcBef>
-              <a:spcAft>
-                <a:spcPct val="0"/>
-              </a:spcAft>
-              <a:buClr>
-                <a:srgbClr val="000000"/>
-              </a:buClr>
-              <a:buSzPct val="100000"/>
-              <a:buFont typeface="Times New Roman" panose="02020603050405020304" pitchFamily="18" charset="0"/>
-              <a:defRPr sz="4400">
-                <a:solidFill>
-                  <a:srgbClr val="000000"/>
-                </a:solidFill>
-                <a:latin typeface="Arial" charset="0"/>
-                <a:ea typeface="AR PL Mingti2L Big5" charset="0"/>
-                <a:cs typeface="AR PL Mingti2L Big5" charset="0"/>
-              </a:defRPr>
-            </a:lvl5pPr>
-            <a:lvl6pPr marL="2514600" indent="-228600" algn="ctr" defTabSz="449263" rtl="0" fontAlgn="base">
-              <a:spcBef>
-                <a:spcPct val="0"/>
-              </a:spcBef>
-              <a:spcAft>
-                <a:spcPct val="0"/>
-              </a:spcAft>
-              <a:buClr>
-                <a:srgbClr val="000000"/>
-              </a:buClr>
-              <a:buSzPct val="100000"/>
-              <a:buFont typeface="Times New Roman" pitchFamily="16" charset="0"/>
-              <a:defRPr sz="4400">
-                <a:solidFill>
-                  <a:srgbClr val="000000"/>
-                </a:solidFill>
-                <a:latin typeface="Arial" charset="0"/>
-                <a:ea typeface="AR PL Mingti2L Big5" charset="0"/>
-                <a:cs typeface="AR PL Mingti2L Big5" charset="0"/>
-              </a:defRPr>
-            </a:lvl6pPr>
-            <a:lvl7pPr marL="2971800" indent="-228600" algn="ctr" defTabSz="449263" rtl="0" fontAlgn="base">
-              <a:spcBef>
-                <a:spcPct val="0"/>
-              </a:spcBef>
-              <a:spcAft>
-                <a:spcPct val="0"/>
-              </a:spcAft>
-              <a:buClr>
-                <a:srgbClr val="000000"/>
-              </a:buClr>
-              <a:buSzPct val="100000"/>
-              <a:buFont typeface="Times New Roman" pitchFamily="16" charset="0"/>
-              <a:defRPr sz="4400">
-                <a:solidFill>
-                  <a:srgbClr val="000000"/>
-                </a:solidFill>
-                <a:latin typeface="Arial" charset="0"/>
-                <a:ea typeface="AR PL Mingti2L Big5" charset="0"/>
-                <a:cs typeface="AR PL Mingti2L Big5" charset="0"/>
-              </a:defRPr>
-            </a:lvl7pPr>
-            <a:lvl8pPr marL="3429000" indent="-228600" algn="ctr" defTabSz="449263" rtl="0" fontAlgn="base">
-              <a:spcBef>
-                <a:spcPct val="0"/>
-              </a:spcBef>
-              <a:spcAft>
-                <a:spcPct val="0"/>
-              </a:spcAft>
-              <a:buClr>
-                <a:srgbClr val="000000"/>
-              </a:buClr>
-              <a:buSzPct val="100000"/>
-              <a:buFont typeface="Times New Roman" pitchFamily="16" charset="0"/>
-              <a:defRPr sz="4400">
-                <a:solidFill>
-                  <a:srgbClr val="000000"/>
-                </a:solidFill>
-                <a:latin typeface="Arial" charset="0"/>
-                <a:ea typeface="AR PL Mingti2L Big5" charset="0"/>
-                <a:cs typeface="AR PL Mingti2L Big5" charset="0"/>
-              </a:defRPr>
-            </a:lvl8pPr>
-            <a:lvl9pPr marL="3886200" indent="-228600" algn="ctr" defTabSz="449263" rtl="0" fontAlgn="base">
-              <a:spcBef>
-                <a:spcPct val="0"/>
-              </a:spcBef>
-              <a:spcAft>
-                <a:spcPct val="0"/>
-              </a:spcAft>
-              <a:buClr>
-                <a:srgbClr val="000000"/>
-              </a:buClr>
-              <a:buSzPct val="100000"/>
-              <a:buFont typeface="Times New Roman" pitchFamily="16" charset="0"/>
-              <a:defRPr sz="4400">
-                <a:solidFill>
-                  <a:srgbClr val="000000"/>
-                </a:solidFill>
-                <a:latin typeface="Arial" charset="0"/>
-                <a:ea typeface="AR PL Mingti2L Big5" charset="0"/>
-                <a:cs typeface="AR PL Mingti2L Big5" charset="0"/>
-              </a:defRPr>
-            </a:lvl9pPr>
-          </a:lstStyle>
-          <a:p>
-            <a:pPr algn="l"/>
-            <a:r>
-              <a:rPr lang="fi-FI" altLang="fi-FI" sz="4000" b="1" kern="0" dirty="0" smtClean="0">
-                <a:solidFill>
-                  <a:schemeClr val="accent6">
-                    <a:lumMod val="75000"/>
-                  </a:schemeClr>
-                </a:solidFill>
-              </a:rPr>
-              <a:t>Tulossa</a:t>
-            </a:r>
-            <a:endParaRPr lang="fi-FI" altLang="fi-FI" sz="4000" b="1" kern="0" dirty="0">
-              <a:solidFill>
-                <a:schemeClr val="accent6">
-                  <a:lumMod val="75000"/>
-                </a:schemeClr>
-              </a:solidFill>
-            </a:endParaRPr>
-          </a:p>
-        </p:txBody>
-      </p:sp>
-    </p:spTree>
-    <p:extLst>
-      <p:ext uri="{BB962C8B-B14F-4D97-AF65-F5344CB8AC3E}">
-        <p14:creationId xmlns:p14="http://schemas.microsoft.com/office/powerpoint/2010/main" val="3049972186"/>
-      </p:ext>
-    </p:extLst>
-  </p:cSld>
-  <p:clrMapOvr>
-    <a:masterClrMapping/>
-  </p:clrMapOvr>
-</p:sld>
-</file>
-
-<file path=ppt/slides/slide2.xml><?xml version="1.0" encoding="utf-8"?>
 <p:sld xmlns:a="http://schemas.openxmlformats.org/drawingml/2006/main" xmlns:r="http://schemas.openxmlformats.org/officeDocument/2006/relationships" xmlns:p="http://schemas.openxmlformats.org/presentationml/2006/main">
   <p:cSld>
     <p:spTree>
@@ -10272,7 +10069,7 @@
                   </a:schemeClr>
                 </a:solidFill>
               </a:rPr>
-              <a:t>Muuttujaan voi sijoittaa luvun</a:t>
+              <a:t>Desimaaliluvut</a:t>
             </a:r>
             <a:endParaRPr lang="fi-FI" altLang="fi-FI" sz="4000" b="1" kern="0" dirty="0">
               <a:solidFill>
@@ -10426,6 +10223,4160 @@
       </p:sp>
       <p:sp>
         <p:nvSpPr>
+          <p:cNvPr id="5" name="TextBox 4"/>
+          <p:cNvSpPr txBox="1"/>
+          <p:nvPr/>
+        </p:nvSpPr>
+        <p:spPr>
+          <a:xfrm>
+            <a:off x="581192" y="1916832"/>
+            <a:ext cx="6439080" cy="646331"/>
+          </a:xfrm>
+          <a:prstGeom prst="rect">
+            <a:avLst/>
+          </a:prstGeom>
+          <a:noFill/>
+        </p:spPr>
+        <p:txBody>
+          <a:bodyPr wrap="square" rtlCol="0">
+            <a:spAutoFit/>
+          </a:bodyPr>
+          <a:lstStyle/>
+          <a:p>
+            <a:pPr marL="342900" indent="-342900">
+              <a:buFont typeface="+mj-lt"/>
+              <a:buAutoNum type="alphaLcParenR"/>
+            </a:pPr>
+            <a:endParaRPr lang="fi-FI" dirty="0" smtClean="0">
+              <a:solidFill>
+                <a:schemeClr val="tx1"/>
+              </a:solidFill>
+            </a:endParaRPr>
+          </a:p>
+          <a:p>
+            <a:pPr marL="342900" indent="-342900">
+              <a:buFont typeface="+mj-lt"/>
+              <a:buAutoNum type="alphaLcParenR"/>
+            </a:pPr>
+            <a:endParaRPr lang="fi-FI" dirty="0">
+              <a:solidFill>
+                <a:schemeClr val="tx1"/>
+              </a:solidFill>
+            </a:endParaRPr>
+          </a:p>
+        </p:txBody>
+      </p:sp>
+      <p:sp>
+        <p:nvSpPr>
+          <p:cNvPr id="6" name="TextBox 5"/>
+          <p:cNvSpPr txBox="1"/>
+          <p:nvPr/>
+        </p:nvSpPr>
+        <p:spPr>
+          <a:xfrm>
+            <a:off x="399512" y="1729396"/>
+            <a:ext cx="8114064" cy="923330"/>
+          </a:xfrm>
+          <a:prstGeom prst="rect">
+            <a:avLst/>
+          </a:prstGeom>
+          <a:noFill/>
+        </p:spPr>
+        <p:txBody>
+          <a:bodyPr wrap="square" rtlCol="0">
+            <a:spAutoFit/>
+          </a:bodyPr>
+          <a:lstStyle/>
+          <a:p>
+            <a:r>
+              <a:rPr lang="fi-FI" dirty="0" smtClean="0">
+                <a:solidFill>
+                  <a:schemeClr val="tx1"/>
+                </a:solidFill>
+              </a:rPr>
+              <a:t>Desimaaliluvuilla laskeminen tapahtuu </a:t>
+            </a:r>
+            <a:r>
+              <a:rPr lang="fi-FI" dirty="0" err="1" smtClean="0">
+                <a:solidFill>
+                  <a:schemeClr val="tx1"/>
+                </a:solidFill>
+              </a:rPr>
+              <a:t>Racketissa</a:t>
+            </a:r>
+            <a:r>
+              <a:rPr lang="fi-FI" dirty="0" smtClean="0">
+                <a:solidFill>
+                  <a:schemeClr val="tx1"/>
+                </a:solidFill>
+              </a:rPr>
+              <a:t> samalla tavalla kuin kokonaisluvuillakin laskeminen. </a:t>
+            </a:r>
+            <a:r>
+              <a:rPr lang="fi-FI" dirty="0" err="1" smtClean="0">
+                <a:solidFill>
+                  <a:schemeClr val="tx1"/>
+                </a:solidFill>
+              </a:rPr>
+              <a:t>Racketissa</a:t>
+            </a:r>
+            <a:r>
+              <a:rPr lang="fi-FI" dirty="0" smtClean="0">
+                <a:solidFill>
+                  <a:schemeClr val="tx1"/>
+                </a:solidFill>
+              </a:rPr>
+              <a:t> kokonaisosan ja desimaaliosan erottimena käytetään kuitenkin pistettä pilkun sijaan.</a:t>
+            </a:r>
+            <a:endParaRPr lang="fi-FI" dirty="0">
+              <a:solidFill>
+                <a:schemeClr val="tx1"/>
+              </a:solidFill>
+            </a:endParaRPr>
+          </a:p>
+        </p:txBody>
+      </p:sp>
+      <p:sp>
+        <p:nvSpPr>
+          <p:cNvPr id="8" name="TextBox 7"/>
+          <p:cNvSpPr txBox="1"/>
+          <p:nvPr/>
+        </p:nvSpPr>
+        <p:spPr>
+          <a:xfrm>
+            <a:off x="4456544" y="2802066"/>
+            <a:ext cx="1832359" cy="2031325"/>
+          </a:xfrm>
+          <a:prstGeom prst="rect">
+            <a:avLst/>
+          </a:prstGeom>
+          <a:noFill/>
+          <a:ln>
+            <a:solidFill>
+              <a:schemeClr val="tx1"/>
+            </a:solidFill>
+          </a:ln>
+        </p:spPr>
+        <p:txBody>
+          <a:bodyPr wrap="square" rtlCol="0">
+            <a:spAutoFit/>
+          </a:bodyPr>
+          <a:lstStyle/>
+          <a:p>
+            <a:r>
+              <a:rPr lang="fi-FI" dirty="0" smtClean="0">
+                <a:solidFill>
+                  <a:schemeClr val="tx1"/>
+                </a:solidFill>
+              </a:rPr>
+              <a:t>1,5 + 2 = ?</a:t>
+            </a:r>
+          </a:p>
+          <a:p>
+            <a:endParaRPr lang="fi-FI" dirty="0">
+              <a:solidFill>
+                <a:schemeClr val="tx1"/>
+              </a:solidFill>
+            </a:endParaRPr>
+          </a:p>
+          <a:p>
+            <a:r>
+              <a:rPr lang="fi-FI" dirty="0" smtClean="0">
+                <a:solidFill>
+                  <a:schemeClr val="tx1"/>
+                </a:solidFill>
+              </a:rPr>
+              <a:t>3 − 1,7 = ?</a:t>
+            </a:r>
+          </a:p>
+          <a:p>
+            <a:endParaRPr lang="fi-FI" dirty="0">
+              <a:solidFill>
+                <a:schemeClr val="tx1"/>
+              </a:solidFill>
+            </a:endParaRPr>
+          </a:p>
+          <a:p>
+            <a:r>
+              <a:rPr lang="fi-FI" dirty="0" smtClean="0">
+                <a:solidFill>
+                  <a:schemeClr val="tx1"/>
+                </a:solidFill>
+              </a:rPr>
+              <a:t>0,2 · 0,2 = ?</a:t>
+            </a:r>
+          </a:p>
+          <a:p>
+            <a:endParaRPr lang="fi-FI" dirty="0">
+              <a:solidFill>
+                <a:schemeClr val="tx1"/>
+              </a:solidFill>
+            </a:endParaRPr>
+          </a:p>
+          <a:p>
+            <a:r>
+              <a:rPr lang="fi-FI" dirty="0" smtClean="0">
+                <a:solidFill>
+                  <a:schemeClr val="tx1"/>
+                </a:solidFill>
+              </a:rPr>
+              <a:t>9,4 : 2 = ?</a:t>
+            </a:r>
+            <a:endParaRPr lang="fi-FI" dirty="0">
+              <a:solidFill>
+                <a:schemeClr val="tx1"/>
+              </a:solidFill>
+            </a:endParaRPr>
+          </a:p>
+        </p:txBody>
+      </p:sp>
+      <p:pic>
+        <p:nvPicPr>
+          <p:cNvPr id="11" name="Picture 10"/>
+          <p:cNvPicPr>
+            <a:picLocks noChangeAspect="1"/>
+          </p:cNvPicPr>
+          <p:nvPr/>
+        </p:nvPicPr>
+        <p:blipFill>
+          <a:blip r:embed="rId4">
+            <a:extLst>
+              <a:ext uri="{28A0092B-C50C-407E-A947-70E740481C1C}">
+                <a14:useLocalDpi xmlns:a14="http://schemas.microsoft.com/office/drawing/2010/main" val="0"/>
+              </a:ext>
+            </a:extLst>
+          </a:blip>
+          <a:stretch>
+            <a:fillRect/>
+          </a:stretch>
+        </p:blipFill>
+        <p:spPr>
+          <a:xfrm>
+            <a:off x="1650203" y="2840162"/>
+            <a:ext cx="1985693" cy="2540255"/>
+          </a:xfrm>
+          <a:prstGeom prst="rect">
+            <a:avLst/>
+          </a:prstGeom>
+          <a:ln>
+            <a:solidFill>
+              <a:schemeClr val="tx1"/>
+            </a:solidFill>
+          </a:ln>
+        </p:spPr>
+      </p:pic>
+    </p:spTree>
+    <p:extLst>
+      <p:ext uri="{BB962C8B-B14F-4D97-AF65-F5344CB8AC3E}">
+        <p14:creationId xmlns:p14="http://schemas.microsoft.com/office/powerpoint/2010/main" val="1320479369"/>
+      </p:ext>
+    </p:extLst>
+  </p:cSld>
+  <p:clrMapOvr>
+    <a:masterClrMapping/>
+  </p:clrMapOvr>
+</p:sld>
+</file>
+
+<file path=ppt/slides/slide13.xml><?xml version="1.0" encoding="utf-8"?>
+<p:sld xmlns:a="http://schemas.openxmlformats.org/drawingml/2006/main" xmlns:r="http://schemas.openxmlformats.org/officeDocument/2006/relationships" xmlns:p="http://schemas.openxmlformats.org/presentationml/2006/main">
+  <p:cSld>
+    <p:spTree>
+      <p:nvGrpSpPr>
+        <p:cNvPr id="1" name=""/>
+        <p:cNvGrpSpPr/>
+        <p:nvPr/>
+      </p:nvGrpSpPr>
+      <p:grpSpPr>
+        <a:xfrm>
+          <a:off x="0" y="0"/>
+          <a:ext cx="0" cy="0"/>
+          <a:chOff x="0" y="0"/>
+          <a:chExt cx="0" cy="0"/>
+        </a:xfrm>
+      </p:grpSpPr>
+      <p:pic>
+        <p:nvPicPr>
+          <p:cNvPr id="10" name="Picture 8" descr="https://avatars0.githubusercontent.com/u/232371?v=3&amp;s=400"/>
+          <p:cNvPicPr>
+            <a:picLocks noChangeAspect="1" noChangeArrowheads="1"/>
+          </p:cNvPicPr>
+          <p:nvPr/>
+        </p:nvPicPr>
+        <p:blipFill>
+          <a:blip r:embed="rId2" cstate="print">
+            <a:extLst>
+              <a:ext uri="{28A0092B-C50C-407E-A947-70E740481C1C}">
+                <a14:useLocalDpi xmlns:a14="http://schemas.microsoft.com/office/drawing/2010/main" val="0"/>
+              </a:ext>
+            </a:extLst>
+          </a:blip>
+          <a:srcRect/>
+          <a:stretch>
+            <a:fillRect/>
+          </a:stretch>
+        </p:blipFill>
+        <p:spPr bwMode="auto">
+          <a:xfrm>
+            <a:off x="179512" y="5229200"/>
+            <a:ext cx="1254667" cy="1254668"/>
+          </a:xfrm>
+          <a:prstGeom prst="rect">
+            <a:avLst/>
+          </a:prstGeom>
+          <a:noFill/>
+          <a:ln>
+            <a:noFill/>
+          </a:ln>
+          <a:extLst>
+            <a:ext uri="{909E8E84-426E-40DD-AFC4-6F175D3DCCD1}">
+              <a14:hiddenFill xmlns:a14="http://schemas.microsoft.com/office/drawing/2010/main">
+                <a:solidFill>
+                  <a:srgbClr val="FFFFFF"/>
+                </a:solidFill>
+              </a14:hiddenFill>
+            </a:ext>
+            <a:ext uri="{91240B29-F687-4F45-9708-019B960494DF}">
+              <a14:hiddenLine xmlns:a14="http://schemas.microsoft.com/office/drawing/2010/main" w="9525">
+                <a:solidFill>
+                  <a:srgbClr val="000000"/>
+                </a:solidFill>
+                <a:miter lim="800000"/>
+                <a:headEnd/>
+                <a:tailEnd/>
+              </a14:hiddenLine>
+            </a:ext>
+          </a:extLst>
+        </p:spPr>
+      </p:pic>
+      <p:sp>
+        <p:nvSpPr>
+          <p:cNvPr id="3" name="Alatunnisteen paikkamerkki 2"/>
+          <p:cNvSpPr>
+            <a:spLocks noGrp="1"/>
+          </p:cNvSpPr>
+          <p:nvPr>
+            <p:ph type="ftr" sz="quarter" idx="11"/>
+          </p:nvPr>
+        </p:nvSpPr>
+        <p:spPr/>
+        <p:txBody>
+          <a:bodyPr/>
+          <a:lstStyle/>
+          <a:p>
+            <a:pPr algn="r">
+              <a:defRPr/>
+            </a:pPr>
+            <a:r>
+              <a:rPr lang="fi-FI" dirty="0"/>
+              <a:t>MAOL Ohjelmointia matematiikkaan</a:t>
+            </a:r>
+            <a:endParaRPr lang="ru-RU" dirty="0"/>
+          </a:p>
+        </p:txBody>
+      </p:sp>
+      <p:pic>
+        <p:nvPicPr>
+          <p:cNvPr id="61" name="Picture 2" descr="WeScheme Logo"/>
+          <p:cNvPicPr>
+            <a:picLocks noChangeAspect="1" noChangeArrowheads="1"/>
+          </p:cNvPicPr>
+          <p:nvPr/>
+        </p:nvPicPr>
+        <p:blipFill>
+          <a:blip r:embed="rId3" cstate="print">
+            <a:extLst>
+              <a:ext uri="{28A0092B-C50C-407E-A947-70E740481C1C}">
+                <a14:useLocalDpi xmlns:a14="http://schemas.microsoft.com/office/drawing/2010/main" val="0"/>
+              </a:ext>
+            </a:extLst>
+          </a:blip>
+          <a:srcRect/>
+          <a:stretch>
+            <a:fillRect/>
+          </a:stretch>
+        </p:blipFill>
+        <p:spPr bwMode="auto">
+          <a:xfrm>
+            <a:off x="7163754" y="5133041"/>
+            <a:ext cx="1495802" cy="1383832"/>
+          </a:xfrm>
+          <a:prstGeom prst="rect">
+            <a:avLst/>
+          </a:prstGeom>
+          <a:noFill/>
+          <a:ln>
+            <a:noFill/>
+          </a:ln>
+          <a:effectLst>
+            <a:outerShdw blurRad="50800" dist="38100" dir="5400000" algn="t" rotWithShape="0">
+              <a:prstClr val="black">
+                <a:alpha val="40000"/>
+              </a:prstClr>
+            </a:outerShdw>
+          </a:effectLst>
+          <a:extLst>
+            <a:ext uri="{909E8E84-426E-40DD-AFC4-6F175D3DCCD1}">
+              <a14:hiddenFill xmlns:a14="http://schemas.microsoft.com/office/drawing/2010/main">
+                <a:solidFill>
+                  <a:srgbClr val="FFFFFF"/>
+                </a:solidFill>
+              </a14:hiddenFill>
+            </a:ext>
+            <a:ext uri="{91240B29-F687-4F45-9708-019B960494DF}">
+              <a14:hiddenLine xmlns:a14="http://schemas.microsoft.com/office/drawing/2010/main" w="9525">
+                <a:solidFill>
+                  <a:srgbClr val="000000"/>
+                </a:solidFill>
+                <a:miter lim="800000"/>
+                <a:headEnd/>
+                <a:tailEnd/>
+              </a14:hiddenLine>
+            </a:ext>
+          </a:extLst>
+        </p:spPr>
+      </p:pic>
+      <p:sp>
+        <p:nvSpPr>
+          <p:cNvPr id="11" name="Otsikko 1"/>
+          <p:cNvSpPr txBox="1">
+            <a:spLocks/>
+          </p:cNvSpPr>
+          <p:nvPr/>
+        </p:nvSpPr>
+        <p:spPr bwMode="auto">
+          <a:xfrm>
+            <a:off x="179512" y="764704"/>
+            <a:ext cx="8784976" cy="599694"/>
+          </a:xfrm>
+          <a:prstGeom prst="rect">
+            <a:avLst/>
+          </a:prstGeom>
+          <a:noFill/>
+          <a:ln>
+            <a:noFill/>
+          </a:ln>
+          <a:extLst>
+            <a:ext uri="{909E8E84-426E-40DD-AFC4-6F175D3DCCD1}">
+              <a14:hiddenFill xmlns:a14="http://schemas.microsoft.com/office/drawing/2010/main">
+                <a:solidFill>
+                  <a:srgbClr val="FFFFFF"/>
+                </a:solidFill>
+              </a14:hiddenFill>
+            </a:ext>
+            <a:ext uri="{91240B29-F687-4F45-9708-019B960494DF}">
+              <a14:hiddenLine xmlns:a14="http://schemas.microsoft.com/office/drawing/2010/main" w="9525">
+                <a:solidFill>
+                  <a:srgbClr val="000000"/>
+                </a:solidFill>
+                <a:round/>
+                <a:headEnd/>
+                <a:tailEnd/>
+              </a14:hiddenLine>
+            </a:ext>
+          </a:extLst>
+        </p:spPr>
+        <p:txBody>
+          <a:bodyPr vert="horz" wrap="square" lIns="90000" tIns="46800" rIns="90000" bIns="46800" numCol="1" anchor="ctr" anchorCtr="0" compatLnSpc="1">
+            <a:prstTxWarp prst="textNoShape">
+              <a:avLst/>
+            </a:prstTxWarp>
+          </a:bodyPr>
+          <a:lstStyle>
+            <a:lvl1pPr algn="ctr" defTabSz="449263" rtl="0" eaLnBrk="0" fontAlgn="base" hangingPunct="0">
+              <a:spcBef>
+                <a:spcPct val="0"/>
+              </a:spcBef>
+              <a:spcAft>
+                <a:spcPct val="0"/>
+              </a:spcAft>
+              <a:buClr>
+                <a:srgbClr val="000000"/>
+              </a:buClr>
+              <a:buSzPct val="100000"/>
+              <a:buFont typeface="Times New Roman" panose="02020603050405020304" pitchFamily="18" charset="0"/>
+              <a:defRPr sz="4400">
+                <a:solidFill>
+                  <a:srgbClr val="000000"/>
+                </a:solidFill>
+                <a:latin typeface="+mj-lt"/>
+                <a:ea typeface="+mj-ea"/>
+                <a:cs typeface="+mj-cs"/>
+              </a:defRPr>
+            </a:lvl1pPr>
+            <a:lvl2pPr algn="ctr" defTabSz="449263" rtl="0" eaLnBrk="0" fontAlgn="base" hangingPunct="0">
+              <a:spcBef>
+                <a:spcPct val="0"/>
+              </a:spcBef>
+              <a:spcAft>
+                <a:spcPct val="0"/>
+              </a:spcAft>
+              <a:buClr>
+                <a:srgbClr val="000000"/>
+              </a:buClr>
+              <a:buSzPct val="100000"/>
+              <a:buFont typeface="Times New Roman" panose="02020603050405020304" pitchFamily="18" charset="0"/>
+              <a:defRPr sz="4400">
+                <a:solidFill>
+                  <a:srgbClr val="000000"/>
+                </a:solidFill>
+                <a:latin typeface="Arial" charset="0"/>
+                <a:ea typeface="AR PL Mingti2L Big5" charset="0"/>
+                <a:cs typeface="AR PL Mingti2L Big5" charset="0"/>
+              </a:defRPr>
+            </a:lvl2pPr>
+            <a:lvl3pPr algn="ctr" defTabSz="449263" rtl="0" eaLnBrk="0" fontAlgn="base" hangingPunct="0">
+              <a:spcBef>
+                <a:spcPct val="0"/>
+              </a:spcBef>
+              <a:spcAft>
+                <a:spcPct val="0"/>
+              </a:spcAft>
+              <a:buClr>
+                <a:srgbClr val="000000"/>
+              </a:buClr>
+              <a:buSzPct val="100000"/>
+              <a:buFont typeface="Times New Roman" panose="02020603050405020304" pitchFamily="18" charset="0"/>
+              <a:defRPr sz="4400">
+                <a:solidFill>
+                  <a:srgbClr val="000000"/>
+                </a:solidFill>
+                <a:latin typeface="Arial" charset="0"/>
+                <a:ea typeface="AR PL Mingti2L Big5" charset="0"/>
+                <a:cs typeface="AR PL Mingti2L Big5" charset="0"/>
+              </a:defRPr>
+            </a:lvl3pPr>
+            <a:lvl4pPr algn="ctr" defTabSz="449263" rtl="0" eaLnBrk="0" fontAlgn="base" hangingPunct="0">
+              <a:spcBef>
+                <a:spcPct val="0"/>
+              </a:spcBef>
+              <a:spcAft>
+                <a:spcPct val="0"/>
+              </a:spcAft>
+              <a:buClr>
+                <a:srgbClr val="000000"/>
+              </a:buClr>
+              <a:buSzPct val="100000"/>
+              <a:buFont typeface="Times New Roman" panose="02020603050405020304" pitchFamily="18" charset="0"/>
+              <a:defRPr sz="4400">
+                <a:solidFill>
+                  <a:srgbClr val="000000"/>
+                </a:solidFill>
+                <a:latin typeface="Arial" charset="0"/>
+                <a:ea typeface="AR PL Mingti2L Big5" charset="0"/>
+                <a:cs typeface="AR PL Mingti2L Big5" charset="0"/>
+              </a:defRPr>
+            </a:lvl4pPr>
+            <a:lvl5pPr algn="ctr" defTabSz="449263" rtl="0" eaLnBrk="0" fontAlgn="base" hangingPunct="0">
+              <a:spcBef>
+                <a:spcPct val="0"/>
+              </a:spcBef>
+              <a:spcAft>
+                <a:spcPct val="0"/>
+              </a:spcAft>
+              <a:buClr>
+                <a:srgbClr val="000000"/>
+              </a:buClr>
+              <a:buSzPct val="100000"/>
+              <a:buFont typeface="Times New Roman" panose="02020603050405020304" pitchFamily="18" charset="0"/>
+              <a:defRPr sz="4400">
+                <a:solidFill>
+                  <a:srgbClr val="000000"/>
+                </a:solidFill>
+                <a:latin typeface="Arial" charset="0"/>
+                <a:ea typeface="AR PL Mingti2L Big5" charset="0"/>
+                <a:cs typeface="AR PL Mingti2L Big5" charset="0"/>
+              </a:defRPr>
+            </a:lvl5pPr>
+            <a:lvl6pPr marL="2514600" indent="-228600" algn="ctr" defTabSz="449263" rtl="0" fontAlgn="base">
+              <a:spcBef>
+                <a:spcPct val="0"/>
+              </a:spcBef>
+              <a:spcAft>
+                <a:spcPct val="0"/>
+              </a:spcAft>
+              <a:buClr>
+                <a:srgbClr val="000000"/>
+              </a:buClr>
+              <a:buSzPct val="100000"/>
+              <a:buFont typeface="Times New Roman" pitchFamily="16" charset="0"/>
+              <a:defRPr sz="4400">
+                <a:solidFill>
+                  <a:srgbClr val="000000"/>
+                </a:solidFill>
+                <a:latin typeface="Arial" charset="0"/>
+                <a:ea typeface="AR PL Mingti2L Big5" charset="0"/>
+                <a:cs typeface="AR PL Mingti2L Big5" charset="0"/>
+              </a:defRPr>
+            </a:lvl6pPr>
+            <a:lvl7pPr marL="2971800" indent="-228600" algn="ctr" defTabSz="449263" rtl="0" fontAlgn="base">
+              <a:spcBef>
+                <a:spcPct val="0"/>
+              </a:spcBef>
+              <a:spcAft>
+                <a:spcPct val="0"/>
+              </a:spcAft>
+              <a:buClr>
+                <a:srgbClr val="000000"/>
+              </a:buClr>
+              <a:buSzPct val="100000"/>
+              <a:buFont typeface="Times New Roman" pitchFamily="16" charset="0"/>
+              <a:defRPr sz="4400">
+                <a:solidFill>
+                  <a:srgbClr val="000000"/>
+                </a:solidFill>
+                <a:latin typeface="Arial" charset="0"/>
+                <a:ea typeface="AR PL Mingti2L Big5" charset="0"/>
+                <a:cs typeface="AR PL Mingti2L Big5" charset="0"/>
+              </a:defRPr>
+            </a:lvl7pPr>
+            <a:lvl8pPr marL="3429000" indent="-228600" algn="ctr" defTabSz="449263" rtl="0" fontAlgn="base">
+              <a:spcBef>
+                <a:spcPct val="0"/>
+              </a:spcBef>
+              <a:spcAft>
+                <a:spcPct val="0"/>
+              </a:spcAft>
+              <a:buClr>
+                <a:srgbClr val="000000"/>
+              </a:buClr>
+              <a:buSzPct val="100000"/>
+              <a:buFont typeface="Times New Roman" pitchFamily="16" charset="0"/>
+              <a:defRPr sz="4400">
+                <a:solidFill>
+                  <a:srgbClr val="000000"/>
+                </a:solidFill>
+                <a:latin typeface="Arial" charset="0"/>
+                <a:ea typeface="AR PL Mingti2L Big5" charset="0"/>
+                <a:cs typeface="AR PL Mingti2L Big5" charset="0"/>
+              </a:defRPr>
+            </a:lvl8pPr>
+            <a:lvl9pPr marL="3886200" indent="-228600" algn="ctr" defTabSz="449263" rtl="0" fontAlgn="base">
+              <a:spcBef>
+                <a:spcPct val="0"/>
+              </a:spcBef>
+              <a:spcAft>
+                <a:spcPct val="0"/>
+              </a:spcAft>
+              <a:buClr>
+                <a:srgbClr val="000000"/>
+              </a:buClr>
+              <a:buSzPct val="100000"/>
+              <a:buFont typeface="Times New Roman" pitchFamily="16" charset="0"/>
+              <a:defRPr sz="4400">
+                <a:solidFill>
+                  <a:srgbClr val="000000"/>
+                </a:solidFill>
+                <a:latin typeface="Arial" charset="0"/>
+                <a:ea typeface="AR PL Mingti2L Big5" charset="0"/>
+                <a:cs typeface="AR PL Mingti2L Big5" charset="0"/>
+              </a:defRPr>
+            </a:lvl9pPr>
+          </a:lstStyle>
+          <a:p>
+            <a:pPr algn="l"/>
+            <a:r>
+              <a:rPr lang="fi-FI" altLang="fi-FI" sz="4000" b="1" kern="0" dirty="0" smtClean="0">
+                <a:solidFill>
+                  <a:schemeClr val="accent6">
+                    <a:lumMod val="75000"/>
+                  </a:schemeClr>
+                </a:solidFill>
+              </a:rPr>
+              <a:t>Tehtäväsarja </a:t>
+            </a:r>
+            <a:r>
+              <a:rPr lang="fi-FI" altLang="fi-FI" sz="4000" b="1" kern="0" dirty="0" smtClean="0">
+                <a:solidFill>
+                  <a:schemeClr val="accent6">
+                    <a:lumMod val="75000"/>
+                  </a:schemeClr>
+                </a:solidFill>
+                <a:latin typeface="Arial" panose="020B0604020202020204" pitchFamily="34" charset="0"/>
+                <a:cs typeface="Arial" panose="020B0604020202020204" pitchFamily="34" charset="0"/>
+              </a:rPr>
+              <a:t>1</a:t>
+            </a:r>
+            <a:r>
+              <a:rPr lang="fi-FI" altLang="fi-FI" sz="4000" b="1" kern="0" dirty="0" smtClean="0">
+                <a:solidFill>
+                  <a:schemeClr val="accent6">
+                    <a:lumMod val="75000"/>
+                  </a:schemeClr>
+                </a:solidFill>
+              </a:rPr>
+              <a:t>: Laskuja desimaaliluvuilla</a:t>
+            </a:r>
+            <a:endParaRPr lang="fi-FI" altLang="fi-FI" sz="4000" b="1" kern="0" dirty="0">
+              <a:solidFill>
+                <a:schemeClr val="accent6">
+                  <a:lumMod val="75000"/>
+                </a:schemeClr>
+              </a:solidFill>
+            </a:endParaRPr>
+          </a:p>
+        </p:txBody>
+      </p:sp>
+      <p:sp>
+        <p:nvSpPr>
+          <p:cNvPr id="5" name="TextBox 4"/>
+          <p:cNvSpPr txBox="1"/>
+          <p:nvPr/>
+        </p:nvSpPr>
+        <p:spPr>
+          <a:xfrm>
+            <a:off x="342802" y="2098655"/>
+            <a:ext cx="5347363" cy="461665"/>
+          </a:xfrm>
+          <a:prstGeom prst="rect">
+            <a:avLst/>
+          </a:prstGeom>
+          <a:noFill/>
+        </p:spPr>
+        <p:txBody>
+          <a:bodyPr wrap="square" rtlCol="0">
+            <a:spAutoFit/>
+          </a:bodyPr>
+          <a:lstStyle/>
+          <a:p>
+            <a:r>
+              <a:rPr lang="fi-FI" sz="2400" dirty="0" smtClean="0">
+                <a:solidFill>
+                  <a:schemeClr val="tx1"/>
+                </a:solidFill>
+              </a:rPr>
+              <a:t>Laske interaktioikkunassa.</a:t>
+            </a:r>
+            <a:endParaRPr lang="fi-FI" sz="2400" dirty="0">
+              <a:solidFill>
+                <a:schemeClr val="tx1"/>
+              </a:solidFill>
+            </a:endParaRPr>
+          </a:p>
+        </p:txBody>
+      </p:sp>
+      <p:grpSp>
+        <p:nvGrpSpPr>
+          <p:cNvPr id="4" name="Group 3"/>
+          <p:cNvGrpSpPr/>
+          <p:nvPr/>
+        </p:nvGrpSpPr>
+        <p:grpSpPr>
+          <a:xfrm>
+            <a:off x="179512" y="2813831"/>
+            <a:ext cx="8784976" cy="492338"/>
+            <a:chOff x="166849" y="2958164"/>
+            <a:chExt cx="8251872" cy="492338"/>
+          </a:xfrm>
+        </p:grpSpPr>
+        <p:sp>
+          <p:nvSpPr>
+            <p:cNvPr id="43" name="Suorakulmio 42"/>
+            <p:cNvSpPr/>
+            <p:nvPr/>
+          </p:nvSpPr>
+          <p:spPr>
+            <a:xfrm>
+              <a:off x="166849" y="3044146"/>
+              <a:ext cx="1074012" cy="338554"/>
+            </a:xfrm>
+            <a:prstGeom prst="rect">
+              <a:avLst/>
+            </a:prstGeom>
+            <a:solidFill>
+              <a:schemeClr val="accent2">
+                <a:lumMod val="75000"/>
+              </a:schemeClr>
+            </a:solidFill>
+          </p:spPr>
+          <p:txBody>
+            <a:bodyPr wrap="none">
+              <a:spAutoFit/>
+            </a:bodyPr>
+            <a:lstStyle/>
+            <a:p>
+              <a:r>
+                <a:rPr kumimoji="0" lang="fi-FI" sz="1600" b="0" i="0" u="none" strike="noStrike" cap="none" normalizeH="0" dirty="0">
+                  <a:ln>
+                    <a:noFill/>
+                  </a:ln>
+                  <a:effectLst/>
+                  <a:latin typeface="Arial" charset="0"/>
+                </a:rPr>
+                <a:t>Tehtävä </a:t>
+              </a:r>
+              <a:r>
+                <a:rPr lang="fi-FI" sz="1600" dirty="0">
+                  <a:latin typeface="Arial" charset="0"/>
+                </a:rPr>
+                <a:t>1</a:t>
+              </a:r>
+              <a:endParaRPr lang="fi-FI" sz="1600" dirty="0"/>
+            </a:p>
+          </p:txBody>
+        </p:sp>
+        <p:sp>
+          <p:nvSpPr>
+            <p:cNvPr id="47" name="Suorakulmio 46"/>
+            <p:cNvSpPr/>
+            <p:nvPr/>
+          </p:nvSpPr>
+          <p:spPr>
+            <a:xfrm>
+              <a:off x="1236292" y="2988837"/>
+              <a:ext cx="7182429" cy="461665"/>
+            </a:xfrm>
+            <a:prstGeom prst="rect">
+              <a:avLst/>
+            </a:prstGeom>
+            <a:noFill/>
+          </p:spPr>
+          <p:txBody>
+            <a:bodyPr wrap="square">
+              <a:spAutoFit/>
+            </a:bodyPr>
+            <a:lstStyle/>
+            <a:p>
+              <a:r>
+                <a:rPr lang="fi-FI" sz="2400" dirty="0" smtClean="0">
+                  <a:solidFill>
+                    <a:schemeClr val="tx1"/>
+                  </a:solidFill>
+                </a:rPr>
+                <a:t>  a</a:t>
+              </a:r>
+              <a:r>
+                <a:rPr lang="fi-FI" sz="2400" dirty="0">
+                  <a:solidFill>
+                    <a:schemeClr val="tx1"/>
+                  </a:solidFill>
+                </a:rPr>
+                <a:t>)             </a:t>
+              </a:r>
+              <a:r>
+                <a:rPr lang="fi-FI" sz="2400" dirty="0" smtClean="0">
+                  <a:solidFill>
+                    <a:schemeClr val="tx1"/>
+                  </a:solidFill>
+                </a:rPr>
+                <a:t>   </a:t>
+              </a:r>
+              <a:r>
+                <a:rPr lang="fi-FI" sz="2400" dirty="0">
+                  <a:solidFill>
+                    <a:schemeClr val="tx1"/>
+                  </a:solidFill>
+                </a:rPr>
+                <a:t> </a:t>
+              </a:r>
+              <a:r>
+                <a:rPr lang="fi-FI" sz="2400" dirty="0" smtClean="0">
+                  <a:solidFill>
+                    <a:schemeClr val="tx1"/>
+                  </a:solidFill>
+                </a:rPr>
+                <a:t> b)                  c</a:t>
+              </a:r>
+              <a:r>
+                <a:rPr lang="fi-FI" sz="2400" dirty="0">
+                  <a:solidFill>
+                    <a:schemeClr val="tx1"/>
+                  </a:solidFill>
+                </a:rPr>
+                <a:t>)                 </a:t>
+              </a:r>
+              <a:r>
+                <a:rPr lang="fi-FI" sz="2400" dirty="0" smtClean="0">
+                  <a:solidFill>
+                    <a:schemeClr val="tx1"/>
+                  </a:solidFill>
+                </a:rPr>
+                <a:t>  </a:t>
+              </a:r>
+              <a:endParaRPr lang="fi-FI" sz="2400" dirty="0">
+                <a:solidFill>
+                  <a:schemeClr val="tx1"/>
+                </a:solidFill>
+              </a:endParaRPr>
+            </a:p>
+          </p:txBody>
+        </p:sp>
+        <p:sp>
+          <p:nvSpPr>
+            <p:cNvPr id="19" name="Suorakulmio 2"/>
+            <p:cNvSpPr/>
+            <p:nvPr/>
+          </p:nvSpPr>
+          <p:spPr>
+            <a:xfrm>
+              <a:off x="5230298" y="2967835"/>
+              <a:ext cx="1469404" cy="461665"/>
+            </a:xfrm>
+            <a:prstGeom prst="rect">
+              <a:avLst/>
+            </a:prstGeom>
+            <a:solidFill>
+              <a:srgbClr val="FFE593"/>
+            </a:solidFill>
+          </p:spPr>
+          <p:txBody>
+            <a:bodyPr wrap="square">
+              <a:spAutoFit/>
+            </a:bodyPr>
+            <a:lstStyle>
+              <a:defPPr>
+                <a:defRPr lang="en-GB"/>
+              </a:defPPr>
+              <a:lvl1pPr algn="l" defTabSz="449263" rtl="0" eaLnBrk="0" fontAlgn="base" hangingPunct="0">
+                <a:spcBef>
+                  <a:spcPct val="0"/>
+                </a:spcBef>
+                <a:spcAft>
+                  <a:spcPct val="0"/>
+                </a:spcAft>
+                <a:defRPr kern="1200">
+                  <a:solidFill>
+                    <a:schemeClr val="bg1"/>
+                  </a:solidFill>
+                  <a:latin typeface="Arial" panose="020B0604020202020204" pitchFamily="34" charset="0"/>
+                  <a:ea typeface="AR PL Mingti2L Big5" charset="0"/>
+                  <a:cs typeface="AR PL Mingti2L Big5" charset="0"/>
+                </a:defRPr>
+              </a:lvl1pPr>
+              <a:lvl2pPr marL="742950" indent="-285750" algn="l" defTabSz="449263" rtl="0" eaLnBrk="0" fontAlgn="base" hangingPunct="0">
+                <a:spcBef>
+                  <a:spcPct val="0"/>
+                </a:spcBef>
+                <a:spcAft>
+                  <a:spcPct val="0"/>
+                </a:spcAft>
+                <a:defRPr kern="1200">
+                  <a:solidFill>
+                    <a:schemeClr val="bg1"/>
+                  </a:solidFill>
+                  <a:latin typeface="Arial" panose="020B0604020202020204" pitchFamily="34" charset="0"/>
+                  <a:ea typeface="AR PL Mingti2L Big5" charset="0"/>
+                  <a:cs typeface="AR PL Mingti2L Big5" charset="0"/>
+                </a:defRPr>
+              </a:lvl2pPr>
+              <a:lvl3pPr marL="1143000" indent="-228600" algn="l" defTabSz="449263" rtl="0" eaLnBrk="0" fontAlgn="base" hangingPunct="0">
+                <a:spcBef>
+                  <a:spcPct val="0"/>
+                </a:spcBef>
+                <a:spcAft>
+                  <a:spcPct val="0"/>
+                </a:spcAft>
+                <a:defRPr kern="1200">
+                  <a:solidFill>
+                    <a:schemeClr val="bg1"/>
+                  </a:solidFill>
+                  <a:latin typeface="Arial" panose="020B0604020202020204" pitchFamily="34" charset="0"/>
+                  <a:ea typeface="AR PL Mingti2L Big5" charset="0"/>
+                  <a:cs typeface="AR PL Mingti2L Big5" charset="0"/>
+                </a:defRPr>
+              </a:lvl3pPr>
+              <a:lvl4pPr marL="1600200" indent="-228600" algn="l" defTabSz="449263" rtl="0" eaLnBrk="0" fontAlgn="base" hangingPunct="0">
+                <a:spcBef>
+                  <a:spcPct val="0"/>
+                </a:spcBef>
+                <a:spcAft>
+                  <a:spcPct val="0"/>
+                </a:spcAft>
+                <a:defRPr kern="1200">
+                  <a:solidFill>
+                    <a:schemeClr val="bg1"/>
+                  </a:solidFill>
+                  <a:latin typeface="Arial" panose="020B0604020202020204" pitchFamily="34" charset="0"/>
+                  <a:ea typeface="AR PL Mingti2L Big5" charset="0"/>
+                  <a:cs typeface="AR PL Mingti2L Big5" charset="0"/>
+                </a:defRPr>
+              </a:lvl4pPr>
+              <a:lvl5pPr marL="2057400" indent="-228600" algn="l" defTabSz="449263" rtl="0" eaLnBrk="0" fontAlgn="base" hangingPunct="0">
+                <a:spcBef>
+                  <a:spcPct val="0"/>
+                </a:spcBef>
+                <a:spcAft>
+                  <a:spcPct val="0"/>
+                </a:spcAft>
+                <a:defRPr kern="1200">
+                  <a:solidFill>
+                    <a:schemeClr val="bg1"/>
+                  </a:solidFill>
+                  <a:latin typeface="Arial" panose="020B0604020202020204" pitchFamily="34" charset="0"/>
+                  <a:ea typeface="AR PL Mingti2L Big5" charset="0"/>
+                  <a:cs typeface="AR PL Mingti2L Big5" charset="0"/>
+                </a:defRPr>
+              </a:lvl5pPr>
+              <a:lvl6pPr marL="2286000" algn="l" defTabSz="914400" rtl="0" eaLnBrk="1" latinLnBrk="0" hangingPunct="1">
+                <a:defRPr kern="1200">
+                  <a:solidFill>
+                    <a:schemeClr val="bg1"/>
+                  </a:solidFill>
+                  <a:latin typeface="Arial" panose="020B0604020202020204" pitchFamily="34" charset="0"/>
+                  <a:ea typeface="AR PL Mingti2L Big5" charset="0"/>
+                  <a:cs typeface="AR PL Mingti2L Big5" charset="0"/>
+                </a:defRPr>
+              </a:lvl6pPr>
+              <a:lvl7pPr marL="2743200" algn="l" defTabSz="914400" rtl="0" eaLnBrk="1" latinLnBrk="0" hangingPunct="1">
+                <a:defRPr kern="1200">
+                  <a:solidFill>
+                    <a:schemeClr val="bg1"/>
+                  </a:solidFill>
+                  <a:latin typeface="Arial" panose="020B0604020202020204" pitchFamily="34" charset="0"/>
+                  <a:ea typeface="AR PL Mingti2L Big5" charset="0"/>
+                  <a:cs typeface="AR PL Mingti2L Big5" charset="0"/>
+                </a:defRPr>
+              </a:lvl7pPr>
+              <a:lvl8pPr marL="3200400" algn="l" defTabSz="914400" rtl="0" eaLnBrk="1" latinLnBrk="0" hangingPunct="1">
+                <a:defRPr kern="1200">
+                  <a:solidFill>
+                    <a:schemeClr val="bg1"/>
+                  </a:solidFill>
+                  <a:latin typeface="Arial" panose="020B0604020202020204" pitchFamily="34" charset="0"/>
+                  <a:ea typeface="AR PL Mingti2L Big5" charset="0"/>
+                  <a:cs typeface="AR PL Mingti2L Big5" charset="0"/>
+                </a:defRPr>
+              </a:lvl8pPr>
+              <a:lvl9pPr marL="3657600" algn="l" defTabSz="914400" rtl="0" eaLnBrk="1" latinLnBrk="0" hangingPunct="1">
+                <a:defRPr kern="1200">
+                  <a:solidFill>
+                    <a:schemeClr val="bg1"/>
+                  </a:solidFill>
+                  <a:latin typeface="Arial" panose="020B0604020202020204" pitchFamily="34" charset="0"/>
+                  <a:ea typeface="AR PL Mingti2L Big5" charset="0"/>
+                  <a:cs typeface="AR PL Mingti2L Big5" charset="0"/>
+                </a:defRPr>
+              </a:lvl9pPr>
+            </a:lstStyle>
+            <a:p>
+              <a:r>
+                <a:rPr lang="fi-FI" sz="2400" dirty="0" smtClean="0">
+                  <a:solidFill>
+                    <a:schemeClr val="tx1">
+                      <a:lumMod val="65000"/>
+                      <a:lumOff val="35000"/>
+                    </a:schemeClr>
+                  </a:solidFill>
+                </a:rPr>
+                <a:t>6,4 </a:t>
+              </a:r>
+              <a:r>
+                <a:rPr lang="fi-FI" sz="2400" dirty="0">
+                  <a:solidFill>
+                    <a:schemeClr val="tx1">
+                      <a:lumMod val="65000"/>
+                      <a:lumOff val="35000"/>
+                    </a:schemeClr>
+                  </a:solidFill>
+                </a:rPr>
+                <a:t>+</a:t>
+              </a:r>
+              <a:r>
+                <a:rPr lang="fi-FI" sz="2400" dirty="0" smtClean="0">
+                  <a:solidFill>
+                    <a:schemeClr val="tx1">
+                      <a:lumMod val="65000"/>
+                      <a:lumOff val="35000"/>
+                    </a:schemeClr>
+                  </a:solidFill>
+                </a:rPr>
+                <a:t> 3,6</a:t>
+              </a:r>
+              <a:endParaRPr lang="fi-FI" sz="2400" dirty="0">
+                <a:solidFill>
+                  <a:schemeClr val="tx1">
+                    <a:lumMod val="65000"/>
+                    <a:lumOff val="35000"/>
+                  </a:schemeClr>
+                </a:solidFill>
+              </a:endParaRPr>
+            </a:p>
+          </p:txBody>
+        </p:sp>
+        <p:sp>
+          <p:nvSpPr>
+            <p:cNvPr id="20" name="Suorakulmio 2"/>
+            <p:cNvSpPr/>
+            <p:nvPr/>
+          </p:nvSpPr>
+          <p:spPr>
+            <a:xfrm>
+              <a:off x="3540784" y="2958164"/>
+              <a:ext cx="1137794" cy="461665"/>
+            </a:xfrm>
+            <a:prstGeom prst="rect">
+              <a:avLst/>
+            </a:prstGeom>
+            <a:solidFill>
+              <a:srgbClr val="FFE593"/>
+            </a:solidFill>
+          </p:spPr>
+          <p:txBody>
+            <a:bodyPr wrap="square">
+              <a:spAutoFit/>
+            </a:bodyPr>
+            <a:lstStyle>
+              <a:defPPr>
+                <a:defRPr lang="en-GB"/>
+              </a:defPPr>
+              <a:lvl1pPr algn="l" defTabSz="449263" rtl="0" eaLnBrk="0" fontAlgn="base" hangingPunct="0">
+                <a:spcBef>
+                  <a:spcPct val="0"/>
+                </a:spcBef>
+                <a:spcAft>
+                  <a:spcPct val="0"/>
+                </a:spcAft>
+                <a:defRPr kern="1200">
+                  <a:solidFill>
+                    <a:schemeClr val="bg1"/>
+                  </a:solidFill>
+                  <a:latin typeface="Arial" panose="020B0604020202020204" pitchFamily="34" charset="0"/>
+                  <a:ea typeface="AR PL Mingti2L Big5" charset="0"/>
+                  <a:cs typeface="AR PL Mingti2L Big5" charset="0"/>
+                </a:defRPr>
+              </a:lvl1pPr>
+              <a:lvl2pPr marL="742950" indent="-285750" algn="l" defTabSz="449263" rtl="0" eaLnBrk="0" fontAlgn="base" hangingPunct="0">
+                <a:spcBef>
+                  <a:spcPct val="0"/>
+                </a:spcBef>
+                <a:spcAft>
+                  <a:spcPct val="0"/>
+                </a:spcAft>
+                <a:defRPr kern="1200">
+                  <a:solidFill>
+                    <a:schemeClr val="bg1"/>
+                  </a:solidFill>
+                  <a:latin typeface="Arial" panose="020B0604020202020204" pitchFamily="34" charset="0"/>
+                  <a:ea typeface="AR PL Mingti2L Big5" charset="0"/>
+                  <a:cs typeface="AR PL Mingti2L Big5" charset="0"/>
+                </a:defRPr>
+              </a:lvl2pPr>
+              <a:lvl3pPr marL="1143000" indent="-228600" algn="l" defTabSz="449263" rtl="0" eaLnBrk="0" fontAlgn="base" hangingPunct="0">
+                <a:spcBef>
+                  <a:spcPct val="0"/>
+                </a:spcBef>
+                <a:spcAft>
+                  <a:spcPct val="0"/>
+                </a:spcAft>
+                <a:defRPr kern="1200">
+                  <a:solidFill>
+                    <a:schemeClr val="bg1"/>
+                  </a:solidFill>
+                  <a:latin typeface="Arial" panose="020B0604020202020204" pitchFamily="34" charset="0"/>
+                  <a:ea typeface="AR PL Mingti2L Big5" charset="0"/>
+                  <a:cs typeface="AR PL Mingti2L Big5" charset="0"/>
+                </a:defRPr>
+              </a:lvl3pPr>
+              <a:lvl4pPr marL="1600200" indent="-228600" algn="l" defTabSz="449263" rtl="0" eaLnBrk="0" fontAlgn="base" hangingPunct="0">
+                <a:spcBef>
+                  <a:spcPct val="0"/>
+                </a:spcBef>
+                <a:spcAft>
+                  <a:spcPct val="0"/>
+                </a:spcAft>
+                <a:defRPr kern="1200">
+                  <a:solidFill>
+                    <a:schemeClr val="bg1"/>
+                  </a:solidFill>
+                  <a:latin typeface="Arial" panose="020B0604020202020204" pitchFamily="34" charset="0"/>
+                  <a:ea typeface="AR PL Mingti2L Big5" charset="0"/>
+                  <a:cs typeface="AR PL Mingti2L Big5" charset="0"/>
+                </a:defRPr>
+              </a:lvl4pPr>
+              <a:lvl5pPr marL="2057400" indent="-228600" algn="l" defTabSz="449263" rtl="0" eaLnBrk="0" fontAlgn="base" hangingPunct="0">
+                <a:spcBef>
+                  <a:spcPct val="0"/>
+                </a:spcBef>
+                <a:spcAft>
+                  <a:spcPct val="0"/>
+                </a:spcAft>
+                <a:defRPr kern="1200">
+                  <a:solidFill>
+                    <a:schemeClr val="bg1"/>
+                  </a:solidFill>
+                  <a:latin typeface="Arial" panose="020B0604020202020204" pitchFamily="34" charset="0"/>
+                  <a:ea typeface="AR PL Mingti2L Big5" charset="0"/>
+                  <a:cs typeface="AR PL Mingti2L Big5" charset="0"/>
+                </a:defRPr>
+              </a:lvl5pPr>
+              <a:lvl6pPr marL="2286000" algn="l" defTabSz="914400" rtl="0" eaLnBrk="1" latinLnBrk="0" hangingPunct="1">
+                <a:defRPr kern="1200">
+                  <a:solidFill>
+                    <a:schemeClr val="bg1"/>
+                  </a:solidFill>
+                  <a:latin typeface="Arial" panose="020B0604020202020204" pitchFamily="34" charset="0"/>
+                  <a:ea typeface="AR PL Mingti2L Big5" charset="0"/>
+                  <a:cs typeface="AR PL Mingti2L Big5" charset="0"/>
+                </a:defRPr>
+              </a:lvl6pPr>
+              <a:lvl7pPr marL="2743200" algn="l" defTabSz="914400" rtl="0" eaLnBrk="1" latinLnBrk="0" hangingPunct="1">
+                <a:defRPr kern="1200">
+                  <a:solidFill>
+                    <a:schemeClr val="bg1"/>
+                  </a:solidFill>
+                  <a:latin typeface="Arial" panose="020B0604020202020204" pitchFamily="34" charset="0"/>
+                  <a:ea typeface="AR PL Mingti2L Big5" charset="0"/>
+                  <a:cs typeface="AR PL Mingti2L Big5" charset="0"/>
+                </a:defRPr>
+              </a:lvl7pPr>
+              <a:lvl8pPr marL="3200400" algn="l" defTabSz="914400" rtl="0" eaLnBrk="1" latinLnBrk="0" hangingPunct="1">
+                <a:defRPr kern="1200">
+                  <a:solidFill>
+                    <a:schemeClr val="bg1"/>
+                  </a:solidFill>
+                  <a:latin typeface="Arial" panose="020B0604020202020204" pitchFamily="34" charset="0"/>
+                  <a:ea typeface="AR PL Mingti2L Big5" charset="0"/>
+                  <a:cs typeface="AR PL Mingti2L Big5" charset="0"/>
+                </a:defRPr>
+              </a:lvl8pPr>
+              <a:lvl9pPr marL="3657600" algn="l" defTabSz="914400" rtl="0" eaLnBrk="1" latinLnBrk="0" hangingPunct="1">
+                <a:defRPr kern="1200">
+                  <a:solidFill>
+                    <a:schemeClr val="bg1"/>
+                  </a:solidFill>
+                  <a:latin typeface="Arial" panose="020B0604020202020204" pitchFamily="34" charset="0"/>
+                  <a:ea typeface="AR PL Mingti2L Big5" charset="0"/>
+                  <a:cs typeface="AR PL Mingti2L Big5" charset="0"/>
+                </a:defRPr>
+              </a:lvl9pPr>
+            </a:lstStyle>
+            <a:p>
+              <a:r>
+                <a:rPr lang="fi-FI" sz="2400" dirty="0">
+                  <a:solidFill>
+                    <a:schemeClr val="tx1">
+                      <a:lumMod val="65000"/>
+                      <a:lumOff val="35000"/>
+                    </a:schemeClr>
+                  </a:solidFill>
+                </a:rPr>
+                <a:t>4</a:t>
+              </a:r>
+              <a:r>
+                <a:rPr lang="fi-FI" sz="2400" dirty="0" smtClean="0">
+                  <a:solidFill>
+                    <a:schemeClr val="tx1">
+                      <a:lumMod val="65000"/>
+                      <a:lumOff val="35000"/>
+                    </a:schemeClr>
+                  </a:solidFill>
+                </a:rPr>
+                <a:t> </a:t>
+              </a:r>
+              <a:r>
+                <a:rPr lang="fi-FI" sz="2400" dirty="0">
+                  <a:solidFill>
+                    <a:schemeClr val="tx1">
+                      <a:lumMod val="65000"/>
+                      <a:lumOff val="35000"/>
+                    </a:schemeClr>
+                  </a:solidFill>
+                </a:rPr>
+                <a:t>+</a:t>
+              </a:r>
+              <a:r>
+                <a:rPr lang="fi-FI" sz="2400" dirty="0" smtClean="0">
+                  <a:solidFill>
+                    <a:schemeClr val="tx1">
+                      <a:lumMod val="65000"/>
+                      <a:lumOff val="35000"/>
+                    </a:schemeClr>
+                  </a:solidFill>
+                </a:rPr>
+                <a:t> 2,3</a:t>
+              </a:r>
+              <a:endParaRPr lang="fi-FI" sz="2400" dirty="0">
+                <a:solidFill>
+                  <a:schemeClr val="tx1">
+                    <a:lumMod val="65000"/>
+                    <a:lumOff val="35000"/>
+                  </a:schemeClr>
+                </a:solidFill>
+              </a:endParaRPr>
+            </a:p>
+          </p:txBody>
+        </p:sp>
+        <p:sp>
+          <p:nvSpPr>
+            <p:cNvPr id="22" name="Suorakulmio 2"/>
+            <p:cNvSpPr/>
+            <p:nvPr/>
+          </p:nvSpPr>
+          <p:spPr>
+            <a:xfrm>
+              <a:off x="1792580" y="2964130"/>
+              <a:ext cx="1116042" cy="461665"/>
+            </a:xfrm>
+            <a:prstGeom prst="rect">
+              <a:avLst/>
+            </a:prstGeom>
+            <a:solidFill>
+              <a:srgbClr val="FFE593"/>
+            </a:solidFill>
+          </p:spPr>
+          <p:txBody>
+            <a:bodyPr wrap="square">
+              <a:spAutoFit/>
+            </a:bodyPr>
+            <a:lstStyle>
+              <a:defPPr>
+                <a:defRPr lang="en-GB"/>
+              </a:defPPr>
+              <a:lvl1pPr algn="l" defTabSz="449263" rtl="0" eaLnBrk="0" fontAlgn="base" hangingPunct="0">
+                <a:spcBef>
+                  <a:spcPct val="0"/>
+                </a:spcBef>
+                <a:spcAft>
+                  <a:spcPct val="0"/>
+                </a:spcAft>
+                <a:defRPr kern="1200">
+                  <a:solidFill>
+                    <a:schemeClr val="bg1"/>
+                  </a:solidFill>
+                  <a:latin typeface="Arial" panose="020B0604020202020204" pitchFamily="34" charset="0"/>
+                  <a:ea typeface="AR PL Mingti2L Big5" charset="0"/>
+                  <a:cs typeface="AR PL Mingti2L Big5" charset="0"/>
+                </a:defRPr>
+              </a:lvl1pPr>
+              <a:lvl2pPr marL="742950" indent="-285750" algn="l" defTabSz="449263" rtl="0" eaLnBrk="0" fontAlgn="base" hangingPunct="0">
+                <a:spcBef>
+                  <a:spcPct val="0"/>
+                </a:spcBef>
+                <a:spcAft>
+                  <a:spcPct val="0"/>
+                </a:spcAft>
+                <a:defRPr kern="1200">
+                  <a:solidFill>
+                    <a:schemeClr val="bg1"/>
+                  </a:solidFill>
+                  <a:latin typeface="Arial" panose="020B0604020202020204" pitchFamily="34" charset="0"/>
+                  <a:ea typeface="AR PL Mingti2L Big5" charset="0"/>
+                  <a:cs typeface="AR PL Mingti2L Big5" charset="0"/>
+                </a:defRPr>
+              </a:lvl2pPr>
+              <a:lvl3pPr marL="1143000" indent="-228600" algn="l" defTabSz="449263" rtl="0" eaLnBrk="0" fontAlgn="base" hangingPunct="0">
+                <a:spcBef>
+                  <a:spcPct val="0"/>
+                </a:spcBef>
+                <a:spcAft>
+                  <a:spcPct val="0"/>
+                </a:spcAft>
+                <a:defRPr kern="1200">
+                  <a:solidFill>
+                    <a:schemeClr val="bg1"/>
+                  </a:solidFill>
+                  <a:latin typeface="Arial" panose="020B0604020202020204" pitchFamily="34" charset="0"/>
+                  <a:ea typeface="AR PL Mingti2L Big5" charset="0"/>
+                  <a:cs typeface="AR PL Mingti2L Big5" charset="0"/>
+                </a:defRPr>
+              </a:lvl3pPr>
+              <a:lvl4pPr marL="1600200" indent="-228600" algn="l" defTabSz="449263" rtl="0" eaLnBrk="0" fontAlgn="base" hangingPunct="0">
+                <a:spcBef>
+                  <a:spcPct val="0"/>
+                </a:spcBef>
+                <a:spcAft>
+                  <a:spcPct val="0"/>
+                </a:spcAft>
+                <a:defRPr kern="1200">
+                  <a:solidFill>
+                    <a:schemeClr val="bg1"/>
+                  </a:solidFill>
+                  <a:latin typeface="Arial" panose="020B0604020202020204" pitchFamily="34" charset="0"/>
+                  <a:ea typeface="AR PL Mingti2L Big5" charset="0"/>
+                  <a:cs typeface="AR PL Mingti2L Big5" charset="0"/>
+                </a:defRPr>
+              </a:lvl4pPr>
+              <a:lvl5pPr marL="2057400" indent="-228600" algn="l" defTabSz="449263" rtl="0" eaLnBrk="0" fontAlgn="base" hangingPunct="0">
+                <a:spcBef>
+                  <a:spcPct val="0"/>
+                </a:spcBef>
+                <a:spcAft>
+                  <a:spcPct val="0"/>
+                </a:spcAft>
+                <a:defRPr kern="1200">
+                  <a:solidFill>
+                    <a:schemeClr val="bg1"/>
+                  </a:solidFill>
+                  <a:latin typeface="Arial" panose="020B0604020202020204" pitchFamily="34" charset="0"/>
+                  <a:ea typeface="AR PL Mingti2L Big5" charset="0"/>
+                  <a:cs typeface="AR PL Mingti2L Big5" charset="0"/>
+                </a:defRPr>
+              </a:lvl5pPr>
+              <a:lvl6pPr marL="2286000" algn="l" defTabSz="914400" rtl="0" eaLnBrk="1" latinLnBrk="0" hangingPunct="1">
+                <a:defRPr kern="1200">
+                  <a:solidFill>
+                    <a:schemeClr val="bg1"/>
+                  </a:solidFill>
+                  <a:latin typeface="Arial" panose="020B0604020202020204" pitchFamily="34" charset="0"/>
+                  <a:ea typeface="AR PL Mingti2L Big5" charset="0"/>
+                  <a:cs typeface="AR PL Mingti2L Big5" charset="0"/>
+                </a:defRPr>
+              </a:lvl6pPr>
+              <a:lvl7pPr marL="2743200" algn="l" defTabSz="914400" rtl="0" eaLnBrk="1" latinLnBrk="0" hangingPunct="1">
+                <a:defRPr kern="1200">
+                  <a:solidFill>
+                    <a:schemeClr val="bg1"/>
+                  </a:solidFill>
+                  <a:latin typeface="Arial" panose="020B0604020202020204" pitchFamily="34" charset="0"/>
+                  <a:ea typeface="AR PL Mingti2L Big5" charset="0"/>
+                  <a:cs typeface="AR PL Mingti2L Big5" charset="0"/>
+                </a:defRPr>
+              </a:lvl7pPr>
+              <a:lvl8pPr marL="3200400" algn="l" defTabSz="914400" rtl="0" eaLnBrk="1" latinLnBrk="0" hangingPunct="1">
+                <a:defRPr kern="1200">
+                  <a:solidFill>
+                    <a:schemeClr val="bg1"/>
+                  </a:solidFill>
+                  <a:latin typeface="Arial" panose="020B0604020202020204" pitchFamily="34" charset="0"/>
+                  <a:ea typeface="AR PL Mingti2L Big5" charset="0"/>
+                  <a:cs typeface="AR PL Mingti2L Big5" charset="0"/>
+                </a:defRPr>
+              </a:lvl8pPr>
+              <a:lvl9pPr marL="3657600" algn="l" defTabSz="914400" rtl="0" eaLnBrk="1" latinLnBrk="0" hangingPunct="1">
+                <a:defRPr kern="1200">
+                  <a:solidFill>
+                    <a:schemeClr val="bg1"/>
+                  </a:solidFill>
+                  <a:latin typeface="Arial" panose="020B0604020202020204" pitchFamily="34" charset="0"/>
+                  <a:ea typeface="AR PL Mingti2L Big5" charset="0"/>
+                  <a:cs typeface="AR PL Mingti2L Big5" charset="0"/>
+                </a:defRPr>
+              </a:lvl9pPr>
+            </a:lstStyle>
+            <a:p>
+              <a:r>
+                <a:rPr lang="fi-FI" sz="2400" dirty="0">
+                  <a:solidFill>
+                    <a:schemeClr val="tx1">
+                      <a:lumMod val="65000"/>
+                      <a:lumOff val="35000"/>
+                    </a:schemeClr>
+                  </a:solidFill>
+                </a:rPr>
+                <a:t>3</a:t>
+              </a:r>
+              <a:r>
+                <a:rPr lang="fi-FI" sz="2400" dirty="0" smtClean="0">
+                  <a:solidFill>
+                    <a:schemeClr val="tx1">
+                      <a:lumMod val="65000"/>
+                      <a:lumOff val="35000"/>
+                    </a:schemeClr>
+                  </a:solidFill>
+                </a:rPr>
+                <a:t> − 2,7</a:t>
+              </a:r>
+              <a:endParaRPr lang="fi-FI" sz="2400" dirty="0">
+                <a:solidFill>
+                  <a:schemeClr val="tx1">
+                    <a:lumMod val="65000"/>
+                    <a:lumOff val="35000"/>
+                  </a:schemeClr>
+                </a:solidFill>
+              </a:endParaRPr>
+            </a:p>
+          </p:txBody>
+        </p:sp>
+      </p:grpSp>
+      <p:grpSp>
+        <p:nvGrpSpPr>
+          <p:cNvPr id="2" name="Group 1"/>
+          <p:cNvGrpSpPr/>
+          <p:nvPr/>
+        </p:nvGrpSpPr>
+        <p:grpSpPr>
+          <a:xfrm>
+            <a:off x="179512" y="3767273"/>
+            <a:ext cx="7937015" cy="479409"/>
+            <a:chOff x="166849" y="4122032"/>
+            <a:chExt cx="7937015" cy="479409"/>
+          </a:xfrm>
+        </p:grpSpPr>
+        <p:sp>
+          <p:nvSpPr>
+            <p:cNvPr id="45" name="Suorakulmio 44"/>
+            <p:cNvSpPr/>
+            <p:nvPr/>
+          </p:nvSpPr>
+          <p:spPr>
+            <a:xfrm>
+              <a:off x="166849" y="4148454"/>
+              <a:ext cx="1104566" cy="338554"/>
+            </a:xfrm>
+            <a:prstGeom prst="rect">
+              <a:avLst/>
+            </a:prstGeom>
+            <a:solidFill>
+              <a:schemeClr val="accent2">
+                <a:lumMod val="75000"/>
+              </a:schemeClr>
+            </a:solidFill>
+          </p:spPr>
+          <p:txBody>
+            <a:bodyPr wrap="square">
+              <a:spAutoFit/>
+            </a:bodyPr>
+            <a:lstStyle/>
+            <a:p>
+              <a:r>
+                <a:rPr kumimoji="0" lang="fi-FI" sz="1600" b="0" i="0" u="none" strike="noStrike" cap="none" normalizeH="0" dirty="0">
+                  <a:ln>
+                    <a:noFill/>
+                  </a:ln>
+                  <a:effectLst/>
+                  <a:latin typeface="Arial" charset="0"/>
+                </a:rPr>
+                <a:t>Tehtävä </a:t>
+              </a:r>
+              <a:r>
+                <a:rPr lang="fi-FI" sz="1600" dirty="0">
+                  <a:latin typeface="Arial" charset="0"/>
+                </a:rPr>
+                <a:t>2</a:t>
+              </a:r>
+              <a:endParaRPr lang="fi-FI" sz="1600" dirty="0"/>
+            </a:p>
+          </p:txBody>
+        </p:sp>
+        <p:sp>
+          <p:nvSpPr>
+            <p:cNvPr id="21" name="Suorakulmio 46"/>
+            <p:cNvSpPr/>
+            <p:nvPr/>
+          </p:nvSpPr>
+          <p:spPr>
+            <a:xfrm>
+              <a:off x="1341987" y="4126400"/>
+              <a:ext cx="6761877" cy="461665"/>
+            </a:xfrm>
+            <a:prstGeom prst="rect">
+              <a:avLst/>
+            </a:prstGeom>
+            <a:noFill/>
+          </p:spPr>
+          <p:txBody>
+            <a:bodyPr wrap="square">
+              <a:spAutoFit/>
+            </a:bodyPr>
+            <a:lstStyle/>
+            <a:p>
+              <a:r>
+                <a:rPr lang="fi-FI" sz="2200" dirty="0" smtClean="0">
+                  <a:solidFill>
+                    <a:schemeClr val="tx1"/>
+                  </a:solidFill>
+                  <a:latin typeface="Arial" charset="0"/>
+                </a:rPr>
+                <a:t> </a:t>
+              </a:r>
+              <a:r>
+                <a:rPr lang="fi-FI" sz="2400" dirty="0" smtClean="0">
+                  <a:solidFill>
+                    <a:schemeClr val="tx1"/>
+                  </a:solidFill>
+                  <a:latin typeface="Arial" charset="0"/>
+                </a:rPr>
+                <a:t>a) </a:t>
+              </a:r>
+              <a:r>
+                <a:rPr lang="fi-FI" sz="2400" dirty="0">
+                  <a:solidFill>
+                    <a:schemeClr val="tx1"/>
+                  </a:solidFill>
+                  <a:latin typeface="Arial" charset="0"/>
+                </a:rPr>
+                <a:t> </a:t>
+              </a:r>
+              <a:r>
+                <a:rPr lang="fi-FI" sz="2400" dirty="0" smtClean="0">
+                  <a:solidFill>
+                    <a:schemeClr val="tx1"/>
+                  </a:solidFill>
+                  <a:latin typeface="Arial" charset="0"/>
+                </a:rPr>
+                <a:t>                  b)                  c)               </a:t>
+              </a:r>
+              <a:endParaRPr lang="fi-FI" sz="2400" dirty="0">
+                <a:solidFill>
+                  <a:schemeClr val="tx1"/>
+                </a:solidFill>
+                <a:latin typeface="Arial" charset="0"/>
+              </a:endParaRPr>
+            </a:p>
+          </p:txBody>
+        </p:sp>
+        <p:sp>
+          <p:nvSpPr>
+            <p:cNvPr id="23" name="Suorakulmio 2"/>
+            <p:cNvSpPr/>
+            <p:nvPr/>
+          </p:nvSpPr>
+          <p:spPr>
+            <a:xfrm>
+              <a:off x="1846021" y="4131323"/>
+              <a:ext cx="1489180" cy="461665"/>
+            </a:xfrm>
+            <a:prstGeom prst="rect">
+              <a:avLst/>
+            </a:prstGeom>
+            <a:solidFill>
+              <a:srgbClr val="FFE593"/>
+            </a:solidFill>
+          </p:spPr>
+          <p:txBody>
+            <a:bodyPr wrap="square">
+              <a:spAutoFit/>
+            </a:bodyPr>
+            <a:lstStyle>
+              <a:defPPr>
+                <a:defRPr lang="en-GB"/>
+              </a:defPPr>
+              <a:lvl1pPr algn="l" defTabSz="449263" rtl="0" eaLnBrk="0" fontAlgn="base" hangingPunct="0">
+                <a:spcBef>
+                  <a:spcPct val="0"/>
+                </a:spcBef>
+                <a:spcAft>
+                  <a:spcPct val="0"/>
+                </a:spcAft>
+                <a:defRPr kern="1200">
+                  <a:solidFill>
+                    <a:schemeClr val="bg1"/>
+                  </a:solidFill>
+                  <a:latin typeface="Arial" panose="020B0604020202020204" pitchFamily="34" charset="0"/>
+                  <a:ea typeface="AR PL Mingti2L Big5" charset="0"/>
+                  <a:cs typeface="AR PL Mingti2L Big5" charset="0"/>
+                </a:defRPr>
+              </a:lvl1pPr>
+              <a:lvl2pPr marL="742950" indent="-285750" algn="l" defTabSz="449263" rtl="0" eaLnBrk="0" fontAlgn="base" hangingPunct="0">
+                <a:spcBef>
+                  <a:spcPct val="0"/>
+                </a:spcBef>
+                <a:spcAft>
+                  <a:spcPct val="0"/>
+                </a:spcAft>
+                <a:defRPr kern="1200">
+                  <a:solidFill>
+                    <a:schemeClr val="bg1"/>
+                  </a:solidFill>
+                  <a:latin typeface="Arial" panose="020B0604020202020204" pitchFamily="34" charset="0"/>
+                  <a:ea typeface="AR PL Mingti2L Big5" charset="0"/>
+                  <a:cs typeface="AR PL Mingti2L Big5" charset="0"/>
+                </a:defRPr>
+              </a:lvl2pPr>
+              <a:lvl3pPr marL="1143000" indent="-228600" algn="l" defTabSz="449263" rtl="0" eaLnBrk="0" fontAlgn="base" hangingPunct="0">
+                <a:spcBef>
+                  <a:spcPct val="0"/>
+                </a:spcBef>
+                <a:spcAft>
+                  <a:spcPct val="0"/>
+                </a:spcAft>
+                <a:defRPr kern="1200">
+                  <a:solidFill>
+                    <a:schemeClr val="bg1"/>
+                  </a:solidFill>
+                  <a:latin typeface="Arial" panose="020B0604020202020204" pitchFamily="34" charset="0"/>
+                  <a:ea typeface="AR PL Mingti2L Big5" charset="0"/>
+                  <a:cs typeface="AR PL Mingti2L Big5" charset="0"/>
+                </a:defRPr>
+              </a:lvl3pPr>
+              <a:lvl4pPr marL="1600200" indent="-228600" algn="l" defTabSz="449263" rtl="0" eaLnBrk="0" fontAlgn="base" hangingPunct="0">
+                <a:spcBef>
+                  <a:spcPct val="0"/>
+                </a:spcBef>
+                <a:spcAft>
+                  <a:spcPct val="0"/>
+                </a:spcAft>
+                <a:defRPr kern="1200">
+                  <a:solidFill>
+                    <a:schemeClr val="bg1"/>
+                  </a:solidFill>
+                  <a:latin typeface="Arial" panose="020B0604020202020204" pitchFamily="34" charset="0"/>
+                  <a:ea typeface="AR PL Mingti2L Big5" charset="0"/>
+                  <a:cs typeface="AR PL Mingti2L Big5" charset="0"/>
+                </a:defRPr>
+              </a:lvl4pPr>
+              <a:lvl5pPr marL="2057400" indent="-228600" algn="l" defTabSz="449263" rtl="0" eaLnBrk="0" fontAlgn="base" hangingPunct="0">
+                <a:spcBef>
+                  <a:spcPct val="0"/>
+                </a:spcBef>
+                <a:spcAft>
+                  <a:spcPct val="0"/>
+                </a:spcAft>
+                <a:defRPr kern="1200">
+                  <a:solidFill>
+                    <a:schemeClr val="bg1"/>
+                  </a:solidFill>
+                  <a:latin typeface="Arial" panose="020B0604020202020204" pitchFamily="34" charset="0"/>
+                  <a:ea typeface="AR PL Mingti2L Big5" charset="0"/>
+                  <a:cs typeface="AR PL Mingti2L Big5" charset="0"/>
+                </a:defRPr>
+              </a:lvl5pPr>
+              <a:lvl6pPr marL="2286000" algn="l" defTabSz="914400" rtl="0" eaLnBrk="1" latinLnBrk="0" hangingPunct="1">
+                <a:defRPr kern="1200">
+                  <a:solidFill>
+                    <a:schemeClr val="bg1"/>
+                  </a:solidFill>
+                  <a:latin typeface="Arial" panose="020B0604020202020204" pitchFamily="34" charset="0"/>
+                  <a:ea typeface="AR PL Mingti2L Big5" charset="0"/>
+                  <a:cs typeface="AR PL Mingti2L Big5" charset="0"/>
+                </a:defRPr>
+              </a:lvl6pPr>
+              <a:lvl7pPr marL="2743200" algn="l" defTabSz="914400" rtl="0" eaLnBrk="1" latinLnBrk="0" hangingPunct="1">
+                <a:defRPr kern="1200">
+                  <a:solidFill>
+                    <a:schemeClr val="bg1"/>
+                  </a:solidFill>
+                  <a:latin typeface="Arial" panose="020B0604020202020204" pitchFamily="34" charset="0"/>
+                  <a:ea typeface="AR PL Mingti2L Big5" charset="0"/>
+                  <a:cs typeface="AR PL Mingti2L Big5" charset="0"/>
+                </a:defRPr>
+              </a:lvl7pPr>
+              <a:lvl8pPr marL="3200400" algn="l" defTabSz="914400" rtl="0" eaLnBrk="1" latinLnBrk="0" hangingPunct="1">
+                <a:defRPr kern="1200">
+                  <a:solidFill>
+                    <a:schemeClr val="bg1"/>
+                  </a:solidFill>
+                  <a:latin typeface="Arial" panose="020B0604020202020204" pitchFamily="34" charset="0"/>
+                  <a:ea typeface="AR PL Mingti2L Big5" charset="0"/>
+                  <a:cs typeface="AR PL Mingti2L Big5" charset="0"/>
+                </a:defRPr>
+              </a:lvl8pPr>
+              <a:lvl9pPr marL="3657600" algn="l" defTabSz="914400" rtl="0" eaLnBrk="1" latinLnBrk="0" hangingPunct="1">
+                <a:defRPr kern="1200">
+                  <a:solidFill>
+                    <a:schemeClr val="bg1"/>
+                  </a:solidFill>
+                  <a:latin typeface="Arial" panose="020B0604020202020204" pitchFamily="34" charset="0"/>
+                  <a:ea typeface="AR PL Mingti2L Big5" charset="0"/>
+                  <a:cs typeface="AR PL Mingti2L Big5" charset="0"/>
+                </a:defRPr>
+              </a:lvl9pPr>
+            </a:lstStyle>
+            <a:p>
+              <a:r>
+                <a:rPr lang="fi-FI" sz="2400" dirty="0" smtClean="0">
+                  <a:solidFill>
+                    <a:schemeClr val="tx1">
+                      <a:lumMod val="65000"/>
+                      <a:lumOff val="35000"/>
+                    </a:schemeClr>
+                  </a:solidFill>
+                </a:rPr>
+                <a:t>10  · 0.09</a:t>
+              </a:r>
+              <a:endParaRPr lang="fi-FI" sz="2400" dirty="0">
+                <a:solidFill>
+                  <a:schemeClr val="tx1">
+                    <a:lumMod val="65000"/>
+                    <a:lumOff val="35000"/>
+                  </a:schemeClr>
+                </a:solidFill>
+              </a:endParaRPr>
+            </a:p>
+          </p:txBody>
+        </p:sp>
+        <p:sp>
+          <p:nvSpPr>
+            <p:cNvPr id="24" name="Suorakulmio 2"/>
+            <p:cNvSpPr/>
+            <p:nvPr/>
+          </p:nvSpPr>
+          <p:spPr>
+            <a:xfrm>
+              <a:off x="3815260" y="4122032"/>
+              <a:ext cx="1256593" cy="461665"/>
+            </a:xfrm>
+            <a:prstGeom prst="rect">
+              <a:avLst/>
+            </a:prstGeom>
+            <a:solidFill>
+              <a:srgbClr val="FFE593"/>
+            </a:solidFill>
+          </p:spPr>
+          <p:txBody>
+            <a:bodyPr wrap="square">
+              <a:spAutoFit/>
+            </a:bodyPr>
+            <a:lstStyle>
+              <a:defPPr>
+                <a:defRPr lang="en-GB"/>
+              </a:defPPr>
+              <a:lvl1pPr algn="l" defTabSz="449263" rtl="0" eaLnBrk="0" fontAlgn="base" hangingPunct="0">
+                <a:spcBef>
+                  <a:spcPct val="0"/>
+                </a:spcBef>
+                <a:spcAft>
+                  <a:spcPct val="0"/>
+                </a:spcAft>
+                <a:defRPr kern="1200">
+                  <a:solidFill>
+                    <a:schemeClr val="bg1"/>
+                  </a:solidFill>
+                  <a:latin typeface="Arial" panose="020B0604020202020204" pitchFamily="34" charset="0"/>
+                  <a:ea typeface="AR PL Mingti2L Big5" charset="0"/>
+                  <a:cs typeface="AR PL Mingti2L Big5" charset="0"/>
+                </a:defRPr>
+              </a:lvl1pPr>
+              <a:lvl2pPr marL="742950" indent="-285750" algn="l" defTabSz="449263" rtl="0" eaLnBrk="0" fontAlgn="base" hangingPunct="0">
+                <a:spcBef>
+                  <a:spcPct val="0"/>
+                </a:spcBef>
+                <a:spcAft>
+                  <a:spcPct val="0"/>
+                </a:spcAft>
+                <a:defRPr kern="1200">
+                  <a:solidFill>
+                    <a:schemeClr val="bg1"/>
+                  </a:solidFill>
+                  <a:latin typeface="Arial" panose="020B0604020202020204" pitchFamily="34" charset="0"/>
+                  <a:ea typeface="AR PL Mingti2L Big5" charset="0"/>
+                  <a:cs typeface="AR PL Mingti2L Big5" charset="0"/>
+                </a:defRPr>
+              </a:lvl2pPr>
+              <a:lvl3pPr marL="1143000" indent="-228600" algn="l" defTabSz="449263" rtl="0" eaLnBrk="0" fontAlgn="base" hangingPunct="0">
+                <a:spcBef>
+                  <a:spcPct val="0"/>
+                </a:spcBef>
+                <a:spcAft>
+                  <a:spcPct val="0"/>
+                </a:spcAft>
+                <a:defRPr kern="1200">
+                  <a:solidFill>
+                    <a:schemeClr val="bg1"/>
+                  </a:solidFill>
+                  <a:latin typeface="Arial" panose="020B0604020202020204" pitchFamily="34" charset="0"/>
+                  <a:ea typeface="AR PL Mingti2L Big5" charset="0"/>
+                  <a:cs typeface="AR PL Mingti2L Big5" charset="0"/>
+                </a:defRPr>
+              </a:lvl3pPr>
+              <a:lvl4pPr marL="1600200" indent="-228600" algn="l" defTabSz="449263" rtl="0" eaLnBrk="0" fontAlgn="base" hangingPunct="0">
+                <a:spcBef>
+                  <a:spcPct val="0"/>
+                </a:spcBef>
+                <a:spcAft>
+                  <a:spcPct val="0"/>
+                </a:spcAft>
+                <a:defRPr kern="1200">
+                  <a:solidFill>
+                    <a:schemeClr val="bg1"/>
+                  </a:solidFill>
+                  <a:latin typeface="Arial" panose="020B0604020202020204" pitchFamily="34" charset="0"/>
+                  <a:ea typeface="AR PL Mingti2L Big5" charset="0"/>
+                  <a:cs typeface="AR PL Mingti2L Big5" charset="0"/>
+                </a:defRPr>
+              </a:lvl4pPr>
+              <a:lvl5pPr marL="2057400" indent="-228600" algn="l" defTabSz="449263" rtl="0" eaLnBrk="0" fontAlgn="base" hangingPunct="0">
+                <a:spcBef>
+                  <a:spcPct val="0"/>
+                </a:spcBef>
+                <a:spcAft>
+                  <a:spcPct val="0"/>
+                </a:spcAft>
+                <a:defRPr kern="1200">
+                  <a:solidFill>
+                    <a:schemeClr val="bg1"/>
+                  </a:solidFill>
+                  <a:latin typeface="Arial" panose="020B0604020202020204" pitchFamily="34" charset="0"/>
+                  <a:ea typeface="AR PL Mingti2L Big5" charset="0"/>
+                  <a:cs typeface="AR PL Mingti2L Big5" charset="0"/>
+                </a:defRPr>
+              </a:lvl5pPr>
+              <a:lvl6pPr marL="2286000" algn="l" defTabSz="914400" rtl="0" eaLnBrk="1" latinLnBrk="0" hangingPunct="1">
+                <a:defRPr kern="1200">
+                  <a:solidFill>
+                    <a:schemeClr val="bg1"/>
+                  </a:solidFill>
+                  <a:latin typeface="Arial" panose="020B0604020202020204" pitchFamily="34" charset="0"/>
+                  <a:ea typeface="AR PL Mingti2L Big5" charset="0"/>
+                  <a:cs typeface="AR PL Mingti2L Big5" charset="0"/>
+                </a:defRPr>
+              </a:lvl6pPr>
+              <a:lvl7pPr marL="2743200" algn="l" defTabSz="914400" rtl="0" eaLnBrk="1" latinLnBrk="0" hangingPunct="1">
+                <a:defRPr kern="1200">
+                  <a:solidFill>
+                    <a:schemeClr val="bg1"/>
+                  </a:solidFill>
+                  <a:latin typeface="Arial" panose="020B0604020202020204" pitchFamily="34" charset="0"/>
+                  <a:ea typeface="AR PL Mingti2L Big5" charset="0"/>
+                  <a:cs typeface="AR PL Mingti2L Big5" charset="0"/>
+                </a:defRPr>
+              </a:lvl7pPr>
+              <a:lvl8pPr marL="3200400" algn="l" defTabSz="914400" rtl="0" eaLnBrk="1" latinLnBrk="0" hangingPunct="1">
+                <a:defRPr kern="1200">
+                  <a:solidFill>
+                    <a:schemeClr val="bg1"/>
+                  </a:solidFill>
+                  <a:latin typeface="Arial" panose="020B0604020202020204" pitchFamily="34" charset="0"/>
+                  <a:ea typeface="AR PL Mingti2L Big5" charset="0"/>
+                  <a:cs typeface="AR PL Mingti2L Big5" charset="0"/>
+                </a:defRPr>
+              </a:lvl8pPr>
+              <a:lvl9pPr marL="3657600" algn="l" defTabSz="914400" rtl="0" eaLnBrk="1" latinLnBrk="0" hangingPunct="1">
+                <a:defRPr kern="1200">
+                  <a:solidFill>
+                    <a:schemeClr val="bg1"/>
+                  </a:solidFill>
+                  <a:latin typeface="Arial" panose="020B0604020202020204" pitchFamily="34" charset="0"/>
+                  <a:ea typeface="AR PL Mingti2L Big5" charset="0"/>
+                  <a:cs typeface="AR PL Mingti2L Big5" charset="0"/>
+                </a:defRPr>
+              </a:lvl9pPr>
+            </a:lstStyle>
+            <a:p>
+              <a:r>
+                <a:rPr lang="fi-FI" sz="2400" dirty="0" smtClean="0">
+                  <a:solidFill>
+                    <a:schemeClr val="tx1">
+                      <a:lumMod val="65000"/>
+                      <a:lumOff val="35000"/>
+                    </a:schemeClr>
+                  </a:solidFill>
+                </a:rPr>
+                <a:t>12 </a:t>
+              </a:r>
+              <a:r>
+                <a:rPr lang="fi-FI" sz="2400" dirty="0">
+                  <a:solidFill>
+                    <a:schemeClr val="tx1">
+                      <a:lumMod val="65000"/>
+                      <a:lumOff val="35000"/>
+                    </a:schemeClr>
+                  </a:solidFill>
+                </a:rPr>
+                <a:t>·</a:t>
+              </a:r>
+              <a:r>
+                <a:rPr lang="fi-FI" sz="2400" dirty="0" smtClean="0">
+                  <a:solidFill>
+                    <a:schemeClr val="tx1">
+                      <a:lumMod val="65000"/>
+                      <a:lumOff val="35000"/>
+                    </a:schemeClr>
+                  </a:solidFill>
+                </a:rPr>
+                <a:t> 0,2</a:t>
+              </a:r>
+              <a:endParaRPr lang="fi-FI" sz="2400" dirty="0">
+                <a:solidFill>
+                  <a:schemeClr val="tx1">
+                    <a:lumMod val="65000"/>
+                    <a:lumOff val="35000"/>
+                  </a:schemeClr>
+                </a:solidFill>
+              </a:endParaRPr>
+            </a:p>
+          </p:txBody>
+        </p:sp>
+        <p:sp>
+          <p:nvSpPr>
+            <p:cNvPr id="25" name="Suorakulmio 2"/>
+            <p:cNvSpPr/>
+            <p:nvPr/>
+          </p:nvSpPr>
+          <p:spPr>
+            <a:xfrm>
+              <a:off x="5596189" y="4139776"/>
+              <a:ext cx="1771459" cy="461665"/>
+            </a:xfrm>
+            <a:prstGeom prst="rect">
+              <a:avLst/>
+            </a:prstGeom>
+            <a:solidFill>
+              <a:srgbClr val="FFE593"/>
+            </a:solidFill>
+          </p:spPr>
+          <p:txBody>
+            <a:bodyPr wrap="square">
+              <a:spAutoFit/>
+            </a:bodyPr>
+            <a:lstStyle>
+              <a:defPPr>
+                <a:defRPr lang="en-GB"/>
+              </a:defPPr>
+              <a:lvl1pPr algn="l" defTabSz="449263" rtl="0" eaLnBrk="0" fontAlgn="base" hangingPunct="0">
+                <a:spcBef>
+                  <a:spcPct val="0"/>
+                </a:spcBef>
+                <a:spcAft>
+                  <a:spcPct val="0"/>
+                </a:spcAft>
+                <a:defRPr kern="1200">
+                  <a:solidFill>
+                    <a:schemeClr val="bg1"/>
+                  </a:solidFill>
+                  <a:latin typeface="Arial" panose="020B0604020202020204" pitchFamily="34" charset="0"/>
+                  <a:ea typeface="AR PL Mingti2L Big5" charset="0"/>
+                  <a:cs typeface="AR PL Mingti2L Big5" charset="0"/>
+                </a:defRPr>
+              </a:lvl1pPr>
+              <a:lvl2pPr marL="742950" indent="-285750" algn="l" defTabSz="449263" rtl="0" eaLnBrk="0" fontAlgn="base" hangingPunct="0">
+                <a:spcBef>
+                  <a:spcPct val="0"/>
+                </a:spcBef>
+                <a:spcAft>
+                  <a:spcPct val="0"/>
+                </a:spcAft>
+                <a:defRPr kern="1200">
+                  <a:solidFill>
+                    <a:schemeClr val="bg1"/>
+                  </a:solidFill>
+                  <a:latin typeface="Arial" panose="020B0604020202020204" pitchFamily="34" charset="0"/>
+                  <a:ea typeface="AR PL Mingti2L Big5" charset="0"/>
+                  <a:cs typeface="AR PL Mingti2L Big5" charset="0"/>
+                </a:defRPr>
+              </a:lvl2pPr>
+              <a:lvl3pPr marL="1143000" indent="-228600" algn="l" defTabSz="449263" rtl="0" eaLnBrk="0" fontAlgn="base" hangingPunct="0">
+                <a:spcBef>
+                  <a:spcPct val="0"/>
+                </a:spcBef>
+                <a:spcAft>
+                  <a:spcPct val="0"/>
+                </a:spcAft>
+                <a:defRPr kern="1200">
+                  <a:solidFill>
+                    <a:schemeClr val="bg1"/>
+                  </a:solidFill>
+                  <a:latin typeface="Arial" panose="020B0604020202020204" pitchFamily="34" charset="0"/>
+                  <a:ea typeface="AR PL Mingti2L Big5" charset="0"/>
+                  <a:cs typeface="AR PL Mingti2L Big5" charset="0"/>
+                </a:defRPr>
+              </a:lvl3pPr>
+              <a:lvl4pPr marL="1600200" indent="-228600" algn="l" defTabSz="449263" rtl="0" eaLnBrk="0" fontAlgn="base" hangingPunct="0">
+                <a:spcBef>
+                  <a:spcPct val="0"/>
+                </a:spcBef>
+                <a:spcAft>
+                  <a:spcPct val="0"/>
+                </a:spcAft>
+                <a:defRPr kern="1200">
+                  <a:solidFill>
+                    <a:schemeClr val="bg1"/>
+                  </a:solidFill>
+                  <a:latin typeface="Arial" panose="020B0604020202020204" pitchFamily="34" charset="0"/>
+                  <a:ea typeface="AR PL Mingti2L Big5" charset="0"/>
+                  <a:cs typeface="AR PL Mingti2L Big5" charset="0"/>
+                </a:defRPr>
+              </a:lvl4pPr>
+              <a:lvl5pPr marL="2057400" indent="-228600" algn="l" defTabSz="449263" rtl="0" eaLnBrk="0" fontAlgn="base" hangingPunct="0">
+                <a:spcBef>
+                  <a:spcPct val="0"/>
+                </a:spcBef>
+                <a:spcAft>
+                  <a:spcPct val="0"/>
+                </a:spcAft>
+                <a:defRPr kern="1200">
+                  <a:solidFill>
+                    <a:schemeClr val="bg1"/>
+                  </a:solidFill>
+                  <a:latin typeface="Arial" panose="020B0604020202020204" pitchFamily="34" charset="0"/>
+                  <a:ea typeface="AR PL Mingti2L Big5" charset="0"/>
+                  <a:cs typeface="AR PL Mingti2L Big5" charset="0"/>
+                </a:defRPr>
+              </a:lvl5pPr>
+              <a:lvl6pPr marL="2286000" algn="l" defTabSz="914400" rtl="0" eaLnBrk="1" latinLnBrk="0" hangingPunct="1">
+                <a:defRPr kern="1200">
+                  <a:solidFill>
+                    <a:schemeClr val="bg1"/>
+                  </a:solidFill>
+                  <a:latin typeface="Arial" panose="020B0604020202020204" pitchFamily="34" charset="0"/>
+                  <a:ea typeface="AR PL Mingti2L Big5" charset="0"/>
+                  <a:cs typeface="AR PL Mingti2L Big5" charset="0"/>
+                </a:defRPr>
+              </a:lvl6pPr>
+              <a:lvl7pPr marL="2743200" algn="l" defTabSz="914400" rtl="0" eaLnBrk="1" latinLnBrk="0" hangingPunct="1">
+                <a:defRPr kern="1200">
+                  <a:solidFill>
+                    <a:schemeClr val="bg1"/>
+                  </a:solidFill>
+                  <a:latin typeface="Arial" panose="020B0604020202020204" pitchFamily="34" charset="0"/>
+                  <a:ea typeface="AR PL Mingti2L Big5" charset="0"/>
+                  <a:cs typeface="AR PL Mingti2L Big5" charset="0"/>
+                </a:defRPr>
+              </a:lvl7pPr>
+              <a:lvl8pPr marL="3200400" algn="l" defTabSz="914400" rtl="0" eaLnBrk="1" latinLnBrk="0" hangingPunct="1">
+                <a:defRPr kern="1200">
+                  <a:solidFill>
+                    <a:schemeClr val="bg1"/>
+                  </a:solidFill>
+                  <a:latin typeface="Arial" panose="020B0604020202020204" pitchFamily="34" charset="0"/>
+                  <a:ea typeface="AR PL Mingti2L Big5" charset="0"/>
+                  <a:cs typeface="AR PL Mingti2L Big5" charset="0"/>
+                </a:defRPr>
+              </a:lvl8pPr>
+              <a:lvl9pPr marL="3657600" algn="l" defTabSz="914400" rtl="0" eaLnBrk="1" latinLnBrk="0" hangingPunct="1">
+                <a:defRPr kern="1200">
+                  <a:solidFill>
+                    <a:schemeClr val="bg1"/>
+                  </a:solidFill>
+                  <a:latin typeface="Arial" panose="020B0604020202020204" pitchFamily="34" charset="0"/>
+                  <a:ea typeface="AR PL Mingti2L Big5" charset="0"/>
+                  <a:cs typeface="AR PL Mingti2L Big5" charset="0"/>
+                </a:defRPr>
+              </a:lvl9pPr>
+            </a:lstStyle>
+            <a:p>
+              <a:r>
+                <a:rPr lang="fi-FI" sz="2400" dirty="0" smtClean="0">
+                  <a:solidFill>
+                    <a:schemeClr val="tx1">
+                      <a:lumMod val="65000"/>
+                      <a:lumOff val="35000"/>
+                    </a:schemeClr>
+                  </a:solidFill>
+                </a:rPr>
+                <a:t> 100 · 1,87</a:t>
+              </a:r>
+              <a:endParaRPr lang="fi-FI" sz="2400" dirty="0">
+                <a:solidFill>
+                  <a:schemeClr val="tx1">
+                    <a:lumMod val="65000"/>
+                    <a:lumOff val="35000"/>
+                  </a:schemeClr>
+                </a:solidFill>
+              </a:endParaRPr>
+            </a:p>
+          </p:txBody>
+        </p:sp>
+      </p:grpSp>
+      <p:grpSp>
+        <p:nvGrpSpPr>
+          <p:cNvPr id="28" name="Group 27"/>
+          <p:cNvGrpSpPr/>
+          <p:nvPr/>
+        </p:nvGrpSpPr>
+        <p:grpSpPr>
+          <a:xfrm>
+            <a:off x="179512" y="4632630"/>
+            <a:ext cx="7937015" cy="483222"/>
+            <a:chOff x="166849" y="4122032"/>
+            <a:chExt cx="7937015" cy="483222"/>
+          </a:xfrm>
+        </p:grpSpPr>
+        <p:sp>
+          <p:nvSpPr>
+            <p:cNvPr id="29" name="Suorakulmio 44"/>
+            <p:cNvSpPr/>
+            <p:nvPr/>
+          </p:nvSpPr>
+          <p:spPr>
+            <a:xfrm>
+              <a:off x="166849" y="4148454"/>
+              <a:ext cx="1104566" cy="338554"/>
+            </a:xfrm>
+            <a:prstGeom prst="rect">
+              <a:avLst/>
+            </a:prstGeom>
+            <a:solidFill>
+              <a:schemeClr val="accent2">
+                <a:lumMod val="75000"/>
+              </a:schemeClr>
+            </a:solidFill>
+          </p:spPr>
+          <p:txBody>
+            <a:bodyPr wrap="square">
+              <a:spAutoFit/>
+            </a:bodyPr>
+            <a:lstStyle/>
+            <a:p>
+              <a:r>
+                <a:rPr kumimoji="0" lang="fi-FI" sz="1600" b="0" i="0" u="none" strike="noStrike" cap="none" normalizeH="0" dirty="0">
+                  <a:ln>
+                    <a:noFill/>
+                  </a:ln>
+                  <a:effectLst/>
+                  <a:latin typeface="Arial" charset="0"/>
+                </a:rPr>
+                <a:t>Tehtävä </a:t>
+              </a:r>
+              <a:r>
+                <a:rPr lang="fi-FI" sz="1600" dirty="0">
+                  <a:latin typeface="Arial" charset="0"/>
+                </a:rPr>
+                <a:t>3</a:t>
+              </a:r>
+              <a:endParaRPr lang="fi-FI" sz="1600" dirty="0"/>
+            </a:p>
+          </p:txBody>
+        </p:sp>
+        <p:sp>
+          <p:nvSpPr>
+            <p:cNvPr id="30" name="Suorakulmio 46"/>
+            <p:cNvSpPr/>
+            <p:nvPr/>
+          </p:nvSpPr>
+          <p:spPr>
+            <a:xfrm>
+              <a:off x="1341987" y="4126400"/>
+              <a:ext cx="6761877" cy="461665"/>
+            </a:xfrm>
+            <a:prstGeom prst="rect">
+              <a:avLst/>
+            </a:prstGeom>
+            <a:noFill/>
+          </p:spPr>
+          <p:txBody>
+            <a:bodyPr wrap="square">
+              <a:spAutoFit/>
+            </a:bodyPr>
+            <a:lstStyle/>
+            <a:p>
+              <a:r>
+                <a:rPr lang="fi-FI" sz="2200" dirty="0" smtClean="0">
+                  <a:solidFill>
+                    <a:schemeClr val="tx1"/>
+                  </a:solidFill>
+                  <a:latin typeface="Arial" charset="0"/>
+                </a:rPr>
+                <a:t> </a:t>
+              </a:r>
+              <a:r>
+                <a:rPr lang="fi-FI" sz="2400" dirty="0" smtClean="0">
+                  <a:solidFill>
+                    <a:schemeClr val="tx1"/>
+                  </a:solidFill>
+                  <a:latin typeface="Arial" charset="0"/>
+                </a:rPr>
+                <a:t>a) </a:t>
+              </a:r>
+              <a:r>
+                <a:rPr lang="fi-FI" sz="2400" dirty="0">
+                  <a:solidFill>
+                    <a:schemeClr val="tx1"/>
+                  </a:solidFill>
+                  <a:latin typeface="Arial" charset="0"/>
+                </a:rPr>
+                <a:t> </a:t>
+              </a:r>
+              <a:r>
+                <a:rPr lang="fi-FI" sz="2400" dirty="0" smtClean="0">
+                  <a:solidFill>
+                    <a:schemeClr val="tx1"/>
+                  </a:solidFill>
+                  <a:latin typeface="Arial" charset="0"/>
+                </a:rPr>
+                <a:t>                  b)                  c)     c)        </a:t>
+              </a:r>
+              <a:endParaRPr lang="fi-FI" sz="2400" dirty="0">
+                <a:solidFill>
+                  <a:schemeClr val="tx1"/>
+                </a:solidFill>
+                <a:latin typeface="Arial" charset="0"/>
+              </a:endParaRPr>
+            </a:p>
+          </p:txBody>
+        </p:sp>
+        <p:sp>
+          <p:nvSpPr>
+            <p:cNvPr id="31" name="Suorakulmio 2"/>
+            <p:cNvSpPr/>
+            <p:nvPr/>
+          </p:nvSpPr>
+          <p:spPr>
+            <a:xfrm>
+              <a:off x="1846021" y="4131323"/>
+              <a:ext cx="1489180" cy="461665"/>
+            </a:xfrm>
+            <a:prstGeom prst="rect">
+              <a:avLst/>
+            </a:prstGeom>
+            <a:solidFill>
+              <a:srgbClr val="FFE593"/>
+            </a:solidFill>
+          </p:spPr>
+          <p:txBody>
+            <a:bodyPr wrap="square">
+              <a:spAutoFit/>
+            </a:bodyPr>
+            <a:lstStyle>
+              <a:defPPr>
+                <a:defRPr lang="en-GB"/>
+              </a:defPPr>
+              <a:lvl1pPr algn="l" defTabSz="449263" rtl="0" eaLnBrk="0" fontAlgn="base" hangingPunct="0">
+                <a:spcBef>
+                  <a:spcPct val="0"/>
+                </a:spcBef>
+                <a:spcAft>
+                  <a:spcPct val="0"/>
+                </a:spcAft>
+                <a:defRPr kern="1200">
+                  <a:solidFill>
+                    <a:schemeClr val="bg1"/>
+                  </a:solidFill>
+                  <a:latin typeface="Arial" panose="020B0604020202020204" pitchFamily="34" charset="0"/>
+                  <a:ea typeface="AR PL Mingti2L Big5" charset="0"/>
+                  <a:cs typeface="AR PL Mingti2L Big5" charset="0"/>
+                </a:defRPr>
+              </a:lvl1pPr>
+              <a:lvl2pPr marL="742950" indent="-285750" algn="l" defTabSz="449263" rtl="0" eaLnBrk="0" fontAlgn="base" hangingPunct="0">
+                <a:spcBef>
+                  <a:spcPct val="0"/>
+                </a:spcBef>
+                <a:spcAft>
+                  <a:spcPct val="0"/>
+                </a:spcAft>
+                <a:defRPr kern="1200">
+                  <a:solidFill>
+                    <a:schemeClr val="bg1"/>
+                  </a:solidFill>
+                  <a:latin typeface="Arial" panose="020B0604020202020204" pitchFamily="34" charset="0"/>
+                  <a:ea typeface="AR PL Mingti2L Big5" charset="0"/>
+                  <a:cs typeface="AR PL Mingti2L Big5" charset="0"/>
+                </a:defRPr>
+              </a:lvl2pPr>
+              <a:lvl3pPr marL="1143000" indent="-228600" algn="l" defTabSz="449263" rtl="0" eaLnBrk="0" fontAlgn="base" hangingPunct="0">
+                <a:spcBef>
+                  <a:spcPct val="0"/>
+                </a:spcBef>
+                <a:spcAft>
+                  <a:spcPct val="0"/>
+                </a:spcAft>
+                <a:defRPr kern="1200">
+                  <a:solidFill>
+                    <a:schemeClr val="bg1"/>
+                  </a:solidFill>
+                  <a:latin typeface="Arial" panose="020B0604020202020204" pitchFamily="34" charset="0"/>
+                  <a:ea typeface="AR PL Mingti2L Big5" charset="0"/>
+                  <a:cs typeface="AR PL Mingti2L Big5" charset="0"/>
+                </a:defRPr>
+              </a:lvl3pPr>
+              <a:lvl4pPr marL="1600200" indent="-228600" algn="l" defTabSz="449263" rtl="0" eaLnBrk="0" fontAlgn="base" hangingPunct="0">
+                <a:spcBef>
+                  <a:spcPct val="0"/>
+                </a:spcBef>
+                <a:spcAft>
+                  <a:spcPct val="0"/>
+                </a:spcAft>
+                <a:defRPr kern="1200">
+                  <a:solidFill>
+                    <a:schemeClr val="bg1"/>
+                  </a:solidFill>
+                  <a:latin typeface="Arial" panose="020B0604020202020204" pitchFamily="34" charset="0"/>
+                  <a:ea typeface="AR PL Mingti2L Big5" charset="0"/>
+                  <a:cs typeface="AR PL Mingti2L Big5" charset="0"/>
+                </a:defRPr>
+              </a:lvl4pPr>
+              <a:lvl5pPr marL="2057400" indent="-228600" algn="l" defTabSz="449263" rtl="0" eaLnBrk="0" fontAlgn="base" hangingPunct="0">
+                <a:spcBef>
+                  <a:spcPct val="0"/>
+                </a:spcBef>
+                <a:spcAft>
+                  <a:spcPct val="0"/>
+                </a:spcAft>
+                <a:defRPr kern="1200">
+                  <a:solidFill>
+                    <a:schemeClr val="bg1"/>
+                  </a:solidFill>
+                  <a:latin typeface="Arial" panose="020B0604020202020204" pitchFamily="34" charset="0"/>
+                  <a:ea typeface="AR PL Mingti2L Big5" charset="0"/>
+                  <a:cs typeface="AR PL Mingti2L Big5" charset="0"/>
+                </a:defRPr>
+              </a:lvl5pPr>
+              <a:lvl6pPr marL="2286000" algn="l" defTabSz="914400" rtl="0" eaLnBrk="1" latinLnBrk="0" hangingPunct="1">
+                <a:defRPr kern="1200">
+                  <a:solidFill>
+                    <a:schemeClr val="bg1"/>
+                  </a:solidFill>
+                  <a:latin typeface="Arial" panose="020B0604020202020204" pitchFamily="34" charset="0"/>
+                  <a:ea typeface="AR PL Mingti2L Big5" charset="0"/>
+                  <a:cs typeface="AR PL Mingti2L Big5" charset="0"/>
+                </a:defRPr>
+              </a:lvl6pPr>
+              <a:lvl7pPr marL="2743200" algn="l" defTabSz="914400" rtl="0" eaLnBrk="1" latinLnBrk="0" hangingPunct="1">
+                <a:defRPr kern="1200">
+                  <a:solidFill>
+                    <a:schemeClr val="bg1"/>
+                  </a:solidFill>
+                  <a:latin typeface="Arial" panose="020B0604020202020204" pitchFamily="34" charset="0"/>
+                  <a:ea typeface="AR PL Mingti2L Big5" charset="0"/>
+                  <a:cs typeface="AR PL Mingti2L Big5" charset="0"/>
+                </a:defRPr>
+              </a:lvl7pPr>
+              <a:lvl8pPr marL="3200400" algn="l" defTabSz="914400" rtl="0" eaLnBrk="1" latinLnBrk="0" hangingPunct="1">
+                <a:defRPr kern="1200">
+                  <a:solidFill>
+                    <a:schemeClr val="bg1"/>
+                  </a:solidFill>
+                  <a:latin typeface="Arial" panose="020B0604020202020204" pitchFamily="34" charset="0"/>
+                  <a:ea typeface="AR PL Mingti2L Big5" charset="0"/>
+                  <a:cs typeface="AR PL Mingti2L Big5" charset="0"/>
+                </a:defRPr>
+              </a:lvl8pPr>
+              <a:lvl9pPr marL="3657600" algn="l" defTabSz="914400" rtl="0" eaLnBrk="1" latinLnBrk="0" hangingPunct="1">
+                <a:defRPr kern="1200">
+                  <a:solidFill>
+                    <a:schemeClr val="bg1"/>
+                  </a:solidFill>
+                  <a:latin typeface="Arial" panose="020B0604020202020204" pitchFamily="34" charset="0"/>
+                  <a:ea typeface="AR PL Mingti2L Big5" charset="0"/>
+                  <a:cs typeface="AR PL Mingti2L Big5" charset="0"/>
+                </a:defRPr>
+              </a:lvl9pPr>
+            </a:lstStyle>
+            <a:p>
+              <a:r>
+                <a:rPr lang="fi-FI" sz="2400" dirty="0" smtClean="0">
+                  <a:solidFill>
+                    <a:schemeClr val="tx1">
+                      <a:lumMod val="65000"/>
+                      <a:lumOff val="35000"/>
+                    </a:schemeClr>
+                  </a:solidFill>
+                </a:rPr>
+                <a:t>1,87 :</a:t>
+              </a:r>
+              <a:r>
+                <a:rPr lang="fi-FI" sz="2400" dirty="0">
+                  <a:solidFill>
+                    <a:schemeClr val="tx1">
+                      <a:lumMod val="65000"/>
+                      <a:lumOff val="35000"/>
+                    </a:schemeClr>
+                  </a:solidFill>
+                </a:rPr>
+                <a:t> </a:t>
+              </a:r>
+              <a:r>
+                <a:rPr lang="fi-FI" sz="2400" dirty="0" smtClean="0">
+                  <a:solidFill>
+                    <a:schemeClr val="tx1">
+                      <a:lumMod val="65000"/>
+                      <a:lumOff val="35000"/>
+                    </a:schemeClr>
+                  </a:solidFill>
+                </a:rPr>
+                <a:t>10</a:t>
+              </a:r>
+              <a:endParaRPr lang="fi-FI" sz="2400" dirty="0">
+                <a:solidFill>
+                  <a:schemeClr val="tx1">
+                    <a:lumMod val="65000"/>
+                    <a:lumOff val="35000"/>
+                  </a:schemeClr>
+                </a:solidFill>
+              </a:endParaRPr>
+            </a:p>
+          </p:txBody>
+        </p:sp>
+        <p:sp>
+          <p:nvSpPr>
+            <p:cNvPr id="32" name="Suorakulmio 2"/>
+            <p:cNvSpPr/>
+            <p:nvPr/>
+          </p:nvSpPr>
+          <p:spPr>
+            <a:xfrm>
+              <a:off x="3815261" y="4122032"/>
+              <a:ext cx="1986442" cy="461665"/>
+            </a:xfrm>
+            <a:prstGeom prst="rect">
+              <a:avLst/>
+            </a:prstGeom>
+            <a:solidFill>
+              <a:srgbClr val="FFE593"/>
+            </a:solidFill>
+          </p:spPr>
+          <p:txBody>
+            <a:bodyPr wrap="square">
+              <a:spAutoFit/>
+            </a:bodyPr>
+            <a:lstStyle>
+              <a:defPPr>
+                <a:defRPr lang="en-GB"/>
+              </a:defPPr>
+              <a:lvl1pPr algn="l" defTabSz="449263" rtl="0" eaLnBrk="0" fontAlgn="base" hangingPunct="0">
+                <a:spcBef>
+                  <a:spcPct val="0"/>
+                </a:spcBef>
+                <a:spcAft>
+                  <a:spcPct val="0"/>
+                </a:spcAft>
+                <a:defRPr kern="1200">
+                  <a:solidFill>
+                    <a:schemeClr val="bg1"/>
+                  </a:solidFill>
+                  <a:latin typeface="Arial" panose="020B0604020202020204" pitchFamily="34" charset="0"/>
+                  <a:ea typeface="AR PL Mingti2L Big5" charset="0"/>
+                  <a:cs typeface="AR PL Mingti2L Big5" charset="0"/>
+                </a:defRPr>
+              </a:lvl1pPr>
+              <a:lvl2pPr marL="742950" indent="-285750" algn="l" defTabSz="449263" rtl="0" eaLnBrk="0" fontAlgn="base" hangingPunct="0">
+                <a:spcBef>
+                  <a:spcPct val="0"/>
+                </a:spcBef>
+                <a:spcAft>
+                  <a:spcPct val="0"/>
+                </a:spcAft>
+                <a:defRPr kern="1200">
+                  <a:solidFill>
+                    <a:schemeClr val="bg1"/>
+                  </a:solidFill>
+                  <a:latin typeface="Arial" panose="020B0604020202020204" pitchFamily="34" charset="0"/>
+                  <a:ea typeface="AR PL Mingti2L Big5" charset="0"/>
+                  <a:cs typeface="AR PL Mingti2L Big5" charset="0"/>
+                </a:defRPr>
+              </a:lvl2pPr>
+              <a:lvl3pPr marL="1143000" indent="-228600" algn="l" defTabSz="449263" rtl="0" eaLnBrk="0" fontAlgn="base" hangingPunct="0">
+                <a:spcBef>
+                  <a:spcPct val="0"/>
+                </a:spcBef>
+                <a:spcAft>
+                  <a:spcPct val="0"/>
+                </a:spcAft>
+                <a:defRPr kern="1200">
+                  <a:solidFill>
+                    <a:schemeClr val="bg1"/>
+                  </a:solidFill>
+                  <a:latin typeface="Arial" panose="020B0604020202020204" pitchFamily="34" charset="0"/>
+                  <a:ea typeface="AR PL Mingti2L Big5" charset="0"/>
+                  <a:cs typeface="AR PL Mingti2L Big5" charset="0"/>
+                </a:defRPr>
+              </a:lvl3pPr>
+              <a:lvl4pPr marL="1600200" indent="-228600" algn="l" defTabSz="449263" rtl="0" eaLnBrk="0" fontAlgn="base" hangingPunct="0">
+                <a:spcBef>
+                  <a:spcPct val="0"/>
+                </a:spcBef>
+                <a:spcAft>
+                  <a:spcPct val="0"/>
+                </a:spcAft>
+                <a:defRPr kern="1200">
+                  <a:solidFill>
+                    <a:schemeClr val="bg1"/>
+                  </a:solidFill>
+                  <a:latin typeface="Arial" panose="020B0604020202020204" pitchFamily="34" charset="0"/>
+                  <a:ea typeface="AR PL Mingti2L Big5" charset="0"/>
+                  <a:cs typeface="AR PL Mingti2L Big5" charset="0"/>
+                </a:defRPr>
+              </a:lvl4pPr>
+              <a:lvl5pPr marL="2057400" indent="-228600" algn="l" defTabSz="449263" rtl="0" eaLnBrk="0" fontAlgn="base" hangingPunct="0">
+                <a:spcBef>
+                  <a:spcPct val="0"/>
+                </a:spcBef>
+                <a:spcAft>
+                  <a:spcPct val="0"/>
+                </a:spcAft>
+                <a:defRPr kern="1200">
+                  <a:solidFill>
+                    <a:schemeClr val="bg1"/>
+                  </a:solidFill>
+                  <a:latin typeface="Arial" panose="020B0604020202020204" pitchFamily="34" charset="0"/>
+                  <a:ea typeface="AR PL Mingti2L Big5" charset="0"/>
+                  <a:cs typeface="AR PL Mingti2L Big5" charset="0"/>
+                </a:defRPr>
+              </a:lvl5pPr>
+              <a:lvl6pPr marL="2286000" algn="l" defTabSz="914400" rtl="0" eaLnBrk="1" latinLnBrk="0" hangingPunct="1">
+                <a:defRPr kern="1200">
+                  <a:solidFill>
+                    <a:schemeClr val="bg1"/>
+                  </a:solidFill>
+                  <a:latin typeface="Arial" panose="020B0604020202020204" pitchFamily="34" charset="0"/>
+                  <a:ea typeface="AR PL Mingti2L Big5" charset="0"/>
+                  <a:cs typeface="AR PL Mingti2L Big5" charset="0"/>
+                </a:defRPr>
+              </a:lvl6pPr>
+              <a:lvl7pPr marL="2743200" algn="l" defTabSz="914400" rtl="0" eaLnBrk="1" latinLnBrk="0" hangingPunct="1">
+                <a:defRPr kern="1200">
+                  <a:solidFill>
+                    <a:schemeClr val="bg1"/>
+                  </a:solidFill>
+                  <a:latin typeface="Arial" panose="020B0604020202020204" pitchFamily="34" charset="0"/>
+                  <a:ea typeface="AR PL Mingti2L Big5" charset="0"/>
+                  <a:cs typeface="AR PL Mingti2L Big5" charset="0"/>
+                </a:defRPr>
+              </a:lvl7pPr>
+              <a:lvl8pPr marL="3200400" algn="l" defTabSz="914400" rtl="0" eaLnBrk="1" latinLnBrk="0" hangingPunct="1">
+                <a:defRPr kern="1200">
+                  <a:solidFill>
+                    <a:schemeClr val="bg1"/>
+                  </a:solidFill>
+                  <a:latin typeface="Arial" panose="020B0604020202020204" pitchFamily="34" charset="0"/>
+                  <a:ea typeface="AR PL Mingti2L Big5" charset="0"/>
+                  <a:cs typeface="AR PL Mingti2L Big5" charset="0"/>
+                </a:defRPr>
+              </a:lvl8pPr>
+              <a:lvl9pPr marL="3657600" algn="l" defTabSz="914400" rtl="0" eaLnBrk="1" latinLnBrk="0" hangingPunct="1">
+                <a:defRPr kern="1200">
+                  <a:solidFill>
+                    <a:schemeClr val="bg1"/>
+                  </a:solidFill>
+                  <a:latin typeface="Arial" panose="020B0604020202020204" pitchFamily="34" charset="0"/>
+                  <a:ea typeface="AR PL Mingti2L Big5" charset="0"/>
+                  <a:cs typeface="AR PL Mingti2L Big5" charset="0"/>
+                </a:defRPr>
+              </a:lvl9pPr>
+            </a:lstStyle>
+            <a:p>
+              <a:r>
+                <a:rPr lang="fi-FI" sz="2400" dirty="0" smtClean="0">
+                  <a:solidFill>
+                    <a:schemeClr val="tx1">
+                      <a:lumMod val="65000"/>
+                      <a:lumOff val="35000"/>
+                    </a:schemeClr>
+                  </a:solidFill>
+                </a:rPr>
+                <a:t> 1,333 : 100</a:t>
+              </a:r>
+              <a:endParaRPr lang="fi-FI" sz="2400" dirty="0">
+                <a:solidFill>
+                  <a:schemeClr val="tx1">
+                    <a:lumMod val="65000"/>
+                    <a:lumOff val="35000"/>
+                  </a:schemeClr>
+                </a:solidFill>
+              </a:endParaRPr>
+            </a:p>
+          </p:txBody>
+        </p:sp>
+        <p:sp>
+          <p:nvSpPr>
+            <p:cNvPr id="33" name="Suorakulmio 2"/>
+            <p:cNvSpPr/>
+            <p:nvPr/>
+          </p:nvSpPr>
+          <p:spPr>
+            <a:xfrm>
+              <a:off x="6339584" y="4143589"/>
+              <a:ext cx="1388106" cy="461665"/>
+            </a:xfrm>
+            <a:prstGeom prst="rect">
+              <a:avLst/>
+            </a:prstGeom>
+            <a:solidFill>
+              <a:srgbClr val="FFE593"/>
+            </a:solidFill>
+          </p:spPr>
+          <p:txBody>
+            <a:bodyPr wrap="square">
+              <a:spAutoFit/>
+            </a:bodyPr>
+            <a:lstStyle>
+              <a:defPPr>
+                <a:defRPr lang="en-GB"/>
+              </a:defPPr>
+              <a:lvl1pPr algn="l" defTabSz="449263" rtl="0" eaLnBrk="0" fontAlgn="base" hangingPunct="0">
+                <a:spcBef>
+                  <a:spcPct val="0"/>
+                </a:spcBef>
+                <a:spcAft>
+                  <a:spcPct val="0"/>
+                </a:spcAft>
+                <a:defRPr kern="1200">
+                  <a:solidFill>
+                    <a:schemeClr val="bg1"/>
+                  </a:solidFill>
+                  <a:latin typeface="Arial" panose="020B0604020202020204" pitchFamily="34" charset="0"/>
+                  <a:ea typeface="AR PL Mingti2L Big5" charset="0"/>
+                  <a:cs typeface="AR PL Mingti2L Big5" charset="0"/>
+                </a:defRPr>
+              </a:lvl1pPr>
+              <a:lvl2pPr marL="742950" indent="-285750" algn="l" defTabSz="449263" rtl="0" eaLnBrk="0" fontAlgn="base" hangingPunct="0">
+                <a:spcBef>
+                  <a:spcPct val="0"/>
+                </a:spcBef>
+                <a:spcAft>
+                  <a:spcPct val="0"/>
+                </a:spcAft>
+                <a:defRPr kern="1200">
+                  <a:solidFill>
+                    <a:schemeClr val="bg1"/>
+                  </a:solidFill>
+                  <a:latin typeface="Arial" panose="020B0604020202020204" pitchFamily="34" charset="0"/>
+                  <a:ea typeface="AR PL Mingti2L Big5" charset="0"/>
+                  <a:cs typeface="AR PL Mingti2L Big5" charset="0"/>
+                </a:defRPr>
+              </a:lvl2pPr>
+              <a:lvl3pPr marL="1143000" indent="-228600" algn="l" defTabSz="449263" rtl="0" eaLnBrk="0" fontAlgn="base" hangingPunct="0">
+                <a:spcBef>
+                  <a:spcPct val="0"/>
+                </a:spcBef>
+                <a:spcAft>
+                  <a:spcPct val="0"/>
+                </a:spcAft>
+                <a:defRPr kern="1200">
+                  <a:solidFill>
+                    <a:schemeClr val="bg1"/>
+                  </a:solidFill>
+                  <a:latin typeface="Arial" panose="020B0604020202020204" pitchFamily="34" charset="0"/>
+                  <a:ea typeface="AR PL Mingti2L Big5" charset="0"/>
+                  <a:cs typeface="AR PL Mingti2L Big5" charset="0"/>
+                </a:defRPr>
+              </a:lvl3pPr>
+              <a:lvl4pPr marL="1600200" indent="-228600" algn="l" defTabSz="449263" rtl="0" eaLnBrk="0" fontAlgn="base" hangingPunct="0">
+                <a:spcBef>
+                  <a:spcPct val="0"/>
+                </a:spcBef>
+                <a:spcAft>
+                  <a:spcPct val="0"/>
+                </a:spcAft>
+                <a:defRPr kern="1200">
+                  <a:solidFill>
+                    <a:schemeClr val="bg1"/>
+                  </a:solidFill>
+                  <a:latin typeface="Arial" panose="020B0604020202020204" pitchFamily="34" charset="0"/>
+                  <a:ea typeface="AR PL Mingti2L Big5" charset="0"/>
+                  <a:cs typeface="AR PL Mingti2L Big5" charset="0"/>
+                </a:defRPr>
+              </a:lvl4pPr>
+              <a:lvl5pPr marL="2057400" indent="-228600" algn="l" defTabSz="449263" rtl="0" eaLnBrk="0" fontAlgn="base" hangingPunct="0">
+                <a:spcBef>
+                  <a:spcPct val="0"/>
+                </a:spcBef>
+                <a:spcAft>
+                  <a:spcPct val="0"/>
+                </a:spcAft>
+                <a:defRPr kern="1200">
+                  <a:solidFill>
+                    <a:schemeClr val="bg1"/>
+                  </a:solidFill>
+                  <a:latin typeface="Arial" panose="020B0604020202020204" pitchFamily="34" charset="0"/>
+                  <a:ea typeface="AR PL Mingti2L Big5" charset="0"/>
+                  <a:cs typeface="AR PL Mingti2L Big5" charset="0"/>
+                </a:defRPr>
+              </a:lvl5pPr>
+              <a:lvl6pPr marL="2286000" algn="l" defTabSz="914400" rtl="0" eaLnBrk="1" latinLnBrk="0" hangingPunct="1">
+                <a:defRPr kern="1200">
+                  <a:solidFill>
+                    <a:schemeClr val="bg1"/>
+                  </a:solidFill>
+                  <a:latin typeface="Arial" panose="020B0604020202020204" pitchFamily="34" charset="0"/>
+                  <a:ea typeface="AR PL Mingti2L Big5" charset="0"/>
+                  <a:cs typeface="AR PL Mingti2L Big5" charset="0"/>
+                </a:defRPr>
+              </a:lvl6pPr>
+              <a:lvl7pPr marL="2743200" algn="l" defTabSz="914400" rtl="0" eaLnBrk="1" latinLnBrk="0" hangingPunct="1">
+                <a:defRPr kern="1200">
+                  <a:solidFill>
+                    <a:schemeClr val="bg1"/>
+                  </a:solidFill>
+                  <a:latin typeface="Arial" panose="020B0604020202020204" pitchFamily="34" charset="0"/>
+                  <a:ea typeface="AR PL Mingti2L Big5" charset="0"/>
+                  <a:cs typeface="AR PL Mingti2L Big5" charset="0"/>
+                </a:defRPr>
+              </a:lvl7pPr>
+              <a:lvl8pPr marL="3200400" algn="l" defTabSz="914400" rtl="0" eaLnBrk="1" latinLnBrk="0" hangingPunct="1">
+                <a:defRPr kern="1200">
+                  <a:solidFill>
+                    <a:schemeClr val="bg1"/>
+                  </a:solidFill>
+                  <a:latin typeface="Arial" panose="020B0604020202020204" pitchFamily="34" charset="0"/>
+                  <a:ea typeface="AR PL Mingti2L Big5" charset="0"/>
+                  <a:cs typeface="AR PL Mingti2L Big5" charset="0"/>
+                </a:defRPr>
+              </a:lvl8pPr>
+              <a:lvl9pPr marL="3657600" algn="l" defTabSz="914400" rtl="0" eaLnBrk="1" latinLnBrk="0" hangingPunct="1">
+                <a:defRPr kern="1200">
+                  <a:solidFill>
+                    <a:schemeClr val="bg1"/>
+                  </a:solidFill>
+                  <a:latin typeface="Arial" panose="020B0604020202020204" pitchFamily="34" charset="0"/>
+                  <a:ea typeface="AR PL Mingti2L Big5" charset="0"/>
+                  <a:cs typeface="AR PL Mingti2L Big5" charset="0"/>
+                </a:defRPr>
+              </a:lvl9pPr>
+            </a:lstStyle>
+            <a:p>
+              <a:r>
+                <a:rPr lang="fi-FI" sz="2400" dirty="0" smtClean="0">
+                  <a:solidFill>
+                    <a:schemeClr val="tx1">
+                      <a:lumMod val="65000"/>
+                      <a:lumOff val="35000"/>
+                    </a:schemeClr>
+                  </a:solidFill>
+                </a:rPr>
+                <a:t> 0,8 : 0,5 </a:t>
+              </a:r>
+              <a:endParaRPr lang="fi-FI" sz="2400" dirty="0">
+                <a:solidFill>
+                  <a:schemeClr val="tx1">
+                    <a:lumMod val="65000"/>
+                    <a:lumOff val="35000"/>
+                  </a:schemeClr>
+                </a:solidFill>
+              </a:endParaRPr>
+            </a:p>
+          </p:txBody>
+        </p:sp>
+      </p:grpSp>
+    </p:spTree>
+    <p:extLst>
+      <p:ext uri="{BB962C8B-B14F-4D97-AF65-F5344CB8AC3E}">
+        <p14:creationId xmlns:p14="http://schemas.microsoft.com/office/powerpoint/2010/main" val="1364606417"/>
+      </p:ext>
+    </p:extLst>
+  </p:cSld>
+  <p:clrMapOvr>
+    <a:masterClrMapping/>
+  </p:clrMapOvr>
+  <p:timing>
+    <p:tnLst>
+      <p:par>
+        <p:cTn id="1" dur="indefinite" restart="never" nodeType="tmRoot"/>
+      </p:par>
+    </p:tnLst>
+  </p:timing>
+</p:sld>
+</file>
+
+<file path=ppt/slides/slide14.xml><?xml version="1.0" encoding="utf-8"?>
+<p:sld xmlns:a="http://schemas.openxmlformats.org/drawingml/2006/main" xmlns:r="http://schemas.openxmlformats.org/officeDocument/2006/relationships" xmlns:p="http://schemas.openxmlformats.org/presentationml/2006/main">
+  <p:cSld>
+    <p:spTree>
+      <p:nvGrpSpPr>
+        <p:cNvPr id="1" name=""/>
+        <p:cNvGrpSpPr/>
+        <p:nvPr/>
+      </p:nvGrpSpPr>
+      <p:grpSpPr>
+        <a:xfrm>
+          <a:off x="0" y="0"/>
+          <a:ext cx="0" cy="0"/>
+          <a:chOff x="0" y="0"/>
+          <a:chExt cx="0" cy="0"/>
+        </a:xfrm>
+      </p:grpSpPr>
+      <p:pic>
+        <p:nvPicPr>
+          <p:cNvPr id="5" name="Picture 4"/>
+          <p:cNvPicPr>
+            <a:picLocks noChangeAspect="1"/>
+          </p:cNvPicPr>
+          <p:nvPr/>
+        </p:nvPicPr>
+        <p:blipFill>
+          <a:blip r:embed="rId2">
+            <a:extLst>
+              <a:ext uri="{28A0092B-C50C-407E-A947-70E740481C1C}">
+                <a14:useLocalDpi xmlns:a14="http://schemas.microsoft.com/office/drawing/2010/main" val="0"/>
+              </a:ext>
+            </a:extLst>
+          </a:blip>
+          <a:stretch>
+            <a:fillRect/>
+          </a:stretch>
+        </p:blipFill>
+        <p:spPr>
+          <a:xfrm>
+            <a:off x="5502250" y="4033243"/>
+            <a:ext cx="3082044" cy="608556"/>
+          </a:xfrm>
+          <a:prstGeom prst="rect">
+            <a:avLst/>
+          </a:prstGeom>
+          <a:ln>
+            <a:solidFill>
+              <a:schemeClr val="tx1"/>
+            </a:solidFill>
+          </a:ln>
+        </p:spPr>
+      </p:pic>
+      <p:pic>
+        <p:nvPicPr>
+          <p:cNvPr id="2" name="Picture 1"/>
+          <p:cNvPicPr>
+            <a:picLocks noChangeAspect="1"/>
+          </p:cNvPicPr>
+          <p:nvPr/>
+        </p:nvPicPr>
+        <p:blipFill>
+          <a:blip r:embed="rId3">
+            <a:extLst>
+              <a:ext uri="{28A0092B-C50C-407E-A947-70E740481C1C}">
+                <a14:useLocalDpi xmlns:a14="http://schemas.microsoft.com/office/drawing/2010/main" val="0"/>
+              </a:ext>
+            </a:extLst>
+          </a:blip>
+          <a:stretch>
+            <a:fillRect/>
+          </a:stretch>
+        </p:blipFill>
+        <p:spPr>
+          <a:xfrm>
+            <a:off x="5341580" y="1788878"/>
+            <a:ext cx="3638316" cy="1686048"/>
+          </a:xfrm>
+          <a:prstGeom prst="rect">
+            <a:avLst/>
+          </a:prstGeom>
+          <a:ln>
+            <a:solidFill>
+              <a:schemeClr val="tx1"/>
+            </a:solidFill>
+          </a:ln>
+        </p:spPr>
+      </p:pic>
+      <p:pic>
+        <p:nvPicPr>
+          <p:cNvPr id="10" name="Picture 8" descr="https://avatars0.githubusercontent.com/u/232371?v=3&amp;s=400"/>
+          <p:cNvPicPr>
+            <a:picLocks noChangeAspect="1" noChangeArrowheads="1"/>
+          </p:cNvPicPr>
+          <p:nvPr/>
+        </p:nvPicPr>
+        <p:blipFill>
+          <a:blip r:embed="rId4" cstate="print">
+            <a:extLst>
+              <a:ext uri="{28A0092B-C50C-407E-A947-70E740481C1C}">
+                <a14:useLocalDpi xmlns:a14="http://schemas.microsoft.com/office/drawing/2010/main" val="0"/>
+              </a:ext>
+            </a:extLst>
+          </a:blip>
+          <a:srcRect/>
+          <a:stretch>
+            <a:fillRect/>
+          </a:stretch>
+        </p:blipFill>
+        <p:spPr bwMode="auto">
+          <a:xfrm>
+            <a:off x="179512" y="5229200"/>
+            <a:ext cx="1254667" cy="1254668"/>
+          </a:xfrm>
+          <a:prstGeom prst="rect">
+            <a:avLst/>
+          </a:prstGeom>
+          <a:noFill/>
+          <a:ln>
+            <a:noFill/>
+          </a:ln>
+          <a:extLst>
+            <a:ext uri="{909E8E84-426E-40DD-AFC4-6F175D3DCCD1}">
+              <a14:hiddenFill xmlns:a14="http://schemas.microsoft.com/office/drawing/2010/main">
+                <a:solidFill>
+                  <a:srgbClr val="FFFFFF"/>
+                </a:solidFill>
+              </a14:hiddenFill>
+            </a:ext>
+            <a:ext uri="{91240B29-F687-4F45-9708-019B960494DF}">
+              <a14:hiddenLine xmlns:a14="http://schemas.microsoft.com/office/drawing/2010/main" w="9525">
+                <a:solidFill>
+                  <a:srgbClr val="000000"/>
+                </a:solidFill>
+                <a:miter lim="800000"/>
+                <a:headEnd/>
+                <a:tailEnd/>
+              </a14:hiddenLine>
+            </a:ext>
+          </a:extLst>
+        </p:spPr>
+      </p:pic>
+      <p:sp>
+        <p:nvSpPr>
+          <p:cNvPr id="44" name="Suorakulmio 43"/>
+          <p:cNvSpPr/>
+          <p:nvPr/>
+        </p:nvSpPr>
+        <p:spPr>
+          <a:xfrm>
+            <a:off x="360167" y="1905993"/>
+            <a:ext cx="1074012" cy="338554"/>
+          </a:xfrm>
+          <a:prstGeom prst="rect">
+            <a:avLst/>
+          </a:prstGeom>
+          <a:solidFill>
+            <a:schemeClr val="accent2">
+              <a:lumMod val="75000"/>
+            </a:schemeClr>
+          </a:solidFill>
+        </p:spPr>
+        <p:txBody>
+          <a:bodyPr wrap="none">
+            <a:spAutoFit/>
+          </a:bodyPr>
+          <a:lstStyle/>
+          <a:p>
+            <a:r>
+              <a:rPr kumimoji="0" lang="fi-FI" sz="1600" b="0" i="0" u="none" strike="noStrike" cap="none" normalizeH="0" dirty="0">
+                <a:ln>
+                  <a:noFill/>
+                </a:ln>
+                <a:effectLst/>
+                <a:latin typeface="Arial" charset="0"/>
+              </a:rPr>
+              <a:t>Tehtävä </a:t>
+            </a:r>
+            <a:r>
+              <a:rPr lang="fi-FI" sz="1600" dirty="0">
+                <a:latin typeface="Arial" charset="0"/>
+              </a:rPr>
+              <a:t>1</a:t>
+            </a:r>
+            <a:endParaRPr lang="fi-FI" sz="1600" dirty="0"/>
+          </a:p>
+        </p:txBody>
+      </p:sp>
+      <p:sp>
+        <p:nvSpPr>
+          <p:cNvPr id="3" name="Alatunnisteen paikkamerkki 2"/>
+          <p:cNvSpPr>
+            <a:spLocks noGrp="1"/>
+          </p:cNvSpPr>
+          <p:nvPr>
+            <p:ph type="ftr" sz="quarter" idx="11"/>
+          </p:nvPr>
+        </p:nvSpPr>
+        <p:spPr/>
+        <p:txBody>
+          <a:bodyPr/>
+          <a:lstStyle/>
+          <a:p>
+            <a:pPr algn="r">
+              <a:defRPr/>
+            </a:pPr>
+            <a:r>
+              <a:rPr lang="fi-FI" dirty="0"/>
+              <a:t>MAOL Ohjelmointia matematiikkaan</a:t>
+            </a:r>
+            <a:endParaRPr lang="ru-RU" dirty="0"/>
+          </a:p>
+        </p:txBody>
+      </p:sp>
+      <p:sp>
+        <p:nvSpPr>
+          <p:cNvPr id="38" name="Suorakulmio 46"/>
+          <p:cNvSpPr/>
+          <p:nvPr/>
+        </p:nvSpPr>
+        <p:spPr>
+          <a:xfrm>
+            <a:off x="1551724" y="1804853"/>
+            <a:ext cx="3695941" cy="1754326"/>
+          </a:xfrm>
+          <a:prstGeom prst="rect">
+            <a:avLst/>
+          </a:prstGeom>
+          <a:noFill/>
+        </p:spPr>
+        <p:txBody>
+          <a:bodyPr wrap="square">
+            <a:spAutoFit/>
+          </a:bodyPr>
+          <a:lstStyle/>
+          <a:p>
+            <a:r>
+              <a:rPr kumimoji="0" lang="fi-FI" b="0" i="0" u="none" strike="noStrike" cap="none" normalizeH="0" dirty="0" smtClean="0">
+                <a:ln>
+                  <a:noFill/>
+                </a:ln>
+                <a:solidFill>
+                  <a:schemeClr val="tx1"/>
+                </a:solidFill>
+                <a:effectLst/>
+                <a:latin typeface="Arial" charset="0"/>
+              </a:rPr>
+              <a:t>Kirjoita määrittelyikkunaan luettelo kaupasta ostettavista tuotteista ja niiden hinnoista viereisen kuvan mukaisesti. </a:t>
+            </a:r>
+            <a:r>
+              <a:rPr lang="fi-FI" dirty="0" smtClean="0">
+                <a:solidFill>
+                  <a:schemeClr val="tx1"/>
+                </a:solidFill>
+                <a:latin typeface="Arial" charset="0"/>
+              </a:rPr>
+              <a:t>Saatuasi listan valmiiksi, muista painaa </a:t>
+            </a:r>
+            <a:r>
+              <a:rPr lang="fi-FI" dirty="0" err="1" smtClean="0">
+                <a:solidFill>
+                  <a:schemeClr val="tx1"/>
+                </a:solidFill>
+                <a:latin typeface="Arial" charset="0"/>
+              </a:rPr>
+              <a:t>Run</a:t>
+            </a:r>
+            <a:r>
+              <a:rPr lang="fi-FI" dirty="0" smtClean="0">
+                <a:solidFill>
+                  <a:schemeClr val="tx1"/>
+                </a:solidFill>
+                <a:latin typeface="Arial" charset="0"/>
+              </a:rPr>
+              <a:t>-näppäintä.</a:t>
+            </a:r>
+            <a:endParaRPr lang="fi-FI" dirty="0">
+              <a:solidFill>
+                <a:schemeClr val="tx1"/>
+              </a:solidFill>
+              <a:latin typeface="Arial" charset="0"/>
+            </a:endParaRPr>
+          </a:p>
+        </p:txBody>
+      </p:sp>
+      <p:pic>
+        <p:nvPicPr>
+          <p:cNvPr id="61" name="Picture 2" descr="WeScheme Logo"/>
+          <p:cNvPicPr>
+            <a:picLocks noChangeAspect="1" noChangeArrowheads="1"/>
+          </p:cNvPicPr>
+          <p:nvPr/>
+        </p:nvPicPr>
+        <p:blipFill>
+          <a:blip r:embed="rId5" cstate="print">
+            <a:extLst>
+              <a:ext uri="{28A0092B-C50C-407E-A947-70E740481C1C}">
+                <a14:useLocalDpi xmlns:a14="http://schemas.microsoft.com/office/drawing/2010/main" val="0"/>
+              </a:ext>
+            </a:extLst>
+          </a:blip>
+          <a:srcRect/>
+          <a:stretch>
+            <a:fillRect/>
+          </a:stretch>
+        </p:blipFill>
+        <p:spPr bwMode="auto">
+          <a:xfrm>
+            <a:off x="7163754" y="5133041"/>
+            <a:ext cx="1495802" cy="1383832"/>
+          </a:xfrm>
+          <a:prstGeom prst="rect">
+            <a:avLst/>
+          </a:prstGeom>
+          <a:noFill/>
+          <a:ln>
+            <a:noFill/>
+          </a:ln>
+          <a:effectLst>
+            <a:outerShdw blurRad="50800" dist="38100" dir="5400000" algn="t" rotWithShape="0">
+              <a:prstClr val="black">
+                <a:alpha val="40000"/>
+              </a:prstClr>
+            </a:outerShdw>
+          </a:effectLst>
+          <a:extLst>
+            <a:ext uri="{909E8E84-426E-40DD-AFC4-6F175D3DCCD1}">
+              <a14:hiddenFill xmlns:a14="http://schemas.microsoft.com/office/drawing/2010/main">
+                <a:solidFill>
+                  <a:srgbClr val="FFFFFF"/>
+                </a:solidFill>
+              </a14:hiddenFill>
+            </a:ext>
+            <a:ext uri="{91240B29-F687-4F45-9708-019B960494DF}">
+              <a14:hiddenLine xmlns:a14="http://schemas.microsoft.com/office/drawing/2010/main" w="9525">
+                <a:solidFill>
+                  <a:srgbClr val="000000"/>
+                </a:solidFill>
+                <a:miter lim="800000"/>
+                <a:headEnd/>
+                <a:tailEnd/>
+              </a14:hiddenLine>
+            </a:ext>
+          </a:extLst>
+        </p:spPr>
+      </p:pic>
+      <p:sp>
+        <p:nvSpPr>
+          <p:cNvPr id="12" name="Otsikko 1"/>
+          <p:cNvSpPr txBox="1">
+            <a:spLocks/>
+          </p:cNvSpPr>
+          <p:nvPr/>
+        </p:nvSpPr>
+        <p:spPr bwMode="auto">
+          <a:xfrm>
+            <a:off x="425200" y="752966"/>
+            <a:ext cx="8395272" cy="599694"/>
+          </a:xfrm>
+          <a:prstGeom prst="rect">
+            <a:avLst/>
+          </a:prstGeom>
+          <a:noFill/>
+          <a:ln>
+            <a:noFill/>
+          </a:ln>
+          <a:extLst>
+            <a:ext uri="{909E8E84-426E-40DD-AFC4-6F175D3DCCD1}">
+              <a14:hiddenFill xmlns:a14="http://schemas.microsoft.com/office/drawing/2010/main">
+                <a:solidFill>
+                  <a:srgbClr val="FFFFFF"/>
+                </a:solidFill>
+              </a14:hiddenFill>
+            </a:ext>
+            <a:ext uri="{91240B29-F687-4F45-9708-019B960494DF}">
+              <a14:hiddenLine xmlns:a14="http://schemas.microsoft.com/office/drawing/2010/main" w="9525">
+                <a:solidFill>
+                  <a:srgbClr val="000000"/>
+                </a:solidFill>
+                <a:round/>
+                <a:headEnd/>
+                <a:tailEnd/>
+              </a14:hiddenLine>
+            </a:ext>
+          </a:extLst>
+        </p:spPr>
+        <p:txBody>
+          <a:bodyPr vert="horz" wrap="square" lIns="90000" tIns="46800" rIns="90000" bIns="46800" numCol="1" anchor="ctr" anchorCtr="0" compatLnSpc="1">
+            <a:prstTxWarp prst="textNoShape">
+              <a:avLst/>
+            </a:prstTxWarp>
+          </a:bodyPr>
+          <a:lstStyle>
+            <a:lvl1pPr algn="ctr" defTabSz="449263" rtl="0" eaLnBrk="0" fontAlgn="base" hangingPunct="0">
+              <a:spcBef>
+                <a:spcPct val="0"/>
+              </a:spcBef>
+              <a:spcAft>
+                <a:spcPct val="0"/>
+              </a:spcAft>
+              <a:buClr>
+                <a:srgbClr val="000000"/>
+              </a:buClr>
+              <a:buSzPct val="100000"/>
+              <a:buFont typeface="Times New Roman" panose="02020603050405020304" pitchFamily="18" charset="0"/>
+              <a:defRPr sz="4400">
+                <a:solidFill>
+                  <a:srgbClr val="000000"/>
+                </a:solidFill>
+                <a:latin typeface="+mj-lt"/>
+                <a:ea typeface="+mj-ea"/>
+                <a:cs typeface="+mj-cs"/>
+              </a:defRPr>
+            </a:lvl1pPr>
+            <a:lvl2pPr algn="ctr" defTabSz="449263" rtl="0" eaLnBrk="0" fontAlgn="base" hangingPunct="0">
+              <a:spcBef>
+                <a:spcPct val="0"/>
+              </a:spcBef>
+              <a:spcAft>
+                <a:spcPct val="0"/>
+              </a:spcAft>
+              <a:buClr>
+                <a:srgbClr val="000000"/>
+              </a:buClr>
+              <a:buSzPct val="100000"/>
+              <a:buFont typeface="Times New Roman" panose="02020603050405020304" pitchFamily="18" charset="0"/>
+              <a:defRPr sz="4400">
+                <a:solidFill>
+                  <a:srgbClr val="000000"/>
+                </a:solidFill>
+                <a:latin typeface="Arial" charset="0"/>
+                <a:ea typeface="AR PL Mingti2L Big5" charset="0"/>
+                <a:cs typeface="AR PL Mingti2L Big5" charset="0"/>
+              </a:defRPr>
+            </a:lvl2pPr>
+            <a:lvl3pPr algn="ctr" defTabSz="449263" rtl="0" eaLnBrk="0" fontAlgn="base" hangingPunct="0">
+              <a:spcBef>
+                <a:spcPct val="0"/>
+              </a:spcBef>
+              <a:spcAft>
+                <a:spcPct val="0"/>
+              </a:spcAft>
+              <a:buClr>
+                <a:srgbClr val="000000"/>
+              </a:buClr>
+              <a:buSzPct val="100000"/>
+              <a:buFont typeface="Times New Roman" panose="02020603050405020304" pitchFamily="18" charset="0"/>
+              <a:defRPr sz="4400">
+                <a:solidFill>
+                  <a:srgbClr val="000000"/>
+                </a:solidFill>
+                <a:latin typeface="Arial" charset="0"/>
+                <a:ea typeface="AR PL Mingti2L Big5" charset="0"/>
+                <a:cs typeface="AR PL Mingti2L Big5" charset="0"/>
+              </a:defRPr>
+            </a:lvl3pPr>
+            <a:lvl4pPr algn="ctr" defTabSz="449263" rtl="0" eaLnBrk="0" fontAlgn="base" hangingPunct="0">
+              <a:spcBef>
+                <a:spcPct val="0"/>
+              </a:spcBef>
+              <a:spcAft>
+                <a:spcPct val="0"/>
+              </a:spcAft>
+              <a:buClr>
+                <a:srgbClr val="000000"/>
+              </a:buClr>
+              <a:buSzPct val="100000"/>
+              <a:buFont typeface="Times New Roman" panose="02020603050405020304" pitchFamily="18" charset="0"/>
+              <a:defRPr sz="4400">
+                <a:solidFill>
+                  <a:srgbClr val="000000"/>
+                </a:solidFill>
+                <a:latin typeface="Arial" charset="0"/>
+                <a:ea typeface="AR PL Mingti2L Big5" charset="0"/>
+                <a:cs typeface="AR PL Mingti2L Big5" charset="0"/>
+              </a:defRPr>
+            </a:lvl4pPr>
+            <a:lvl5pPr algn="ctr" defTabSz="449263" rtl="0" eaLnBrk="0" fontAlgn="base" hangingPunct="0">
+              <a:spcBef>
+                <a:spcPct val="0"/>
+              </a:spcBef>
+              <a:spcAft>
+                <a:spcPct val="0"/>
+              </a:spcAft>
+              <a:buClr>
+                <a:srgbClr val="000000"/>
+              </a:buClr>
+              <a:buSzPct val="100000"/>
+              <a:buFont typeface="Times New Roman" panose="02020603050405020304" pitchFamily="18" charset="0"/>
+              <a:defRPr sz="4400">
+                <a:solidFill>
+                  <a:srgbClr val="000000"/>
+                </a:solidFill>
+                <a:latin typeface="Arial" charset="0"/>
+                <a:ea typeface="AR PL Mingti2L Big5" charset="0"/>
+                <a:cs typeface="AR PL Mingti2L Big5" charset="0"/>
+              </a:defRPr>
+            </a:lvl5pPr>
+            <a:lvl6pPr marL="2514600" indent="-228600" algn="ctr" defTabSz="449263" rtl="0" fontAlgn="base">
+              <a:spcBef>
+                <a:spcPct val="0"/>
+              </a:spcBef>
+              <a:spcAft>
+                <a:spcPct val="0"/>
+              </a:spcAft>
+              <a:buClr>
+                <a:srgbClr val="000000"/>
+              </a:buClr>
+              <a:buSzPct val="100000"/>
+              <a:buFont typeface="Times New Roman" pitchFamily="16" charset="0"/>
+              <a:defRPr sz="4400">
+                <a:solidFill>
+                  <a:srgbClr val="000000"/>
+                </a:solidFill>
+                <a:latin typeface="Arial" charset="0"/>
+                <a:ea typeface="AR PL Mingti2L Big5" charset="0"/>
+                <a:cs typeface="AR PL Mingti2L Big5" charset="0"/>
+              </a:defRPr>
+            </a:lvl6pPr>
+            <a:lvl7pPr marL="2971800" indent="-228600" algn="ctr" defTabSz="449263" rtl="0" fontAlgn="base">
+              <a:spcBef>
+                <a:spcPct val="0"/>
+              </a:spcBef>
+              <a:spcAft>
+                <a:spcPct val="0"/>
+              </a:spcAft>
+              <a:buClr>
+                <a:srgbClr val="000000"/>
+              </a:buClr>
+              <a:buSzPct val="100000"/>
+              <a:buFont typeface="Times New Roman" pitchFamily="16" charset="0"/>
+              <a:defRPr sz="4400">
+                <a:solidFill>
+                  <a:srgbClr val="000000"/>
+                </a:solidFill>
+                <a:latin typeface="Arial" charset="0"/>
+                <a:ea typeface="AR PL Mingti2L Big5" charset="0"/>
+                <a:cs typeface="AR PL Mingti2L Big5" charset="0"/>
+              </a:defRPr>
+            </a:lvl7pPr>
+            <a:lvl8pPr marL="3429000" indent="-228600" algn="ctr" defTabSz="449263" rtl="0" fontAlgn="base">
+              <a:spcBef>
+                <a:spcPct val="0"/>
+              </a:spcBef>
+              <a:spcAft>
+                <a:spcPct val="0"/>
+              </a:spcAft>
+              <a:buClr>
+                <a:srgbClr val="000000"/>
+              </a:buClr>
+              <a:buSzPct val="100000"/>
+              <a:buFont typeface="Times New Roman" pitchFamily="16" charset="0"/>
+              <a:defRPr sz="4400">
+                <a:solidFill>
+                  <a:srgbClr val="000000"/>
+                </a:solidFill>
+                <a:latin typeface="Arial" charset="0"/>
+                <a:ea typeface="AR PL Mingti2L Big5" charset="0"/>
+                <a:cs typeface="AR PL Mingti2L Big5" charset="0"/>
+              </a:defRPr>
+            </a:lvl8pPr>
+            <a:lvl9pPr marL="3886200" indent="-228600" algn="ctr" defTabSz="449263" rtl="0" fontAlgn="base">
+              <a:spcBef>
+                <a:spcPct val="0"/>
+              </a:spcBef>
+              <a:spcAft>
+                <a:spcPct val="0"/>
+              </a:spcAft>
+              <a:buClr>
+                <a:srgbClr val="000000"/>
+              </a:buClr>
+              <a:buSzPct val="100000"/>
+              <a:buFont typeface="Times New Roman" pitchFamily="16" charset="0"/>
+              <a:defRPr sz="4400">
+                <a:solidFill>
+                  <a:srgbClr val="000000"/>
+                </a:solidFill>
+                <a:latin typeface="Arial" charset="0"/>
+                <a:ea typeface="AR PL Mingti2L Big5" charset="0"/>
+                <a:cs typeface="AR PL Mingti2L Big5" charset="0"/>
+              </a:defRPr>
+            </a:lvl9pPr>
+          </a:lstStyle>
+          <a:p>
+            <a:pPr algn="l"/>
+            <a:r>
+              <a:rPr lang="fi-FI" altLang="fi-FI" sz="4000" b="1" kern="0" dirty="0" smtClean="0">
+                <a:solidFill>
+                  <a:schemeClr val="accent6">
+                    <a:lumMod val="75000"/>
+                  </a:schemeClr>
+                </a:solidFill>
+              </a:rPr>
+              <a:t>Tehtäväsarja </a:t>
+            </a:r>
+            <a:r>
+              <a:rPr lang="fi-FI" altLang="fi-FI" sz="4000" b="1" kern="0" dirty="0">
+                <a:solidFill>
+                  <a:schemeClr val="accent6">
+                    <a:lumMod val="75000"/>
+                  </a:schemeClr>
+                </a:solidFill>
+              </a:rPr>
+              <a:t>2</a:t>
+            </a:r>
+            <a:r>
+              <a:rPr lang="fi-FI" altLang="fi-FI" sz="4000" b="1" kern="0" dirty="0" smtClean="0">
+                <a:solidFill>
+                  <a:schemeClr val="accent6">
+                    <a:lumMod val="75000"/>
+                  </a:schemeClr>
+                </a:solidFill>
+              </a:rPr>
+              <a:t>. Ostosten hinnat</a:t>
+            </a:r>
+            <a:endParaRPr lang="fi-FI" altLang="fi-FI" sz="4000" b="1" kern="0" dirty="0">
+              <a:solidFill>
+                <a:schemeClr val="accent6">
+                  <a:lumMod val="75000"/>
+                </a:schemeClr>
+              </a:solidFill>
+            </a:endParaRPr>
+          </a:p>
+        </p:txBody>
+      </p:sp>
+      <p:sp>
+        <p:nvSpPr>
+          <p:cNvPr id="15" name="TextBox 14"/>
+          <p:cNvSpPr txBox="1"/>
+          <p:nvPr/>
+        </p:nvSpPr>
+        <p:spPr>
+          <a:xfrm>
+            <a:off x="7178601" y="4518088"/>
+            <a:ext cx="1895209" cy="369332"/>
+          </a:xfrm>
+          <a:prstGeom prst="rect">
+            <a:avLst/>
+          </a:prstGeom>
+          <a:solidFill>
+            <a:schemeClr val="accent2">
+              <a:lumMod val="75000"/>
+            </a:schemeClr>
+          </a:solidFill>
+        </p:spPr>
+        <p:txBody>
+          <a:bodyPr wrap="square" rtlCol="0">
+            <a:spAutoFit/>
+          </a:bodyPr>
+          <a:lstStyle/>
+          <a:p>
+            <a:r>
+              <a:rPr lang="fi-FI" dirty="0" smtClean="0"/>
+              <a:t>Interaktioikkuna</a:t>
+            </a:r>
+            <a:endParaRPr lang="fi-FI" dirty="0"/>
+          </a:p>
+        </p:txBody>
+      </p:sp>
+      <p:sp>
+        <p:nvSpPr>
+          <p:cNvPr id="19" name="TextBox 18"/>
+          <p:cNvSpPr txBox="1"/>
+          <p:nvPr/>
+        </p:nvSpPr>
+        <p:spPr>
+          <a:xfrm>
+            <a:off x="7178602" y="3290260"/>
+            <a:ext cx="1895209" cy="369332"/>
+          </a:xfrm>
+          <a:prstGeom prst="rect">
+            <a:avLst/>
+          </a:prstGeom>
+          <a:solidFill>
+            <a:schemeClr val="accent2">
+              <a:lumMod val="75000"/>
+            </a:schemeClr>
+          </a:solidFill>
+        </p:spPr>
+        <p:txBody>
+          <a:bodyPr wrap="square" rtlCol="0">
+            <a:spAutoFit/>
+          </a:bodyPr>
+          <a:lstStyle/>
+          <a:p>
+            <a:r>
+              <a:rPr lang="fi-FI" dirty="0" smtClean="0"/>
+              <a:t>Määrittelyikkuna</a:t>
+            </a:r>
+            <a:endParaRPr lang="fi-FI" dirty="0"/>
+          </a:p>
+        </p:txBody>
+      </p:sp>
+      <p:sp>
+        <p:nvSpPr>
+          <p:cNvPr id="11" name="Suorakulmio 43"/>
+          <p:cNvSpPr/>
+          <p:nvPr/>
+        </p:nvSpPr>
+        <p:spPr>
+          <a:xfrm>
+            <a:off x="360167" y="3998759"/>
+            <a:ext cx="1074012" cy="338554"/>
+          </a:xfrm>
+          <a:prstGeom prst="rect">
+            <a:avLst/>
+          </a:prstGeom>
+          <a:solidFill>
+            <a:schemeClr val="accent2">
+              <a:lumMod val="75000"/>
+            </a:schemeClr>
+          </a:solidFill>
+        </p:spPr>
+        <p:txBody>
+          <a:bodyPr wrap="none">
+            <a:spAutoFit/>
+          </a:bodyPr>
+          <a:lstStyle/>
+          <a:p>
+            <a:r>
+              <a:rPr kumimoji="0" lang="fi-FI" sz="1600" b="0" i="0" u="none" strike="noStrike" cap="none" normalizeH="0" dirty="0">
+                <a:ln>
+                  <a:noFill/>
+                </a:ln>
+                <a:effectLst/>
+                <a:latin typeface="Arial" charset="0"/>
+              </a:rPr>
+              <a:t>Tehtävä </a:t>
+            </a:r>
+            <a:r>
+              <a:rPr lang="fi-FI" sz="1600" dirty="0">
+                <a:latin typeface="Arial" charset="0"/>
+              </a:rPr>
+              <a:t>2</a:t>
+            </a:r>
+            <a:endParaRPr lang="fi-FI" sz="1600" dirty="0"/>
+          </a:p>
+        </p:txBody>
+      </p:sp>
+      <p:sp>
+        <p:nvSpPr>
+          <p:cNvPr id="4" name="TextBox 3"/>
+          <p:cNvSpPr txBox="1"/>
+          <p:nvPr/>
+        </p:nvSpPr>
+        <p:spPr>
+          <a:xfrm>
+            <a:off x="1551724" y="4011413"/>
+            <a:ext cx="5184576" cy="1754326"/>
+          </a:xfrm>
+          <a:prstGeom prst="rect">
+            <a:avLst/>
+          </a:prstGeom>
+          <a:noFill/>
+        </p:spPr>
+        <p:txBody>
+          <a:bodyPr wrap="square" rtlCol="0">
+            <a:spAutoFit/>
+          </a:bodyPr>
+          <a:lstStyle/>
+          <a:p>
+            <a:r>
+              <a:rPr lang="fi-FI" dirty="0" smtClean="0">
+                <a:solidFill>
+                  <a:schemeClr val="tx1"/>
+                </a:solidFill>
+              </a:rPr>
+              <a:t>Laske interaktioikkunassa.</a:t>
+            </a:r>
+          </a:p>
+          <a:p>
+            <a:endParaRPr lang="fi-FI" dirty="0">
+              <a:solidFill>
+                <a:schemeClr val="tx1"/>
+              </a:solidFill>
+            </a:endParaRPr>
+          </a:p>
+          <a:p>
+            <a:pPr marL="342900" indent="-342900">
+              <a:buFont typeface="+mj-lt"/>
+              <a:buAutoNum type="alphaLcParenR"/>
+            </a:pPr>
+            <a:r>
+              <a:rPr lang="fi-FI" dirty="0" smtClean="0">
+                <a:solidFill>
+                  <a:schemeClr val="tx1"/>
+                </a:solidFill>
+              </a:rPr>
+              <a:t>Paljonko maksaa maito ja leipä?</a:t>
+            </a:r>
+          </a:p>
+          <a:p>
+            <a:pPr marL="342900" indent="-342900">
+              <a:buFont typeface="+mj-lt"/>
+              <a:buAutoNum type="alphaLcParenR"/>
+            </a:pPr>
+            <a:r>
+              <a:rPr lang="fi-FI" dirty="0" smtClean="0">
+                <a:solidFill>
+                  <a:schemeClr val="tx1"/>
+                </a:solidFill>
+              </a:rPr>
+              <a:t>Paljonko maksaa margariini ja mehu?</a:t>
+            </a:r>
+          </a:p>
+          <a:p>
+            <a:pPr marL="342900" indent="-342900">
+              <a:buFont typeface="+mj-lt"/>
+              <a:buAutoNum type="alphaLcParenR"/>
+            </a:pPr>
+            <a:r>
+              <a:rPr lang="fi-FI" dirty="0" smtClean="0">
+                <a:solidFill>
+                  <a:schemeClr val="tx1"/>
+                </a:solidFill>
+              </a:rPr>
+              <a:t>Paljonko maksaa maito, leipä ja mehu?</a:t>
+            </a:r>
+          </a:p>
+          <a:p>
+            <a:pPr marL="342900" indent="-342900">
+              <a:buFont typeface="+mj-lt"/>
+              <a:buAutoNum type="alphaLcParenR"/>
+            </a:pPr>
+            <a:r>
+              <a:rPr lang="fi-FI" dirty="0" smtClean="0">
+                <a:solidFill>
+                  <a:schemeClr val="tx1"/>
+                </a:solidFill>
+              </a:rPr>
+              <a:t>Paljonko maksaa neljä leipää?</a:t>
+            </a:r>
+            <a:endParaRPr lang="fi-FI" dirty="0">
+              <a:solidFill>
+                <a:schemeClr val="tx1"/>
+              </a:solidFill>
+            </a:endParaRPr>
+          </a:p>
+        </p:txBody>
+      </p:sp>
+    </p:spTree>
+    <p:extLst>
+      <p:ext uri="{BB962C8B-B14F-4D97-AF65-F5344CB8AC3E}">
+        <p14:creationId xmlns:p14="http://schemas.microsoft.com/office/powerpoint/2010/main" val="43457667"/>
+      </p:ext>
+    </p:extLst>
+  </p:cSld>
+  <p:clrMapOvr>
+    <a:masterClrMapping/>
+  </p:clrMapOvr>
+</p:sld>
+</file>
+
+<file path=ppt/slides/slide2.xml><?xml version="1.0" encoding="utf-8"?>
+<p:sld xmlns:a="http://schemas.openxmlformats.org/drawingml/2006/main" xmlns:r="http://schemas.openxmlformats.org/officeDocument/2006/relationships" xmlns:p="http://schemas.openxmlformats.org/presentationml/2006/main">
+  <p:cSld>
+    <p:spTree>
+      <p:nvGrpSpPr>
+        <p:cNvPr id="1" name=""/>
+        <p:cNvGrpSpPr/>
+        <p:nvPr/>
+      </p:nvGrpSpPr>
+      <p:grpSpPr>
+        <a:xfrm>
+          <a:off x="0" y="0"/>
+          <a:ext cx="0" cy="0"/>
+          <a:chOff x="0" y="0"/>
+          <a:chExt cx="0" cy="0"/>
+        </a:xfrm>
+      </p:grpSpPr>
+      <p:pic>
+        <p:nvPicPr>
+          <p:cNvPr id="8" name="Picture 7"/>
+          <p:cNvPicPr>
+            <a:picLocks noChangeAspect="1"/>
+          </p:cNvPicPr>
+          <p:nvPr/>
+        </p:nvPicPr>
+        <p:blipFill>
+          <a:blip r:embed="rId2">
+            <a:extLst>
+              <a:ext uri="{28A0092B-C50C-407E-A947-70E740481C1C}">
+                <a14:useLocalDpi xmlns:a14="http://schemas.microsoft.com/office/drawing/2010/main" val="0"/>
+              </a:ext>
+            </a:extLst>
+          </a:blip>
+          <a:stretch>
+            <a:fillRect/>
+          </a:stretch>
+        </p:blipFill>
+        <p:spPr>
+          <a:xfrm>
+            <a:off x="5139483" y="2627590"/>
+            <a:ext cx="3441414" cy="1711792"/>
+          </a:xfrm>
+          <a:prstGeom prst="rect">
+            <a:avLst/>
+          </a:prstGeom>
+          <a:ln>
+            <a:solidFill>
+              <a:schemeClr val="tx1"/>
+            </a:solidFill>
+          </a:ln>
+        </p:spPr>
+      </p:pic>
+      <p:pic>
+        <p:nvPicPr>
+          <p:cNvPr id="3" name="Picture 8" descr="https://avatars0.githubusercontent.com/u/232371?v=3&amp;s=400"/>
+          <p:cNvPicPr>
+            <a:picLocks noChangeAspect="1" noChangeArrowheads="1"/>
+          </p:cNvPicPr>
+          <p:nvPr/>
+        </p:nvPicPr>
+        <p:blipFill>
+          <a:blip r:embed="rId3" cstate="print">
+            <a:extLst>
+              <a:ext uri="{28A0092B-C50C-407E-A947-70E740481C1C}">
+                <a14:useLocalDpi xmlns:a14="http://schemas.microsoft.com/office/drawing/2010/main" val="0"/>
+              </a:ext>
+            </a:extLst>
+          </a:blip>
+          <a:srcRect/>
+          <a:stretch>
+            <a:fillRect/>
+          </a:stretch>
+        </p:blipFill>
+        <p:spPr bwMode="auto">
+          <a:xfrm>
+            <a:off x="395536" y="5216790"/>
+            <a:ext cx="1254667" cy="1254668"/>
+          </a:xfrm>
+          <a:prstGeom prst="rect">
+            <a:avLst/>
+          </a:prstGeom>
+          <a:noFill/>
+          <a:ln>
+            <a:noFill/>
+          </a:ln>
+          <a:extLst>
+            <a:ext uri="{909E8E84-426E-40DD-AFC4-6F175D3DCCD1}">
+              <a14:hiddenFill xmlns:a14="http://schemas.microsoft.com/office/drawing/2010/main">
+                <a:solidFill>
+                  <a:srgbClr val="FFFFFF"/>
+                </a:solidFill>
+              </a14:hiddenFill>
+            </a:ext>
+            <a:ext uri="{91240B29-F687-4F45-9708-019B960494DF}">
+              <a14:hiddenLine xmlns:a14="http://schemas.microsoft.com/office/drawing/2010/main" w="9525">
+                <a:solidFill>
+                  <a:srgbClr val="000000"/>
+                </a:solidFill>
+                <a:miter lim="800000"/>
+                <a:headEnd/>
+                <a:tailEnd/>
+              </a14:hiddenLine>
+            </a:ext>
+          </a:extLst>
+        </p:spPr>
+      </p:pic>
+      <p:sp>
+        <p:nvSpPr>
+          <p:cNvPr id="10" name="Otsikko 1"/>
+          <p:cNvSpPr txBox="1">
+            <a:spLocks/>
+          </p:cNvSpPr>
+          <p:nvPr/>
+        </p:nvSpPr>
+        <p:spPr bwMode="auto">
+          <a:xfrm>
+            <a:off x="338311" y="870587"/>
+            <a:ext cx="9035472" cy="599694"/>
+          </a:xfrm>
+          <a:prstGeom prst="rect">
+            <a:avLst/>
+          </a:prstGeom>
+          <a:noFill/>
+          <a:ln>
+            <a:noFill/>
+          </a:ln>
+          <a:extLst>
+            <a:ext uri="{909E8E84-426E-40DD-AFC4-6F175D3DCCD1}">
+              <a14:hiddenFill xmlns:a14="http://schemas.microsoft.com/office/drawing/2010/main">
+                <a:solidFill>
+                  <a:srgbClr val="FFFFFF"/>
+                </a:solidFill>
+              </a14:hiddenFill>
+            </a:ext>
+            <a:ext uri="{91240B29-F687-4F45-9708-019B960494DF}">
+              <a14:hiddenLine xmlns:a14="http://schemas.microsoft.com/office/drawing/2010/main" w="9525">
+                <a:solidFill>
+                  <a:srgbClr val="000000"/>
+                </a:solidFill>
+                <a:round/>
+                <a:headEnd/>
+                <a:tailEnd/>
+              </a14:hiddenLine>
+            </a:ext>
+          </a:extLst>
+        </p:spPr>
+        <p:txBody>
+          <a:bodyPr vert="horz" wrap="square" lIns="90000" tIns="46800" rIns="90000" bIns="46800" numCol="1" anchor="ctr" anchorCtr="0" compatLnSpc="1">
+            <a:prstTxWarp prst="textNoShape">
+              <a:avLst/>
+            </a:prstTxWarp>
+          </a:bodyPr>
+          <a:lstStyle>
+            <a:lvl1pPr algn="ctr" defTabSz="449263" rtl="0" eaLnBrk="0" fontAlgn="base" hangingPunct="0">
+              <a:spcBef>
+                <a:spcPct val="0"/>
+              </a:spcBef>
+              <a:spcAft>
+                <a:spcPct val="0"/>
+              </a:spcAft>
+              <a:buClr>
+                <a:srgbClr val="000000"/>
+              </a:buClr>
+              <a:buSzPct val="100000"/>
+              <a:buFont typeface="Times New Roman" panose="02020603050405020304" pitchFamily="18" charset="0"/>
+              <a:defRPr sz="4400">
+                <a:solidFill>
+                  <a:srgbClr val="000000"/>
+                </a:solidFill>
+                <a:latin typeface="+mj-lt"/>
+                <a:ea typeface="+mj-ea"/>
+                <a:cs typeface="+mj-cs"/>
+              </a:defRPr>
+            </a:lvl1pPr>
+            <a:lvl2pPr algn="ctr" defTabSz="449263" rtl="0" eaLnBrk="0" fontAlgn="base" hangingPunct="0">
+              <a:spcBef>
+                <a:spcPct val="0"/>
+              </a:spcBef>
+              <a:spcAft>
+                <a:spcPct val="0"/>
+              </a:spcAft>
+              <a:buClr>
+                <a:srgbClr val="000000"/>
+              </a:buClr>
+              <a:buSzPct val="100000"/>
+              <a:buFont typeface="Times New Roman" panose="02020603050405020304" pitchFamily="18" charset="0"/>
+              <a:defRPr sz="4400">
+                <a:solidFill>
+                  <a:srgbClr val="000000"/>
+                </a:solidFill>
+                <a:latin typeface="Arial" charset="0"/>
+                <a:ea typeface="AR PL Mingti2L Big5" charset="0"/>
+                <a:cs typeface="AR PL Mingti2L Big5" charset="0"/>
+              </a:defRPr>
+            </a:lvl2pPr>
+            <a:lvl3pPr algn="ctr" defTabSz="449263" rtl="0" eaLnBrk="0" fontAlgn="base" hangingPunct="0">
+              <a:spcBef>
+                <a:spcPct val="0"/>
+              </a:spcBef>
+              <a:spcAft>
+                <a:spcPct val="0"/>
+              </a:spcAft>
+              <a:buClr>
+                <a:srgbClr val="000000"/>
+              </a:buClr>
+              <a:buSzPct val="100000"/>
+              <a:buFont typeface="Times New Roman" panose="02020603050405020304" pitchFamily="18" charset="0"/>
+              <a:defRPr sz="4400">
+                <a:solidFill>
+                  <a:srgbClr val="000000"/>
+                </a:solidFill>
+                <a:latin typeface="Arial" charset="0"/>
+                <a:ea typeface="AR PL Mingti2L Big5" charset="0"/>
+                <a:cs typeface="AR PL Mingti2L Big5" charset="0"/>
+              </a:defRPr>
+            </a:lvl3pPr>
+            <a:lvl4pPr algn="ctr" defTabSz="449263" rtl="0" eaLnBrk="0" fontAlgn="base" hangingPunct="0">
+              <a:spcBef>
+                <a:spcPct val="0"/>
+              </a:spcBef>
+              <a:spcAft>
+                <a:spcPct val="0"/>
+              </a:spcAft>
+              <a:buClr>
+                <a:srgbClr val="000000"/>
+              </a:buClr>
+              <a:buSzPct val="100000"/>
+              <a:buFont typeface="Times New Roman" panose="02020603050405020304" pitchFamily="18" charset="0"/>
+              <a:defRPr sz="4400">
+                <a:solidFill>
+                  <a:srgbClr val="000000"/>
+                </a:solidFill>
+                <a:latin typeface="Arial" charset="0"/>
+                <a:ea typeface="AR PL Mingti2L Big5" charset="0"/>
+                <a:cs typeface="AR PL Mingti2L Big5" charset="0"/>
+              </a:defRPr>
+            </a:lvl4pPr>
+            <a:lvl5pPr algn="ctr" defTabSz="449263" rtl="0" eaLnBrk="0" fontAlgn="base" hangingPunct="0">
+              <a:spcBef>
+                <a:spcPct val="0"/>
+              </a:spcBef>
+              <a:spcAft>
+                <a:spcPct val="0"/>
+              </a:spcAft>
+              <a:buClr>
+                <a:srgbClr val="000000"/>
+              </a:buClr>
+              <a:buSzPct val="100000"/>
+              <a:buFont typeface="Times New Roman" panose="02020603050405020304" pitchFamily="18" charset="0"/>
+              <a:defRPr sz="4400">
+                <a:solidFill>
+                  <a:srgbClr val="000000"/>
+                </a:solidFill>
+                <a:latin typeface="Arial" charset="0"/>
+                <a:ea typeface="AR PL Mingti2L Big5" charset="0"/>
+                <a:cs typeface="AR PL Mingti2L Big5" charset="0"/>
+              </a:defRPr>
+            </a:lvl5pPr>
+            <a:lvl6pPr marL="2514600" indent="-228600" algn="ctr" defTabSz="449263" rtl="0" fontAlgn="base">
+              <a:spcBef>
+                <a:spcPct val="0"/>
+              </a:spcBef>
+              <a:spcAft>
+                <a:spcPct val="0"/>
+              </a:spcAft>
+              <a:buClr>
+                <a:srgbClr val="000000"/>
+              </a:buClr>
+              <a:buSzPct val="100000"/>
+              <a:buFont typeface="Times New Roman" pitchFamily="16" charset="0"/>
+              <a:defRPr sz="4400">
+                <a:solidFill>
+                  <a:srgbClr val="000000"/>
+                </a:solidFill>
+                <a:latin typeface="Arial" charset="0"/>
+                <a:ea typeface="AR PL Mingti2L Big5" charset="0"/>
+                <a:cs typeface="AR PL Mingti2L Big5" charset="0"/>
+              </a:defRPr>
+            </a:lvl6pPr>
+            <a:lvl7pPr marL="2971800" indent="-228600" algn="ctr" defTabSz="449263" rtl="0" fontAlgn="base">
+              <a:spcBef>
+                <a:spcPct val="0"/>
+              </a:spcBef>
+              <a:spcAft>
+                <a:spcPct val="0"/>
+              </a:spcAft>
+              <a:buClr>
+                <a:srgbClr val="000000"/>
+              </a:buClr>
+              <a:buSzPct val="100000"/>
+              <a:buFont typeface="Times New Roman" pitchFamily="16" charset="0"/>
+              <a:defRPr sz="4400">
+                <a:solidFill>
+                  <a:srgbClr val="000000"/>
+                </a:solidFill>
+                <a:latin typeface="Arial" charset="0"/>
+                <a:ea typeface="AR PL Mingti2L Big5" charset="0"/>
+                <a:cs typeface="AR PL Mingti2L Big5" charset="0"/>
+              </a:defRPr>
+            </a:lvl7pPr>
+            <a:lvl8pPr marL="3429000" indent="-228600" algn="ctr" defTabSz="449263" rtl="0" fontAlgn="base">
+              <a:spcBef>
+                <a:spcPct val="0"/>
+              </a:spcBef>
+              <a:spcAft>
+                <a:spcPct val="0"/>
+              </a:spcAft>
+              <a:buClr>
+                <a:srgbClr val="000000"/>
+              </a:buClr>
+              <a:buSzPct val="100000"/>
+              <a:buFont typeface="Times New Roman" pitchFamily="16" charset="0"/>
+              <a:defRPr sz="4400">
+                <a:solidFill>
+                  <a:srgbClr val="000000"/>
+                </a:solidFill>
+                <a:latin typeface="Arial" charset="0"/>
+                <a:ea typeface="AR PL Mingti2L Big5" charset="0"/>
+                <a:cs typeface="AR PL Mingti2L Big5" charset="0"/>
+              </a:defRPr>
+            </a:lvl8pPr>
+            <a:lvl9pPr marL="3886200" indent="-228600" algn="ctr" defTabSz="449263" rtl="0" fontAlgn="base">
+              <a:spcBef>
+                <a:spcPct val="0"/>
+              </a:spcBef>
+              <a:spcAft>
+                <a:spcPct val="0"/>
+              </a:spcAft>
+              <a:buClr>
+                <a:srgbClr val="000000"/>
+              </a:buClr>
+              <a:buSzPct val="100000"/>
+              <a:buFont typeface="Times New Roman" pitchFamily="16" charset="0"/>
+              <a:defRPr sz="4400">
+                <a:solidFill>
+                  <a:srgbClr val="000000"/>
+                </a:solidFill>
+                <a:latin typeface="Arial" charset="0"/>
+                <a:ea typeface="AR PL Mingti2L Big5" charset="0"/>
+                <a:cs typeface="AR PL Mingti2L Big5" charset="0"/>
+              </a:defRPr>
+            </a:lvl9pPr>
+          </a:lstStyle>
+          <a:p>
+            <a:pPr algn="l"/>
+            <a:r>
+              <a:rPr lang="fi-FI" altLang="fi-FI" sz="4000" b="1" kern="0" dirty="0" smtClean="0">
+                <a:solidFill>
+                  <a:schemeClr val="accent6">
+                    <a:lumMod val="75000"/>
+                  </a:schemeClr>
+                </a:solidFill>
+              </a:rPr>
+              <a:t>Muuttujaan voi sijoittaa luvun</a:t>
+            </a:r>
+            <a:endParaRPr lang="fi-FI" altLang="fi-FI" sz="4000" b="1" kern="0" dirty="0">
+              <a:solidFill>
+                <a:schemeClr val="accent6">
+                  <a:lumMod val="75000"/>
+                </a:schemeClr>
+              </a:solidFill>
+            </a:endParaRPr>
+          </a:p>
+        </p:txBody>
+      </p:sp>
+      <p:sp>
+        <p:nvSpPr>
+          <p:cNvPr id="27" name="Suorakulmio 26"/>
+          <p:cNvSpPr/>
+          <p:nvPr/>
+        </p:nvSpPr>
+        <p:spPr>
+          <a:xfrm>
+            <a:off x="179512" y="2230659"/>
+            <a:ext cx="184731" cy="461665"/>
+          </a:xfrm>
+          <a:prstGeom prst="rect">
+            <a:avLst/>
+          </a:prstGeom>
+        </p:spPr>
+        <p:txBody>
+          <a:bodyPr wrap="none">
+            <a:spAutoFit/>
+          </a:bodyPr>
+          <a:lstStyle/>
+          <a:p>
+            <a:endParaRPr lang="fi-FI" sz="2400" dirty="0"/>
+          </a:p>
+        </p:txBody>
+      </p:sp>
+      <p:sp>
+        <p:nvSpPr>
+          <p:cNvPr id="7" name="Alatunnisteen paikkamerkki 6"/>
+          <p:cNvSpPr>
+            <a:spLocks noGrp="1"/>
+          </p:cNvSpPr>
+          <p:nvPr>
+            <p:ph type="ftr" sz="quarter" idx="11"/>
+          </p:nvPr>
+        </p:nvSpPr>
+        <p:spPr/>
+        <p:txBody>
+          <a:bodyPr/>
+          <a:lstStyle/>
+          <a:p>
+            <a:pPr algn="r">
+              <a:defRPr/>
+            </a:pPr>
+            <a:r>
+              <a:rPr lang="fi-FI" dirty="0"/>
+              <a:t>MAOL Ohjelmointia matematiikkaan</a:t>
+            </a:r>
+            <a:endParaRPr lang="ru-RU" dirty="0"/>
+          </a:p>
+        </p:txBody>
+      </p:sp>
+      <p:pic>
+        <p:nvPicPr>
+          <p:cNvPr id="51" name="Picture 2" descr="WeScheme Logo"/>
+          <p:cNvPicPr>
+            <a:picLocks noChangeAspect="1" noChangeArrowheads="1"/>
+          </p:cNvPicPr>
+          <p:nvPr/>
+        </p:nvPicPr>
+        <p:blipFill>
+          <a:blip r:embed="rId4" cstate="print">
+            <a:extLst>
+              <a:ext uri="{28A0092B-C50C-407E-A947-70E740481C1C}">
+                <a14:useLocalDpi xmlns:a14="http://schemas.microsoft.com/office/drawing/2010/main" val="0"/>
+              </a:ext>
+            </a:extLst>
+          </a:blip>
+          <a:srcRect/>
+          <a:stretch>
+            <a:fillRect/>
+          </a:stretch>
+        </p:blipFill>
+        <p:spPr bwMode="auto">
+          <a:xfrm>
+            <a:off x="7236296" y="5087626"/>
+            <a:ext cx="1495802" cy="1383832"/>
+          </a:xfrm>
+          <a:prstGeom prst="rect">
+            <a:avLst/>
+          </a:prstGeom>
+          <a:noFill/>
+          <a:ln>
+            <a:noFill/>
+          </a:ln>
+          <a:effectLst>
+            <a:outerShdw blurRad="50800" dist="38100" dir="5400000" algn="t" rotWithShape="0">
+              <a:prstClr val="black">
+                <a:alpha val="40000"/>
+              </a:prstClr>
+            </a:outerShdw>
+          </a:effectLst>
+          <a:extLst>
+            <a:ext uri="{909E8E84-426E-40DD-AFC4-6F175D3DCCD1}">
+              <a14:hiddenFill xmlns:a14="http://schemas.microsoft.com/office/drawing/2010/main">
+                <a:solidFill>
+                  <a:srgbClr val="FFFFFF"/>
+                </a:solidFill>
+              </a14:hiddenFill>
+            </a:ext>
+            <a:ext uri="{91240B29-F687-4F45-9708-019B960494DF}">
+              <a14:hiddenLine xmlns:a14="http://schemas.microsoft.com/office/drawing/2010/main" w="9525">
+                <a:solidFill>
+                  <a:srgbClr val="000000"/>
+                </a:solidFill>
+                <a:miter lim="800000"/>
+                <a:headEnd/>
+                <a:tailEnd/>
+              </a14:hiddenLine>
+            </a:ext>
+          </a:extLst>
+        </p:spPr>
+      </p:pic>
+      <p:sp>
+        <p:nvSpPr>
+          <p:cNvPr id="4" name="Rectangle 3"/>
+          <p:cNvSpPr/>
+          <p:nvPr/>
+        </p:nvSpPr>
+        <p:spPr>
+          <a:xfrm>
+            <a:off x="4427984" y="3235030"/>
+            <a:ext cx="248786" cy="369332"/>
+          </a:xfrm>
+          <a:prstGeom prst="rect">
+            <a:avLst/>
+          </a:prstGeom>
+        </p:spPr>
+        <p:txBody>
+          <a:bodyPr wrap="none">
+            <a:spAutoFit/>
+          </a:bodyPr>
+          <a:lstStyle/>
+          <a:p>
+            <a:r>
+              <a:rPr lang="fi-FI" dirty="0"/>
+              <a:t>.</a:t>
+            </a:r>
+          </a:p>
+        </p:txBody>
+      </p:sp>
+      <p:sp>
+        <p:nvSpPr>
           <p:cNvPr id="2" name="TextBox 1"/>
           <p:cNvSpPr txBox="1"/>
           <p:nvPr/>
@@ -10470,8 +14421,8 @@
         </p:nvSpPr>
         <p:spPr>
           <a:xfrm>
-            <a:off x="759371" y="3550079"/>
-            <a:ext cx="3096344" cy="523220"/>
+            <a:off x="759370" y="3550079"/>
+            <a:ext cx="3668613" cy="523220"/>
           </a:xfrm>
           <a:prstGeom prst="rect">
             <a:avLst/>
@@ -10509,7 +14460,7 @@
                   <a:schemeClr val="tx1"/>
                 </a:solidFill>
               </a:rPr>
-              <a:t> a 10) </a:t>
+              <a:t> lukumäärä 10) </a:t>
             </a:r>
             <a:endParaRPr lang="fi-FI" sz="2800" dirty="0">
               <a:solidFill>
@@ -10570,7 +14521,7 @@
         <p:spPr>
           <a:xfrm>
             <a:off x="834235" y="2652698"/>
-            <a:ext cx="1629019" cy="646331"/>
+            <a:ext cx="1760176" cy="646331"/>
           </a:xfrm>
           <a:prstGeom prst="rect">
             <a:avLst/>
@@ -10589,7 +14540,7 @@
           <a:p>
             <a:r>
               <a:rPr lang="fi-FI" dirty="0" smtClean="0"/>
-              <a:t>Muuttujan nimi on a.</a:t>
+              <a:t>Muuttujan nimi on lukumäärä.</a:t>
             </a:r>
             <a:endParaRPr lang="fi-FI" dirty="0"/>
           </a:p>
@@ -10604,7 +14555,7 @@
         <p:spPr>
           <a:xfrm>
             <a:off x="2696688" y="2652698"/>
-            <a:ext cx="1629019" cy="646331"/>
+            <a:ext cx="2091336" cy="646331"/>
           </a:xfrm>
           <a:prstGeom prst="rect">
             <a:avLst/>
@@ -10623,15 +14574,7 @@
           <a:p>
             <a:r>
               <a:rPr lang="fi-FI" dirty="0" smtClean="0"/>
-              <a:t>Muuttujan a</a:t>
-            </a:r>
-            <a:r>
-              <a:rPr lang="fi-FI" dirty="0"/>
-              <a:t> </a:t>
-            </a:r>
-            <a:r>
-              <a:rPr lang="fi-FI" dirty="0" smtClean="0"/>
-              <a:t>arvo on 10.</a:t>
+              <a:t>Muuttujan luku-määrä arvo on 10.</a:t>
             </a:r>
             <a:endParaRPr lang="fi-FI" dirty="0"/>
           </a:p>
@@ -10647,8 +14590,8 @@
         </p:nvCxnSpPr>
         <p:spPr>
           <a:xfrm flipH="1">
-            <a:off x="2594411" y="3299029"/>
-            <a:ext cx="916787" cy="351255"/>
+            <a:off x="2594412" y="3299029"/>
+            <a:ext cx="1147944" cy="351255"/>
           </a:xfrm>
           <a:prstGeom prst="straightConnector1">
             <a:avLst/>
@@ -10740,41 +14683,6 @@
           </a:fontRef>
         </p:style>
       </p:cxnSp>
-      <p:pic>
-        <p:nvPicPr>
-          <p:cNvPr id="22" name="Picture 21"/>
-          <p:cNvPicPr>
-            <a:picLocks noChangeAspect="1"/>
-          </p:cNvPicPr>
-          <p:nvPr/>
-        </p:nvPicPr>
-        <p:blipFill>
-          <a:blip r:embed="rId4">
-            <a:extLst>
-              <a:ext uri="{28A0092B-C50C-407E-A947-70E740481C1C}">
-                <a14:useLocalDpi xmlns:a14="http://schemas.microsoft.com/office/drawing/2010/main" val="0"/>
-              </a:ext>
-            </a:extLst>
-          </a:blip>
-          <a:stretch>
-            <a:fillRect/>
-          </a:stretch>
-        </p:blipFill>
-        <p:spPr>
-          <a:xfrm>
-            <a:off x="4945278" y="2684540"/>
-            <a:ext cx="2495465" cy="1936481"/>
-          </a:xfrm>
-          <a:prstGeom prst="rect">
-            <a:avLst/>
-          </a:prstGeom>
-          <a:ln>
-            <a:solidFill>
-              <a:schemeClr val="tx1"/>
-            </a:solidFill>
-          </a:ln>
-        </p:spPr>
-      </p:pic>
       <p:sp>
         <p:nvSpPr>
           <p:cNvPr id="24" name="TextBox 23"/>
@@ -10783,7 +14691,7 @@
         </p:nvSpPr>
         <p:spPr>
           <a:xfrm>
-            <a:off x="6168457" y="4373350"/>
+            <a:off x="6467789" y="4265740"/>
             <a:ext cx="1895209" cy="369332"/>
           </a:xfrm>
           <a:prstGeom prst="rect">
@@ -11598,7 +15506,7 @@
             </a:r>
             <a:r>
               <a:rPr lang="fi-FI" dirty="0" smtClean="0"/>
-              <a:t> nimi ”Niko”). Millaisen virheilmoituksen saat?  </a:t>
+              <a:t> nimi ”Jenni”). Millaisen virheilmoituksen saat?  </a:t>
             </a:r>
             <a:endParaRPr lang="fi-FI" dirty="0"/>
           </a:p>
@@ -11696,7 +15604,7 @@
         </p:nvSpPr>
         <p:spPr>
           <a:xfrm>
-            <a:off x="387810" y="2887571"/>
+            <a:off x="360167" y="2657344"/>
             <a:ext cx="1074012" cy="338554"/>
           </a:xfrm>
           <a:prstGeom prst="rect">
@@ -11788,7 +15696,7 @@
         </p:nvSpPr>
         <p:spPr>
           <a:xfrm>
-            <a:off x="372533" y="3805532"/>
+            <a:off x="372533" y="3717130"/>
             <a:ext cx="1104566" cy="338554"/>
           </a:xfrm>
           <a:prstGeom prst="rect">
@@ -11885,7 +15793,29 @@
                 <a:effectLst/>
                 <a:latin typeface="Arial" charset="0"/>
               </a:rPr>
-              <a:t>Määrittele muuttuja x = 5.</a:t>
+              <a:t>Määrittele muuttuja </a:t>
+            </a:r>
+            <a:r>
+              <a:rPr lang="fi-FI" sz="2200" dirty="0" smtClean="0">
+                <a:solidFill>
+                  <a:schemeClr val="tx1"/>
+                </a:solidFill>
+                <a:latin typeface="Arial" charset="0"/>
+              </a:rPr>
+              <a:t>pituus</a:t>
+            </a:r>
+            <a:r>
+              <a:rPr kumimoji="0" lang="fi-FI" sz="2200" b="0" i="0" u="none" strike="noStrike" cap="none" normalizeH="0" dirty="0" smtClean="0">
+                <a:ln>
+                  <a:noFill/>
+                </a:ln>
+                <a:solidFill>
+                  <a:schemeClr val="tx1"/>
+                </a:solidFill>
+                <a:effectLst/>
+                <a:latin typeface="Arial" charset="0"/>
+              </a:rPr>
+              <a:t> = 5.</a:t>
             </a:r>
           </a:p>
         </p:txBody>
@@ -12198,7 +16128,29 @@
                   </a:schemeClr>
                 </a:solidFill>
               </a:rPr>
-              <a:t>Tehtäväsarja 1. Laskemista muuttujien avulla</a:t>
+              <a:t>Tehtäväsarja </a:t>
+            </a:r>
+            <a:r>
+              <a:rPr lang="fi-FI" altLang="fi-FI" sz="4000" b="1" kern="0" dirty="0" smtClean="0">
+                <a:solidFill>
+                  <a:schemeClr val="accent6">
+                    <a:lumMod val="75000"/>
+                  </a:schemeClr>
+                </a:solidFill>
+                <a:latin typeface="Arial" panose="020B0604020202020204" pitchFamily="34" charset="0"/>
+                <a:cs typeface="Arial" panose="020B0604020202020204" pitchFamily="34" charset="0"/>
+              </a:rPr>
+              <a:t>1</a:t>
+            </a:r>
+            <a:r>
+              <a:rPr lang="fi-FI" altLang="fi-FI" sz="4000" b="1" kern="0" dirty="0" smtClean="0">
+                <a:solidFill>
+                  <a:schemeClr val="accent6">
+                    <a:lumMod val="75000"/>
+                  </a:schemeClr>
+                </a:solidFill>
+              </a:rPr>
+              <a:t>: Laskemista muuttujien avulla</a:t>
             </a:r>
             <a:endParaRPr lang="fi-FI" altLang="fi-FI" sz="4000" b="1" kern="0" dirty="0">
               <a:solidFill>
@@ -12218,8 +16170,8 @@
         </p:nvSpPr>
         <p:spPr>
           <a:xfrm>
-            <a:off x="2010211" y="2757355"/>
-            <a:ext cx="5112034" cy="769441"/>
+            <a:off x="2047920" y="2522308"/>
+            <a:ext cx="5112034" cy="1107996"/>
           </a:xfrm>
           <a:prstGeom prst="rect">
             <a:avLst/>
@@ -12239,7 +16191,7 @@
                 </a:solidFill>
                 <a:latin typeface="Arial" charset="0"/>
               </a:rPr>
-              <a:t>Laske tehtävässä 1 määrittelemäsi muuttujan avulla lausekkeen x+3 arvo.</a:t>
+              <a:t>Laske tehtävässä 1 määrittelemäsi muuttujan avulla lausekkeen pituus + 3 arvo.</a:t>
             </a:r>
             <a:endParaRPr kumimoji="0" lang="fi-FI" sz="2200" b="0" i="0" u="none" strike="noStrike" cap="none" normalizeH="0" dirty="0" smtClean="0">
               <a:ln>
@@ -12262,8 +16214,8 @@
         </p:nvSpPr>
         <p:spPr>
           <a:xfrm>
-            <a:off x="2051720" y="3746023"/>
-            <a:ext cx="5112034" cy="769441"/>
+            <a:off x="2047920" y="3635413"/>
+            <a:ext cx="5112034" cy="1107996"/>
           </a:xfrm>
           <a:prstGeom prst="rect">
             <a:avLst/>
@@ -12283,7 +16235,43 @@
                 </a:solidFill>
                 <a:latin typeface="Arial" charset="0"/>
               </a:rPr>
-              <a:t>Laske tehtävässä 1 määrittelemäsi muuttujan avulla lausekkeen 10-x arvo.</a:t>
+              <a:t>Laske tehtävässä 1 määrittelemäsi muuttujan avulla lausekkeen </a:t>
+            </a:r>
+            <a:r>
+              <a:rPr lang="fi-FI" sz="2200" dirty="0">
+                <a:solidFill>
+                  <a:schemeClr val="tx1"/>
+                </a:solidFill>
+                <a:latin typeface="Arial" charset="0"/>
+              </a:rPr>
+              <a:t>3</a:t>
+            </a:r>
+            <a:r>
+              <a:rPr lang="fi-FI" sz="2200" dirty="0" smtClean="0">
+                <a:solidFill>
+                  <a:schemeClr val="tx1"/>
+                </a:solidFill>
+                <a:latin typeface="Arial" charset="0"/>
+              </a:rPr>
+              <a:t> </a:t>
+            </a:r>
+            <a:r>
+              <a:rPr lang="fi-FI" sz="2200" dirty="0">
+                <a:solidFill>
+                  <a:schemeClr val="tx1"/>
+                </a:solidFill>
+                <a:latin typeface="Arial" charset="0"/>
+              </a:rPr>
+              <a:t>·</a:t>
+            </a:r>
+            <a:r>
+              <a:rPr lang="fi-FI" sz="2200" dirty="0" smtClean="0">
+                <a:solidFill>
+                  <a:schemeClr val="tx1"/>
+                </a:solidFill>
+                <a:latin typeface="Arial" charset="0"/>
+              </a:rPr>
+              <a:t> pituus arvo.</a:t>
             </a:r>
             <a:endParaRPr kumimoji="0" lang="fi-FI" sz="2200" b="0" i="0" u="none" strike="noStrike" cap="none" normalizeH="0" dirty="0" smtClean="0">
               <a:ln>
@@ -13750,7 +17738,7 @@
                   </a:schemeClr>
                 </a:solidFill>
               </a:rPr>
-              <a:t>Tehtäväsarja 1I. Laskemista muuttujien avulla</a:t>
+              <a:t>Tehtäväsarja 2: Laskemista muuttujien avulla</a:t>
             </a:r>
             <a:endParaRPr lang="fi-FI" altLang="fi-FI" sz="4000" b="1" kern="0" dirty="0">
               <a:solidFill>
@@ -14505,23 +18493,7 @@
                   <a:schemeClr val="tx1"/>
                 </a:solidFill>
               </a:rPr>
-              <a:t>Luku 22 on suurempi tai </a:t>
-            </a:r>
-            <a:r>
-              <a:rPr lang="fi-FI" dirty="0" err="1" smtClean="0">
-                <a:solidFill>
-                  <a:schemeClr val="tx1"/>
-                </a:solidFill>
-              </a:rPr>
-              <a:t>yhtäsuuri</a:t>
-            </a:r>
-            <a:r>
-              <a:rPr lang="fi-FI" dirty="0" smtClean="0">
-                <a:solidFill>
-                  <a:schemeClr val="tx1"/>
-                </a:solidFill>
-              </a:rPr>
-              <a:t> kuin 17+4.				TOSI</a:t>
+              <a:t>Luku 22 on suurempi kuin 17+4.						TOSI</a:t>
             </a:r>
           </a:p>
           <a:p>
@@ -14535,23 +18507,7 @@
                   <a:schemeClr val="tx1"/>
                 </a:solidFill>
               </a:rPr>
-              <a:t>Luku 18 on pienempi tai </a:t>
-            </a:r>
-            <a:r>
-              <a:rPr lang="fi-FI" dirty="0" err="1" smtClean="0">
-                <a:solidFill>
-                  <a:schemeClr val="tx1"/>
-                </a:solidFill>
-              </a:rPr>
-              <a:t>yhtäsuuri</a:t>
-            </a:r>
-            <a:r>
-              <a:rPr lang="fi-FI" dirty="0" smtClean="0">
-                <a:solidFill>
-                  <a:schemeClr val="tx1"/>
-                </a:solidFill>
-              </a:rPr>
-              <a:t> kuin 15+4				TOSI</a:t>
+              <a:t>Luku 18 on pienempi kuin 15+4							TOSI</a:t>
             </a:r>
           </a:p>
         </p:txBody>
@@ -15093,14 +19049,14 @@
           <p:nvPr>
             <p:extLst>
               <p:ext uri="{D42A27DB-BD31-4B8C-83A1-F6EECF244321}">
-                <p14:modId xmlns:p14="http://schemas.microsoft.com/office/powerpoint/2010/main" val="2430186793"/>
+                <p14:modId xmlns:p14="http://schemas.microsoft.com/office/powerpoint/2010/main" val="3220195999"/>
               </p:ext>
             </p:extLst>
           </p:nvPr>
         </p:nvGraphicFramePr>
         <p:xfrm>
           <a:off x="752732" y="1579804"/>
-          <a:ext cx="6096000" cy="2225040"/>
+          <a:ext cx="6096000" cy="1483360"/>
         </p:xfrm>
         <a:graphic>
           <a:graphicData uri="http://schemas.openxmlformats.org/drawingml/2006/table">
@@ -15293,110 +19249,6 @@
                   <a:tcPr/>
                 </a:tc>
               </a:tr>
-              <a:tr h="370840">
-                <a:tc>
-                  <a:txBody>
-                    <a:bodyPr/>
-                    <a:lstStyle/>
-                    <a:p>
-                      <a:r>
-                        <a:rPr lang="fi-FI" dirty="0" smtClean="0"/>
-                        <a:t>≥</a:t>
-                      </a:r>
-                      <a:endParaRPr lang="fi-FI" dirty="0"/>
-                    </a:p>
-                  </a:txBody>
-                  <a:tcPr/>
-                </a:tc>
-                <a:tc>
-                  <a:txBody>
-                    <a:bodyPr/>
-                    <a:lstStyle/>
-                    <a:p>
-                      <a:r>
-                        <a:rPr lang="fi-FI" dirty="0" smtClean="0"/>
-                        <a:t>&gt;=</a:t>
-                      </a:r>
-                      <a:endParaRPr lang="fi-FI" dirty="0"/>
-                    </a:p>
-                  </a:txBody>
-                  <a:tcPr/>
-                </a:tc>
-                <a:tc>
-                  <a:txBody>
-                    <a:bodyPr/>
-                    <a:lstStyle/>
-                    <a:p>
-                      <a:r>
-                        <a:rPr lang="fi-FI" dirty="0" smtClean="0"/>
-                        <a:t>suurempi tai </a:t>
-                      </a:r>
-                      <a:r>
-                        <a:rPr lang="fi-FI" dirty="0" err="1" smtClean="0"/>
-                        <a:t>yhtäsuuri</a:t>
-                      </a:r>
-                      <a:r>
-                        <a:rPr lang="fi-FI" baseline="0" dirty="0" smtClean="0"/>
-                        <a:t> kuin</a:t>
-                      </a:r>
-                      <a:endParaRPr lang="fi-FI" dirty="0"/>
-                    </a:p>
-                  </a:txBody>
-                  <a:tcPr/>
-                </a:tc>
-              </a:tr>
-              <a:tr h="370840">
-                <a:tc>
-                  <a:txBody>
-                    <a:bodyPr/>
-                    <a:lstStyle/>
-                    <a:p>
-                      <a:r>
-                        <a:rPr lang="fi-FI" dirty="0" smtClean="0"/>
-                        <a:t>≤</a:t>
-                      </a:r>
-                      <a:endParaRPr lang="fi-FI" dirty="0"/>
-                    </a:p>
-                  </a:txBody>
-                  <a:tcPr/>
-                </a:tc>
-                <a:tc>
-                  <a:txBody>
-                    <a:bodyPr/>
-                    <a:lstStyle/>
-                    <a:p>
-                      <a:r>
-                        <a:rPr lang="fi-FI" dirty="0" smtClean="0"/>
-                        <a:t>&lt;=</a:t>
-                      </a:r>
-                      <a:endParaRPr lang="fi-FI" dirty="0"/>
-                    </a:p>
-                  </a:txBody>
-                  <a:tcPr/>
-                </a:tc>
-                <a:tc>
-                  <a:txBody>
-                    <a:bodyPr/>
-                    <a:lstStyle/>
-                    <a:p>
-                      <a:r>
-                        <a:rPr lang="fi-FI" dirty="0" smtClean="0"/>
-                        <a:t>pienempi tai </a:t>
-                      </a:r>
-                      <a:r>
-                        <a:rPr lang="fi-FI" dirty="0" err="1" smtClean="0"/>
-                        <a:t>yhtäsuuri</a:t>
-                      </a:r>
-                      <a:r>
-                        <a:rPr lang="fi-FI" dirty="0" smtClean="0"/>
-                        <a:t> kuin</a:t>
-                      </a:r>
-                      <a:endParaRPr lang="fi-FI" dirty="0"/>
-                    </a:p>
-                  </a:txBody>
-                  <a:tcPr/>
-                </a:tc>
-              </a:tr>
             </a:tbl>
           </a:graphicData>
         </a:graphic>
@@ -15409,8 +19261,8 @@
         </p:nvSpPr>
         <p:spPr>
           <a:xfrm>
-            <a:off x="719257" y="4045508"/>
-            <a:ext cx="6096000" cy="1200329"/>
+            <a:off x="622724" y="3925950"/>
+            <a:ext cx="6877079" cy="923330"/>
           </a:xfrm>
           <a:prstGeom prst="rect">
             <a:avLst/>
@@ -15485,7 +19337,7 @@
                   <a:schemeClr val="tx1"/>
                 </a:solidFill>
               </a:rPr>
-              <a:t>) </a:t>
+              <a:t>).</a:t>
             </a:r>
             <a:endParaRPr lang="fi-FI" dirty="0">
               <a:solidFill>
@@ -15527,6 +19379,41 @@
       </p:grpSpPr>
       <p:pic>
         <p:nvPicPr>
+          <p:cNvPr id="2" name="Picture 1"/>
+          <p:cNvPicPr>
+            <a:picLocks noChangeAspect="1"/>
+          </p:cNvPicPr>
+          <p:nvPr/>
+        </p:nvPicPr>
+        <p:blipFill>
+          <a:blip r:embed="rId2">
+            <a:extLst>
+              <a:ext uri="{28A0092B-C50C-407E-A947-70E740481C1C}">
+                <a14:useLocalDpi xmlns:a14="http://schemas.microsoft.com/office/drawing/2010/main" val="0"/>
+              </a:ext>
+            </a:extLst>
+          </a:blip>
+          <a:stretch>
+            <a:fillRect/>
+          </a:stretch>
+        </p:blipFill>
+        <p:spPr>
+          <a:xfrm>
+            <a:off x="4596427" y="1710973"/>
+            <a:ext cx="2581920" cy="3067113"/>
+          </a:xfrm>
+          <a:prstGeom prst="rect">
+            <a:avLst/>
+          </a:prstGeom>
+          <a:ln>
+            <a:solidFill>
+              <a:schemeClr val="tx1"/>
+            </a:solidFill>
+          </a:ln>
+        </p:spPr>
+      </p:pic>
+      <p:pic>
+        <p:nvPicPr>
           <p:cNvPr id="3" name="Picture 8" descr="https://avatars0.githubusercontent.com/u/232371?v=3&amp;s=400"/>
           <p:cNvPicPr>
             <a:picLocks noChangeAspect="1" noChangeArrowheads="1"/>
@@ -15534,7 +19421,7 @@
           <p:nvPr/>
         </p:nvPicPr>
         <p:blipFill>
-          <a:blip r:embed="rId2" cstate="print">
+          <a:blip r:embed="rId3" cstate="print">
             <a:extLst>
               <a:ext uri="{28A0092B-C50C-407E-A947-70E740481C1C}">
                 <a14:useLocalDpi xmlns:a14="http://schemas.microsoft.com/office/drawing/2010/main" val="0"/>
@@ -15898,7 +19785,7 @@
           <p:nvPr/>
         </p:nvPicPr>
         <p:blipFill>
-          <a:blip r:embed="rId3" cstate="print">
+          <a:blip r:embed="rId4" cstate="print">
             <a:extLst>
               <a:ext uri="{28A0092B-C50C-407E-A947-70E740481C1C}">
                 <a14:useLocalDpi xmlns:a14="http://schemas.microsoft.com/office/drawing/2010/main" val="0"/>
@@ -16023,43 +19910,6 @@
           </a:p>
         </p:txBody>
       </p:sp>
-      <p:pic>
-        <p:nvPicPr>
-          <p:cNvPr id="9" name="Picture 8"/>
-          <p:cNvPicPr>
-            <a:picLocks noChangeAspect="1"/>
-          </p:cNvPicPr>
-          <p:nvPr/>
-        </p:nvPicPr>
-        <p:blipFill>
-          <a:blip r:embed="rId4">
-            <a:extLst>
-              <a:ext uri="{28A0092B-C50C-407E-A947-70E740481C1C}">
-                <a14:useLocalDpi xmlns:a14="http://schemas.microsoft.com/office/drawing/2010/main" val="0"/>
-              </a:ext>
-            </a:extLst>
-          </a:blip>
-          <a:stretch>
-            <a:fillRect/>
-          </a:stretch>
-        </p:blipFill>
-        <p:spPr>
-          <a:xfrm>
-            <a:off x="4427984" y="1755645"/>
-            <a:ext cx="4445100" cy="2958770"/>
-          </a:xfrm>
-          <a:prstGeom prst="rect">
-            <a:avLst/>
-          </a:prstGeom>
-          <a:ln>
-            <a:solidFill>
-              <a:schemeClr val="accent1">
-                <a:lumMod val="90000"/>
-              </a:schemeClr>
-            </a:solidFill>
-          </a:ln>
-        </p:spPr>
-      </p:pic>
       <p:sp>
         <p:nvSpPr>
           <p:cNvPr id="14" name="TextBox 13"/>
@@ -16122,7 +19972,7 @@
                   <a:schemeClr val="tx1"/>
                 </a:solidFill>
               </a:rPr>
-              <a:t>Kokeile vertailuoperaattorien =, &gt;, &lt;, &gt;= ja &lt;= käyttöä Interaktioikkunassa.</a:t>
+              <a:t>Kokeile vertailuoperaattorien =, &gt; ja &lt; käyttöä Interaktioikkunassa.</a:t>
             </a:r>
             <a:endParaRPr lang="fi-FI" sz="2000" dirty="0">
               <a:solidFill>
